--- a/Faure_Lionel_1_veille_012024.pptx
+++ b/Faure_Lionel_1_veille_012024.pptx
@@ -18,6 +18,10 @@
     <p:sldId id="263" r:id="rId13"/>
     <p:sldId id="264" r:id="rId14"/>
     <p:sldId id="265" r:id="rId15"/>
+    <p:sldId id="266" r:id="rId16"/>
+    <p:sldId id="267" r:id="rId17"/>
+    <p:sldId id="268" r:id="rId18"/>
+    <p:sldId id="269" r:id="rId19"/>
   </p:sldIdLst>
   <p:sldSz cy="5143500" cx="9144000"/>
   <p:notesSz cx="6858000" cy="9144000"/>
@@ -799,7 +803,7 @@
   <p:cSld>
     <p:spTree>
       <p:nvGrpSpPr>
-        <p:cNvPr id="154" name="Shape 154"/>
+        <p:cNvPr id="158" name="Shape 158"/>
         <p:cNvGrpSpPr/>
         <p:nvPr/>
       </p:nvGrpSpPr>
@@ -813,7 +817,7 @@
       </p:grpSpPr>
       <p:sp>
         <p:nvSpPr>
-          <p:cNvPr id="155" name="Google Shape;155;g2aca977d1cb_0_135:notes"/>
+          <p:cNvPr id="159" name="Google Shape;159;g2aca977d1cb_0_135:notes"/>
           <p:cNvSpPr/>
           <p:nvPr>
             <p:ph idx="2" type="sldImg"/>
@@ -848,7 +852,403 @@
       </p:sp>
       <p:sp>
         <p:nvSpPr>
-          <p:cNvPr id="156" name="Google Shape;156;g2aca977d1cb_0_135:notes"/>
+          <p:cNvPr id="160" name="Google Shape;160;g2aca977d1cb_0_135:notes"/>
+          <p:cNvSpPr txBox="1"/>
+          <p:nvPr>
+            <p:ph idx="1" type="body"/>
+          </p:nvPr>
+        </p:nvSpPr>
+        <p:spPr>
+          <a:xfrm>
+            <a:off x="685800" y="4343400"/>
+            <a:ext cx="5486400" cy="4114800"/>
+          </a:xfrm>
+          <a:prstGeom prst="rect">
+            <a:avLst/>
+          </a:prstGeom>
+        </p:spPr>
+        <p:txBody>
+          <a:bodyPr anchorCtr="0" anchor="t" bIns="91425" lIns="91425" spcFirstLastPara="1" rIns="91425" wrap="square" tIns="91425">
+            <a:noAutofit/>
+          </a:bodyPr>
+          <a:lstStyle/>
+          <a:p>
+            <a:pPr indent="0" lvl="0" marL="0" rtl="0" algn="l">
+              <a:spcBef>
+                <a:spcPts val="0"/>
+              </a:spcBef>
+              <a:spcAft>
+                <a:spcPts val="0"/>
+              </a:spcAft>
+              <a:buNone/>
+            </a:pPr>
+            <a:r>
+              <a:t/>
+            </a:r>
+            <a:endParaRPr/>
+          </a:p>
+        </p:txBody>
+      </p:sp>
+    </p:spTree>
+  </p:cSld>
+  <p:clrMapOvr>
+    <a:masterClrMapping/>
+  </p:clrMapOvr>
+</p:notes>
+</file>
+
+<file path=ppt/notesSlides/notesSlide11.xml><?xml version="1.0" encoding="utf-8"?>
+<p:notes xmlns:a="http://schemas.openxmlformats.org/drawingml/2006/main" xmlns:r="http://schemas.openxmlformats.org/officeDocument/2006/relationships" xmlns:mc="http://schemas.openxmlformats.org/markup-compatibility/2006" xmlns:mv="urn:schemas-microsoft-com:mac:vml" xmlns:p="http://schemas.openxmlformats.org/presentationml/2006/main" xmlns:c="http://schemas.openxmlformats.org/drawingml/2006/chart" xmlns:dgm="http://schemas.openxmlformats.org/drawingml/2006/diagram" xmlns:o="urn:schemas-microsoft-com:office:office" xmlns:v="urn:schemas-microsoft-com:vml" xmlns:pvml="urn:schemas-microsoft-com:office:powerpoint" xmlns:com="http://schemas.openxmlformats.org/drawingml/2006/compatibility" xmlns:p14="http://schemas.microsoft.com/office/powerpoint/2010/main" xmlns:p15="http://schemas.microsoft.com/office/powerpoint/2012/main" xmlns:ahyp="http://schemas.microsoft.com/office/drawing/2018/hyperlinkcolor" showMasterPhAnim="0" showMasterSp="0">
+  <p:cSld>
+    <p:spTree>
+      <p:nvGrpSpPr>
+        <p:cNvPr id="180" name="Shape 180"/>
+        <p:cNvGrpSpPr/>
+        <p:nvPr/>
+      </p:nvGrpSpPr>
+      <p:grpSpPr>
+        <a:xfrm>
+          <a:off x="0" y="0"/>
+          <a:ext cx="0" cy="0"/>
+          <a:chOff x="0" y="0"/>
+          <a:chExt cx="0" cy="0"/>
+        </a:xfrm>
+      </p:grpSpPr>
+      <p:sp>
+        <p:nvSpPr>
+          <p:cNvPr id="181" name="Google Shape;181;g2b18e3c9196_0_0:notes"/>
+          <p:cNvSpPr/>
+          <p:nvPr>
+            <p:ph idx="2" type="sldImg"/>
+          </p:nvPr>
+        </p:nvSpPr>
+        <p:spPr>
+          <a:xfrm>
+            <a:off x="381300" y="685800"/>
+            <a:ext cx="6096000" cy="3429000"/>
+          </a:xfrm>
+          <a:custGeom>
+            <a:rect b="b" l="l" r="r" t="t"/>
+            <a:pathLst>
+              <a:path extrusionOk="0" h="120000" w="120000">
+                <a:moveTo>
+                  <a:pt x="0" y="0"/>
+                </a:moveTo>
+                <a:lnTo>
+                  <a:pt x="120000" y="0"/>
+                </a:lnTo>
+                <a:lnTo>
+                  <a:pt x="120000" y="120000"/>
+                </a:lnTo>
+                <a:lnTo>
+                  <a:pt x="0" y="120000"/>
+                </a:lnTo>
+                <a:close/>
+              </a:path>
+            </a:pathLst>
+          </a:custGeom>
+        </p:spPr>
+      </p:sp>
+      <p:sp>
+        <p:nvSpPr>
+          <p:cNvPr id="182" name="Google Shape;182;g2b18e3c9196_0_0:notes"/>
+          <p:cNvSpPr txBox="1"/>
+          <p:nvPr>
+            <p:ph idx="1" type="body"/>
+          </p:nvPr>
+        </p:nvSpPr>
+        <p:spPr>
+          <a:xfrm>
+            <a:off x="685800" y="4343400"/>
+            <a:ext cx="5486400" cy="4114800"/>
+          </a:xfrm>
+          <a:prstGeom prst="rect">
+            <a:avLst/>
+          </a:prstGeom>
+        </p:spPr>
+        <p:txBody>
+          <a:bodyPr anchorCtr="0" anchor="t" bIns="91425" lIns="91425" spcFirstLastPara="1" rIns="91425" wrap="square" tIns="91425">
+            <a:noAutofit/>
+          </a:bodyPr>
+          <a:lstStyle/>
+          <a:p>
+            <a:pPr indent="0" lvl="0" marL="0" rtl="0" algn="l">
+              <a:spcBef>
+                <a:spcPts val="0"/>
+              </a:spcBef>
+              <a:spcAft>
+                <a:spcPts val="0"/>
+              </a:spcAft>
+              <a:buNone/>
+            </a:pPr>
+            <a:r>
+              <a:t/>
+            </a:r>
+            <a:endParaRPr/>
+          </a:p>
+        </p:txBody>
+      </p:sp>
+    </p:spTree>
+  </p:cSld>
+  <p:clrMapOvr>
+    <a:masterClrMapping/>
+  </p:clrMapOvr>
+</p:notes>
+</file>
+
+<file path=ppt/notesSlides/notesSlide12.xml><?xml version="1.0" encoding="utf-8"?>
+<p:notes xmlns:a="http://schemas.openxmlformats.org/drawingml/2006/main" xmlns:r="http://schemas.openxmlformats.org/officeDocument/2006/relationships" xmlns:mc="http://schemas.openxmlformats.org/markup-compatibility/2006" xmlns:mv="urn:schemas-microsoft-com:mac:vml" xmlns:p="http://schemas.openxmlformats.org/presentationml/2006/main" xmlns:c="http://schemas.openxmlformats.org/drawingml/2006/chart" xmlns:dgm="http://schemas.openxmlformats.org/drawingml/2006/diagram" xmlns:o="urn:schemas-microsoft-com:office:office" xmlns:v="urn:schemas-microsoft-com:vml" xmlns:pvml="urn:schemas-microsoft-com:office:powerpoint" xmlns:com="http://schemas.openxmlformats.org/drawingml/2006/compatibility" xmlns:p14="http://schemas.microsoft.com/office/powerpoint/2010/main" xmlns:p15="http://schemas.microsoft.com/office/powerpoint/2012/main" xmlns:ahyp="http://schemas.microsoft.com/office/drawing/2018/hyperlinkcolor" showMasterPhAnim="0" showMasterSp="0">
+  <p:cSld>
+    <p:spTree>
+      <p:nvGrpSpPr>
+        <p:cNvPr id="193" name="Shape 193"/>
+        <p:cNvGrpSpPr/>
+        <p:nvPr/>
+      </p:nvGrpSpPr>
+      <p:grpSpPr>
+        <a:xfrm>
+          <a:off x="0" y="0"/>
+          <a:ext cx="0" cy="0"/>
+          <a:chOff x="0" y="0"/>
+          <a:chExt cx="0" cy="0"/>
+        </a:xfrm>
+      </p:grpSpPr>
+      <p:sp>
+        <p:nvSpPr>
+          <p:cNvPr id="194" name="Google Shape;194;g2b18e3c9196_0_25:notes"/>
+          <p:cNvSpPr/>
+          <p:nvPr>
+            <p:ph idx="2" type="sldImg"/>
+          </p:nvPr>
+        </p:nvSpPr>
+        <p:spPr>
+          <a:xfrm>
+            <a:off x="381300" y="685800"/>
+            <a:ext cx="6096000" cy="3429000"/>
+          </a:xfrm>
+          <a:custGeom>
+            <a:rect b="b" l="l" r="r" t="t"/>
+            <a:pathLst>
+              <a:path extrusionOk="0" h="120000" w="120000">
+                <a:moveTo>
+                  <a:pt x="0" y="0"/>
+                </a:moveTo>
+                <a:lnTo>
+                  <a:pt x="120000" y="0"/>
+                </a:lnTo>
+                <a:lnTo>
+                  <a:pt x="120000" y="120000"/>
+                </a:lnTo>
+                <a:lnTo>
+                  <a:pt x="0" y="120000"/>
+                </a:lnTo>
+                <a:close/>
+              </a:path>
+            </a:pathLst>
+          </a:custGeom>
+        </p:spPr>
+      </p:sp>
+      <p:sp>
+        <p:nvSpPr>
+          <p:cNvPr id="195" name="Google Shape;195;g2b18e3c9196_0_25:notes"/>
+          <p:cNvSpPr txBox="1"/>
+          <p:nvPr>
+            <p:ph idx="1" type="body"/>
+          </p:nvPr>
+        </p:nvSpPr>
+        <p:spPr>
+          <a:xfrm>
+            <a:off x="685800" y="4343400"/>
+            <a:ext cx="5486400" cy="4114800"/>
+          </a:xfrm>
+          <a:prstGeom prst="rect">
+            <a:avLst/>
+          </a:prstGeom>
+        </p:spPr>
+        <p:txBody>
+          <a:bodyPr anchorCtr="0" anchor="t" bIns="91425" lIns="91425" spcFirstLastPara="1" rIns="91425" wrap="square" tIns="91425">
+            <a:noAutofit/>
+          </a:bodyPr>
+          <a:lstStyle/>
+          <a:p>
+            <a:pPr indent="0" lvl="0" marL="0" rtl="0" algn="l">
+              <a:spcBef>
+                <a:spcPts val="0"/>
+              </a:spcBef>
+              <a:spcAft>
+                <a:spcPts val="0"/>
+              </a:spcAft>
+              <a:buNone/>
+            </a:pPr>
+            <a:r>
+              <a:t/>
+            </a:r>
+            <a:endParaRPr/>
+          </a:p>
+        </p:txBody>
+      </p:sp>
+    </p:spTree>
+  </p:cSld>
+  <p:clrMapOvr>
+    <a:masterClrMapping/>
+  </p:clrMapOvr>
+</p:notes>
+</file>
+
+<file path=ppt/notesSlides/notesSlide13.xml><?xml version="1.0" encoding="utf-8"?>
+<p:notes xmlns:a="http://schemas.openxmlformats.org/drawingml/2006/main" xmlns:r="http://schemas.openxmlformats.org/officeDocument/2006/relationships" xmlns:mc="http://schemas.openxmlformats.org/markup-compatibility/2006" xmlns:mv="urn:schemas-microsoft-com:mac:vml" xmlns:p="http://schemas.openxmlformats.org/presentationml/2006/main" xmlns:c="http://schemas.openxmlformats.org/drawingml/2006/chart" xmlns:dgm="http://schemas.openxmlformats.org/drawingml/2006/diagram" xmlns:o="urn:schemas-microsoft-com:office:office" xmlns:v="urn:schemas-microsoft-com:vml" xmlns:pvml="urn:schemas-microsoft-com:office:powerpoint" xmlns:com="http://schemas.openxmlformats.org/drawingml/2006/compatibility" xmlns:p14="http://schemas.microsoft.com/office/powerpoint/2010/main" xmlns:p15="http://schemas.microsoft.com/office/powerpoint/2012/main" xmlns:ahyp="http://schemas.microsoft.com/office/drawing/2018/hyperlinkcolor" showMasterPhAnim="0" showMasterSp="0">
+  <p:cSld>
+    <p:spTree>
+      <p:nvGrpSpPr>
+        <p:cNvPr id="203" name="Shape 203"/>
+        <p:cNvGrpSpPr/>
+        <p:nvPr/>
+      </p:nvGrpSpPr>
+      <p:grpSpPr>
+        <a:xfrm>
+          <a:off x="0" y="0"/>
+          <a:ext cx="0" cy="0"/>
+          <a:chOff x="0" y="0"/>
+          <a:chExt cx="0" cy="0"/>
+        </a:xfrm>
+      </p:grpSpPr>
+      <p:sp>
+        <p:nvSpPr>
+          <p:cNvPr id="204" name="Google Shape;204;g28eaaf58703_1_0:notes"/>
+          <p:cNvSpPr/>
+          <p:nvPr>
+            <p:ph idx="2" type="sldImg"/>
+          </p:nvPr>
+        </p:nvSpPr>
+        <p:spPr>
+          <a:xfrm>
+            <a:off x="381300" y="685800"/>
+            <a:ext cx="6096000" cy="3429000"/>
+          </a:xfrm>
+          <a:custGeom>
+            <a:rect b="b" l="l" r="r" t="t"/>
+            <a:pathLst>
+              <a:path extrusionOk="0" h="120000" w="120000">
+                <a:moveTo>
+                  <a:pt x="0" y="0"/>
+                </a:moveTo>
+                <a:lnTo>
+                  <a:pt x="120000" y="0"/>
+                </a:lnTo>
+                <a:lnTo>
+                  <a:pt x="120000" y="120000"/>
+                </a:lnTo>
+                <a:lnTo>
+                  <a:pt x="0" y="120000"/>
+                </a:lnTo>
+                <a:close/>
+              </a:path>
+            </a:pathLst>
+          </a:custGeom>
+        </p:spPr>
+      </p:sp>
+      <p:sp>
+        <p:nvSpPr>
+          <p:cNvPr id="205" name="Google Shape;205;g28eaaf58703_1_0:notes"/>
+          <p:cNvSpPr txBox="1"/>
+          <p:nvPr>
+            <p:ph idx="1" type="body"/>
+          </p:nvPr>
+        </p:nvSpPr>
+        <p:spPr>
+          <a:xfrm>
+            <a:off x="685800" y="4343400"/>
+            <a:ext cx="5486400" cy="4114800"/>
+          </a:xfrm>
+          <a:prstGeom prst="rect">
+            <a:avLst/>
+          </a:prstGeom>
+        </p:spPr>
+        <p:txBody>
+          <a:bodyPr anchorCtr="0" anchor="t" bIns="91425" lIns="91425" spcFirstLastPara="1" rIns="91425" wrap="square" tIns="91425">
+            <a:noAutofit/>
+          </a:bodyPr>
+          <a:lstStyle/>
+          <a:p>
+            <a:pPr indent="0" lvl="0" marL="0" rtl="0" algn="l">
+              <a:spcBef>
+                <a:spcPts val="0"/>
+              </a:spcBef>
+              <a:spcAft>
+                <a:spcPts val="0"/>
+              </a:spcAft>
+              <a:buNone/>
+            </a:pPr>
+            <a:r>
+              <a:t/>
+            </a:r>
+            <a:endParaRPr/>
+          </a:p>
+        </p:txBody>
+      </p:sp>
+    </p:spTree>
+  </p:cSld>
+  <p:clrMapOvr>
+    <a:masterClrMapping/>
+  </p:clrMapOvr>
+</p:notes>
+</file>
+
+<file path=ppt/notesSlides/notesSlide14.xml><?xml version="1.0" encoding="utf-8"?>
+<p:notes xmlns:a="http://schemas.openxmlformats.org/drawingml/2006/main" xmlns:r="http://schemas.openxmlformats.org/officeDocument/2006/relationships" xmlns:mc="http://schemas.openxmlformats.org/markup-compatibility/2006" xmlns:mv="urn:schemas-microsoft-com:mac:vml" xmlns:p="http://schemas.openxmlformats.org/presentationml/2006/main" xmlns:c="http://schemas.openxmlformats.org/drawingml/2006/chart" xmlns:dgm="http://schemas.openxmlformats.org/drawingml/2006/diagram" xmlns:o="urn:schemas-microsoft-com:office:office" xmlns:v="urn:schemas-microsoft-com:vml" xmlns:pvml="urn:schemas-microsoft-com:office:powerpoint" xmlns:com="http://schemas.openxmlformats.org/drawingml/2006/compatibility" xmlns:p14="http://schemas.microsoft.com/office/powerpoint/2010/main" xmlns:p15="http://schemas.microsoft.com/office/powerpoint/2012/main" xmlns:ahyp="http://schemas.microsoft.com/office/drawing/2018/hyperlinkcolor" showMasterPhAnim="0" showMasterSp="0">
+  <p:cSld>
+    <p:spTree>
+      <p:nvGrpSpPr>
+        <p:cNvPr id="213" name="Shape 213"/>
+        <p:cNvGrpSpPr/>
+        <p:nvPr/>
+      </p:nvGrpSpPr>
+      <p:grpSpPr>
+        <a:xfrm>
+          <a:off x="0" y="0"/>
+          <a:ext cx="0" cy="0"/>
+          <a:chOff x="0" y="0"/>
+          <a:chExt cx="0" cy="0"/>
+        </a:xfrm>
+      </p:grpSpPr>
+      <p:sp>
+        <p:nvSpPr>
+          <p:cNvPr id="214" name="Google Shape;214;g2b1e12796e6_0_0:notes"/>
+          <p:cNvSpPr/>
+          <p:nvPr>
+            <p:ph idx="2" type="sldImg"/>
+          </p:nvPr>
+        </p:nvSpPr>
+        <p:spPr>
+          <a:xfrm>
+            <a:off x="381300" y="685800"/>
+            <a:ext cx="6096000" cy="3429000"/>
+          </a:xfrm>
+          <a:custGeom>
+            <a:rect b="b" l="l" r="r" t="t"/>
+            <a:pathLst>
+              <a:path extrusionOk="0" h="120000" w="120000">
+                <a:moveTo>
+                  <a:pt x="0" y="0"/>
+                </a:moveTo>
+                <a:lnTo>
+                  <a:pt x="120000" y="0"/>
+                </a:lnTo>
+                <a:lnTo>
+                  <a:pt x="120000" y="120000"/>
+                </a:lnTo>
+                <a:lnTo>
+                  <a:pt x="0" y="120000"/>
+                </a:lnTo>
+                <a:close/>
+              </a:path>
+            </a:pathLst>
+          </a:custGeom>
+        </p:spPr>
+      </p:sp>
+      <p:sp>
+        <p:nvSpPr>
+          <p:cNvPr id="215" name="Google Shape;215;g2b1e12796e6_0_0:notes"/>
           <p:cNvSpPr txBox="1"/>
           <p:nvPr>
             <p:ph idx="1" type="body"/>
@@ -1096,7 +1496,7 @@
   <p:cSld>
     <p:spTree>
       <p:nvGrpSpPr>
-        <p:cNvPr id="74" name="Shape 74"/>
+        <p:cNvPr id="75" name="Shape 75"/>
         <p:cNvGrpSpPr/>
         <p:nvPr/>
       </p:nvGrpSpPr>
@@ -1110,7 +1510,7 @@
       </p:grpSpPr>
       <p:sp>
         <p:nvSpPr>
-          <p:cNvPr id="75" name="Google Shape;75;g2ac7dfafbcf_0_317:notes"/>
+          <p:cNvPr id="76" name="Google Shape;76;g2ac7dfafbcf_0_317:notes"/>
           <p:cNvSpPr/>
           <p:nvPr>
             <p:ph idx="2" type="sldImg"/>
@@ -1145,7 +1545,7 @@
       </p:sp>
       <p:sp>
         <p:nvSpPr>
-          <p:cNvPr id="76" name="Google Shape;76;g2ac7dfafbcf_0_317:notes"/>
+          <p:cNvPr id="77" name="Google Shape;77;g2ac7dfafbcf_0_317:notes"/>
           <p:cNvSpPr txBox="1"/>
           <p:nvPr>
             <p:ph idx="1" type="body"/>
@@ -1195,7 +1595,7 @@
   <p:cSld>
     <p:spTree>
       <p:nvGrpSpPr>
-        <p:cNvPr id="83" name="Shape 83"/>
+        <p:cNvPr id="85" name="Shape 85"/>
         <p:cNvGrpSpPr/>
         <p:nvPr/>
       </p:nvGrpSpPr>
@@ -1209,7 +1609,7 @@
       </p:grpSpPr>
       <p:sp>
         <p:nvSpPr>
-          <p:cNvPr id="84" name="Google Shape;84;g2aca977d1cb_0_10:notes"/>
+          <p:cNvPr id="86" name="Google Shape;86;g2aca977d1cb_0_10:notes"/>
           <p:cNvSpPr/>
           <p:nvPr>
             <p:ph idx="2" type="sldImg"/>
@@ -1244,7 +1644,7 @@
       </p:sp>
       <p:sp>
         <p:nvSpPr>
-          <p:cNvPr id="85" name="Google Shape;85;g2aca977d1cb_0_10:notes"/>
+          <p:cNvPr id="87" name="Google Shape;87;g2aca977d1cb_0_10:notes"/>
           <p:cNvSpPr txBox="1"/>
           <p:nvPr>
             <p:ph idx="1" type="body"/>
@@ -1294,7 +1694,7 @@
   <p:cSld>
     <p:spTree>
       <p:nvGrpSpPr>
-        <p:cNvPr id="92" name="Shape 92"/>
+        <p:cNvPr id="95" name="Shape 95"/>
         <p:cNvGrpSpPr/>
         <p:nvPr/>
       </p:nvGrpSpPr>
@@ -1308,7 +1708,7 @@
       </p:grpSpPr>
       <p:sp>
         <p:nvSpPr>
-          <p:cNvPr id="93" name="Google Shape;93;g2aca977d1cb_0_50:notes"/>
+          <p:cNvPr id="96" name="Google Shape;96;g2aca977d1cb_0_50:notes"/>
           <p:cNvSpPr/>
           <p:nvPr>
             <p:ph idx="2" type="sldImg"/>
@@ -1343,7 +1743,7 @@
       </p:sp>
       <p:sp>
         <p:nvSpPr>
-          <p:cNvPr id="94" name="Google Shape;94;g2aca977d1cb_0_50:notes"/>
+          <p:cNvPr id="97" name="Google Shape;97;g2aca977d1cb_0_50:notes"/>
           <p:cNvSpPr txBox="1"/>
           <p:nvPr>
             <p:ph idx="1" type="body"/>
@@ -1393,7 +1793,7 @@
   <p:cSld>
     <p:spTree>
       <p:nvGrpSpPr>
-        <p:cNvPr id="106" name="Shape 106"/>
+        <p:cNvPr id="110" name="Shape 110"/>
         <p:cNvGrpSpPr/>
         <p:nvPr/>
       </p:nvGrpSpPr>
@@ -1407,7 +1807,7 @@
       </p:grpSpPr>
       <p:sp>
         <p:nvSpPr>
-          <p:cNvPr id="107" name="Google Shape;107;g2aca977d1cb_0_63:notes"/>
+          <p:cNvPr id="111" name="Google Shape;111;g2aca977d1cb_0_63:notes"/>
           <p:cNvSpPr/>
           <p:nvPr>
             <p:ph idx="2" type="sldImg"/>
@@ -1442,7 +1842,7 @@
       </p:sp>
       <p:sp>
         <p:nvSpPr>
-          <p:cNvPr id="108" name="Google Shape;108;g2aca977d1cb_0_63:notes"/>
+          <p:cNvPr id="112" name="Google Shape;112;g2aca977d1cb_0_63:notes"/>
           <p:cNvSpPr txBox="1"/>
           <p:nvPr>
             <p:ph idx="1" type="body"/>
@@ -1492,7 +1892,7 @@
   <p:cSld>
     <p:spTree>
       <p:nvGrpSpPr>
-        <p:cNvPr id="120" name="Shape 120"/>
+        <p:cNvPr id="124" name="Shape 124"/>
         <p:cNvGrpSpPr/>
         <p:nvPr/>
       </p:nvGrpSpPr>
@@ -1506,7 +1906,7 @@
       </p:grpSpPr>
       <p:sp>
         <p:nvSpPr>
-          <p:cNvPr id="121" name="Google Shape;121;g2aca977d1cb_0_84:notes"/>
+          <p:cNvPr id="125" name="Google Shape;125;g2aca977d1cb_0_84:notes"/>
           <p:cNvSpPr/>
           <p:nvPr>
             <p:ph idx="2" type="sldImg"/>
@@ -1541,7 +1941,7 @@
       </p:sp>
       <p:sp>
         <p:nvSpPr>
-          <p:cNvPr id="122" name="Google Shape;122;g2aca977d1cb_0_84:notes"/>
+          <p:cNvPr id="126" name="Google Shape;126;g2aca977d1cb_0_84:notes"/>
           <p:cNvSpPr txBox="1"/>
           <p:nvPr>
             <p:ph idx="1" type="body"/>
@@ -1591,7 +1991,7 @@
   <p:cSld>
     <p:spTree>
       <p:nvGrpSpPr>
-        <p:cNvPr id="133" name="Shape 133"/>
+        <p:cNvPr id="137" name="Shape 137"/>
         <p:cNvGrpSpPr/>
         <p:nvPr/>
       </p:nvGrpSpPr>
@@ -1605,7 +2005,7 @@
       </p:grpSpPr>
       <p:sp>
         <p:nvSpPr>
-          <p:cNvPr id="134" name="Google Shape;134;g2aca977d1cb_0_104:notes"/>
+          <p:cNvPr id="138" name="Google Shape;138;g2aca977d1cb_0_104:notes"/>
           <p:cNvSpPr/>
           <p:nvPr>
             <p:ph idx="2" type="sldImg"/>
@@ -1640,7 +2040,7 @@
       </p:sp>
       <p:sp>
         <p:nvSpPr>
-          <p:cNvPr id="135" name="Google Shape;135;g2aca977d1cb_0_104:notes"/>
+          <p:cNvPr id="139" name="Google Shape;139;g2aca977d1cb_0_104:notes"/>
           <p:cNvSpPr txBox="1"/>
           <p:nvPr>
             <p:ph idx="1" type="body"/>
@@ -6442,7 +6842,7 @@
                   <a:schemeClr val="lt2"/>
                 </a:solidFill>
               </a:rPr>
-              <a:t>et Atom en ligne</a:t>
+              <a:t>en ligne</a:t>
             </a:r>
             <a:endParaRPr sz="100">
               <a:solidFill>
@@ -6667,7 +7067,7 @@
     </p:bg>
     <p:spTree>
       <p:nvGrpSpPr>
-        <p:cNvPr id="157" name="Shape 157"/>
+        <p:cNvPr id="161" name="Shape 161"/>
         <p:cNvGrpSpPr/>
         <p:nvPr/>
       </p:nvGrpSpPr>
@@ -6681,7 +7081,7 @@
       </p:grpSpPr>
       <p:pic>
         <p:nvPicPr>
-          <p:cNvPr id="158" name="Google Shape;158;p22"/>
+          <p:cNvPr id="162" name="Google Shape;162;p22"/>
           <p:cNvPicPr preferRelativeResize="0"/>
           <p:nvPr/>
         </p:nvPicPr>
@@ -6708,7 +7108,7 @@
       </p:pic>
       <p:sp>
         <p:nvSpPr>
-          <p:cNvPr id="159" name="Google Shape;159;p22"/>
+          <p:cNvPr id="163" name="Google Shape;163;p22"/>
           <p:cNvSpPr txBox="1"/>
           <p:nvPr/>
         </p:nvSpPr>
@@ -6750,7 +7150,7 @@
                 <a:cs typeface="Calibri"/>
                 <a:sym typeface="Calibri"/>
               </a:rPr>
-              <a:t>9</a:t>
+              <a:t>8</a:t>
             </a:r>
             <a:endParaRPr b="1" sz="2400">
               <a:solidFill>
@@ -6766,7 +7166,7 @@
       </p:sp>
       <p:cxnSp>
         <p:nvCxnSpPr>
-          <p:cNvPr id="160" name="Google Shape;160;p22"/>
+          <p:cNvPr id="164" name="Google Shape;164;p22"/>
           <p:cNvCxnSpPr/>
           <p:nvPr/>
         </p:nvCxnSpPr>
@@ -6792,7 +7192,7 @@
       </p:cxnSp>
       <p:sp>
         <p:nvSpPr>
-          <p:cNvPr id="161" name="Google Shape;161;p22"/>
+          <p:cNvPr id="165" name="Google Shape;165;p22"/>
           <p:cNvSpPr txBox="1"/>
           <p:nvPr/>
         </p:nvSpPr>
@@ -6874,14 +7274,14 @@
       </p:sp>
       <p:sp>
         <p:nvSpPr>
-          <p:cNvPr id="162" name="Google Shape;162;p22"/>
+          <p:cNvPr id="166" name="Google Shape;166;p22"/>
           <p:cNvSpPr txBox="1"/>
           <p:nvPr/>
         </p:nvSpPr>
         <p:spPr>
           <a:xfrm>
-            <a:off x="3600450" y="-7650"/>
-            <a:ext cx="1943100" cy="569400"/>
+            <a:off x="2257500" y="-7650"/>
+            <a:ext cx="4629000" cy="569400"/>
           </a:xfrm>
           <a:prstGeom prst="rect">
             <a:avLst/>
@@ -6897,7 +7297,7 @@
           </a:bodyPr>
           <a:lstStyle/>
           <a:p>
-            <a:pPr indent="0" lvl="0" marL="0" rtl="0" algn="l">
+            <a:pPr indent="0" lvl="0" marL="0" rtl="0" algn="ctr">
               <a:spcBef>
                 <a:spcPts val="0"/>
               </a:spcBef>
@@ -6916,7 +7316,7 @@
                 <a:cs typeface="Calibri"/>
                 <a:sym typeface="Calibri"/>
               </a:rPr>
-              <a:t>LES ARTICLES</a:t>
+              <a:t>ENREGISTREMENT ET PARTAGE</a:t>
             </a:r>
             <a:endParaRPr b="1" sz="2500" u="sng">
               <a:solidFill>
@@ -6932,7 +7332,7 @@
       </p:sp>
       <p:pic>
         <p:nvPicPr>
-          <p:cNvPr id="163" name="Google Shape;163;p22"/>
+          <p:cNvPr id="167" name="Google Shape;167;p22"/>
           <p:cNvPicPr preferRelativeResize="0"/>
           <p:nvPr/>
         </p:nvPicPr>
@@ -6966,7 +7366,7 @@
       </p:pic>
       <p:sp>
         <p:nvSpPr>
-          <p:cNvPr id="164" name="Google Shape;164;p22"/>
+          <p:cNvPr id="168" name="Google Shape;168;p22"/>
           <p:cNvSpPr/>
           <p:nvPr/>
         </p:nvSpPr>
@@ -7015,9 +7415,9 @@
       </p:sp>
       <p:cxnSp>
         <p:nvCxnSpPr>
-          <p:cNvPr id="165" name="Google Shape;165;p22"/>
+          <p:cNvPr id="169" name="Google Shape;169;p22"/>
           <p:cNvCxnSpPr>
-            <a:endCxn id="164" idx="0"/>
+            <a:endCxn id="168" idx="0"/>
           </p:cNvCxnSpPr>
           <p:nvPr/>
         </p:nvCxnSpPr>
@@ -7043,7 +7443,7 @@
       </p:cxnSp>
       <p:sp>
         <p:nvSpPr>
-          <p:cNvPr id="166" name="Google Shape;166;p22"/>
+          <p:cNvPr id="170" name="Google Shape;170;p22"/>
           <p:cNvSpPr txBox="1"/>
           <p:nvPr/>
         </p:nvSpPr>
@@ -7101,7 +7501,7 @@
       </p:sp>
       <p:sp>
         <p:nvSpPr>
-          <p:cNvPr id="167" name="Google Shape;167;p22"/>
+          <p:cNvPr id="171" name="Google Shape;171;p22"/>
           <p:cNvSpPr/>
           <p:nvPr/>
         </p:nvSpPr>
@@ -7150,9 +7550,9 @@
       </p:sp>
       <p:cxnSp>
         <p:nvCxnSpPr>
-          <p:cNvPr id="168" name="Google Shape;168;p22"/>
+          <p:cNvPr id="172" name="Google Shape;172;p22"/>
           <p:cNvCxnSpPr>
-            <a:endCxn id="167" idx="0"/>
+            <a:endCxn id="171" idx="0"/>
           </p:cNvCxnSpPr>
           <p:nvPr/>
         </p:nvCxnSpPr>
@@ -7178,7 +7578,7 @@
       </p:cxnSp>
       <p:sp>
         <p:nvSpPr>
-          <p:cNvPr id="169" name="Google Shape;169;p22"/>
+          <p:cNvPr id="173" name="Google Shape;173;p22"/>
           <p:cNvSpPr txBox="1"/>
           <p:nvPr/>
         </p:nvSpPr>
@@ -7236,7 +7636,7 @@
       </p:sp>
       <p:sp>
         <p:nvSpPr>
-          <p:cNvPr id="170" name="Google Shape;170;p22"/>
+          <p:cNvPr id="174" name="Google Shape;174;p22"/>
           <p:cNvSpPr/>
           <p:nvPr/>
         </p:nvSpPr>
@@ -7285,9 +7685,9 @@
       </p:sp>
       <p:cxnSp>
         <p:nvCxnSpPr>
-          <p:cNvPr id="171" name="Google Shape;171;p22"/>
+          <p:cNvPr id="175" name="Google Shape;175;p22"/>
           <p:cNvCxnSpPr>
-            <a:endCxn id="170" idx="0"/>
+            <a:endCxn id="174" idx="0"/>
           </p:cNvCxnSpPr>
           <p:nvPr/>
         </p:nvCxnSpPr>
@@ -7313,7 +7713,7 @@
       </p:cxnSp>
       <p:sp>
         <p:nvSpPr>
-          <p:cNvPr id="172" name="Google Shape;172;p22"/>
+          <p:cNvPr id="176" name="Google Shape;176;p22"/>
           <p:cNvSpPr txBox="1"/>
           <p:nvPr/>
         </p:nvSpPr>
@@ -7371,7 +7771,7 @@
       </p:sp>
       <p:sp>
         <p:nvSpPr>
-          <p:cNvPr id="173" name="Google Shape;173;p22"/>
+          <p:cNvPr id="177" name="Google Shape;177;p22"/>
           <p:cNvSpPr/>
           <p:nvPr/>
         </p:nvSpPr>
@@ -7420,7 +7820,7 @@
       </p:sp>
       <p:sp>
         <p:nvSpPr>
-          <p:cNvPr id="174" name="Google Shape;174;p22"/>
+          <p:cNvPr id="178" name="Google Shape;178;p22"/>
           <p:cNvSpPr txBox="1"/>
           <p:nvPr/>
         </p:nvSpPr>
@@ -7478,7 +7878,7 @@
       </p:sp>
       <p:cxnSp>
         <p:nvCxnSpPr>
-          <p:cNvPr id="175" name="Google Shape;175;p22"/>
+          <p:cNvPr id="179" name="Google Shape;179;p22"/>
           <p:cNvCxnSpPr/>
           <p:nvPr/>
         </p:nvCxnSpPr>
@@ -7541,7 +7941,7 @@
                                           </p:stCondLst>
                                         </p:cTn>
                                         <p:tgtEl>
-                                          <p:spTgt spid="161"/>
+                                          <p:spTgt spid="165"/>
                                         </p:tgtEl>
                                         <p:attrNameLst>
                                           <p:attrName>style.visibility</p:attrName>
@@ -7555,7 +7955,7 @@
                                       <p:cBhvr>
                                         <p:cTn dur="500"/>
                                         <p:tgtEl>
-                                          <p:spTgt spid="161"/>
+                                          <p:spTgt spid="165"/>
                                         </p:tgtEl>
                                       </p:cBhvr>
                                     </p:animEffect>
@@ -7576,7 +7976,7 @@
                                           </p:stCondLst>
                                         </p:cTn>
                                         <p:tgtEl>
-                                          <p:spTgt spid="163"/>
+                                          <p:spTgt spid="167"/>
                                         </p:tgtEl>
                                         <p:attrNameLst>
                                           <p:attrName>style.visibility</p:attrName>
@@ -7590,7 +7990,7 @@
                                       <p:cBhvr>
                                         <p:cTn dur="500"/>
                                         <p:tgtEl>
-                                          <p:spTgt spid="163"/>
+                                          <p:spTgt spid="167"/>
                                         </p:tgtEl>
                                       </p:cBhvr>
                                     </p:animEffect>
@@ -7629,7 +8029,7 @@
                                           </p:stCondLst>
                                         </p:cTn>
                                         <p:tgtEl>
-                                          <p:spTgt spid="165"/>
+                                          <p:spTgt spid="169"/>
                                         </p:tgtEl>
                                         <p:attrNameLst>
                                           <p:attrName>style.visibility</p:attrName>
@@ -7643,7 +8043,7 @@
                                       <p:cBhvr>
                                         <p:cTn dur="500"/>
                                         <p:tgtEl>
-                                          <p:spTgt spid="165"/>
+                                          <p:spTgt spid="169"/>
                                         </p:tgtEl>
                                       </p:cBhvr>
                                     </p:animEffect>
@@ -7664,7 +8064,7 @@
                                           </p:stCondLst>
                                         </p:cTn>
                                         <p:tgtEl>
-                                          <p:spTgt spid="166"/>
+                                          <p:spTgt spid="170"/>
                                         </p:tgtEl>
                                         <p:attrNameLst>
                                           <p:attrName>style.visibility</p:attrName>
@@ -7678,130 +8078,7 @@
                                       <p:cBhvr>
                                         <p:cTn dur="500"/>
                                         <p:tgtEl>
-                                          <p:spTgt spid="166"/>
-                                        </p:tgtEl>
-                                      </p:cBhvr>
-                                    </p:animEffect>
-                                  </p:childTnLst>
-                                </p:cTn>
-                              </p:par>
-                              <p:par>
-                                <p:cTn fill="hold" nodeType="withEffect" presetClass="entr" presetID="10" presetSubtype="0">
-                                  <p:stCondLst>
-                                    <p:cond delay="0"/>
-                                  </p:stCondLst>
-                                  <p:childTnLst>
-                                    <p:set>
-                                      <p:cBhvr>
-                                        <p:cTn dur="1" fill="hold">
-                                          <p:stCondLst>
-                                            <p:cond delay="0"/>
-                                          </p:stCondLst>
-                                        </p:cTn>
-                                        <p:tgtEl>
-                                          <p:spTgt spid="164"/>
-                                        </p:tgtEl>
-                                        <p:attrNameLst>
-                                          <p:attrName>style.visibility</p:attrName>
-                                        </p:attrNameLst>
-                                      </p:cBhvr>
-                                      <p:to>
-                                        <p:strVal val="visible"/>
-                                      </p:to>
-                                    </p:set>
-                                    <p:animEffect filter="fade" transition="in">
-                                      <p:cBhvr>
-                                        <p:cTn dur="500"/>
-                                        <p:tgtEl>
-                                          <p:spTgt spid="164"/>
-                                        </p:tgtEl>
-                                      </p:cBhvr>
-                                    </p:animEffect>
-                                  </p:childTnLst>
-                                </p:cTn>
-                              </p:par>
-                              <p:par>
-                                <p:cTn fill="hold" nodeType="withEffect" presetClass="exit" presetID="10" presetSubtype="0">
-                                  <p:stCondLst>
-                                    <p:cond delay="0"/>
-                                  </p:stCondLst>
-                                  <p:childTnLst>
-                                    <p:animEffect filter="fade" transition="out">
-                                      <p:cBhvr>
-                                        <p:cTn dur="500"/>
-                                        <p:tgtEl>
-                                          <p:spTgt spid="161"/>
-                                        </p:tgtEl>
-                                      </p:cBhvr>
-                                    </p:animEffect>
-                                    <p:set>
-                                      <p:cBhvr>
-                                        <p:cTn dur="1" fill="hold">
-                                          <p:stCondLst>
-                                            <p:cond delay="500"/>
-                                          </p:stCondLst>
-                                        </p:cTn>
-                                        <p:tgtEl>
-                                          <p:spTgt spid="161"/>
-                                        </p:tgtEl>
-                                        <p:attrNameLst>
-                                          <p:attrName>style.visibility</p:attrName>
-                                        </p:attrNameLst>
-                                      </p:cBhvr>
-                                      <p:to>
-                                        <p:strVal val="hidden"/>
-                                      </p:to>
-                                    </p:set>
-                                  </p:childTnLst>
-                                </p:cTn>
-                              </p:par>
-                            </p:childTnLst>
-                          </p:cTn>
-                        </p:par>
-                      </p:childTnLst>
-                    </p:cTn>
-                  </p:par>
-                  <p:par>
-                    <p:cTn fill="hold">
-                      <p:stCondLst>
-                        <p:cond delay="indefinite"/>
-                      </p:stCondLst>
-                      <p:childTnLst>
-                        <p:par>
-                          <p:cTn fill="hold">
-                            <p:stCondLst>
-                              <p:cond delay="0"/>
-                            </p:stCondLst>
-                            <p:childTnLst>
-                              <p:par>
-                                <p:cTn fill="hold" nodeType="clickEffect" presetClass="entr" presetID="10" presetSubtype="0">
-                                  <p:stCondLst>
-                                    <p:cond delay="0"/>
-                                  </p:stCondLst>
-                                  <p:childTnLst>
-                                    <p:set>
-                                      <p:cBhvr>
-                                        <p:cTn dur="1" fill="hold">
-                                          <p:stCondLst>
-                                            <p:cond delay="0"/>
-                                          </p:stCondLst>
-                                        </p:cTn>
-                                        <p:tgtEl>
-                                          <p:spTgt spid="167"/>
-                                        </p:tgtEl>
-                                        <p:attrNameLst>
-                                          <p:attrName>style.visibility</p:attrName>
-                                        </p:attrNameLst>
-                                      </p:cBhvr>
-                                      <p:to>
-                                        <p:strVal val="visible"/>
-                                      </p:to>
-                                    </p:set>
-                                    <p:animEffect filter="fade" transition="in">
-                                      <p:cBhvr>
-                                        <p:cTn dur="500"/>
-                                        <p:tgtEl>
-                                          <p:spTgt spid="167"/>
+                                          <p:spTgt spid="170"/>
                                         </p:tgtEl>
                                       </p:cBhvr>
                                     </p:animEffect>
@@ -7844,41 +8121,6 @@
                                 </p:cTn>
                               </p:par>
                               <p:par>
-                                <p:cTn fill="hold" nodeType="withEffect" presetClass="entr" presetID="10" presetSubtype="0">
-                                  <p:stCondLst>
-                                    <p:cond delay="0"/>
-                                  </p:stCondLst>
-                                  <p:childTnLst>
-                                    <p:set>
-                                      <p:cBhvr>
-                                        <p:cTn dur="1" fill="hold">
-                                          <p:stCondLst>
-                                            <p:cond delay="0"/>
-                                          </p:stCondLst>
-                                        </p:cTn>
-                                        <p:tgtEl>
-                                          <p:spTgt spid="169"/>
-                                        </p:tgtEl>
-                                        <p:attrNameLst>
-                                          <p:attrName>style.visibility</p:attrName>
-                                        </p:attrNameLst>
-                                      </p:cBhvr>
-                                      <p:to>
-                                        <p:strVal val="visible"/>
-                                      </p:to>
-                                    </p:set>
-                                    <p:animEffect filter="fade" transition="in">
-                                      <p:cBhvr>
-                                        <p:cTn dur="500"/>
-                                        <p:tgtEl>
-                                          <p:spTgt spid="169"/>
-                                        </p:tgtEl>
-                                      </p:cBhvr>
-                                    </p:animEffect>
-                                  </p:childTnLst>
-                                </p:cTn>
-                              </p:par>
-                              <p:par>
                                 <p:cTn fill="hold" nodeType="withEffect" presetClass="exit" presetID="10" presetSubtype="0">
                                   <p:stCondLst>
                                     <p:cond delay="0"/>
@@ -7901,76 +8143,6 @@
                                         </p:cTn>
                                         <p:tgtEl>
                                           <p:spTgt spid="165"/>
-                                        </p:tgtEl>
-                                        <p:attrNameLst>
-                                          <p:attrName>style.visibility</p:attrName>
-                                        </p:attrNameLst>
-                                      </p:cBhvr>
-                                      <p:to>
-                                        <p:strVal val="hidden"/>
-                                      </p:to>
-                                    </p:set>
-                                  </p:childTnLst>
-                                </p:cTn>
-                              </p:par>
-                              <p:par>
-                                <p:cTn fill="hold" nodeType="withEffect" presetClass="exit" presetID="10" presetSubtype="0">
-                                  <p:stCondLst>
-                                    <p:cond delay="0"/>
-                                  </p:stCondLst>
-                                  <p:childTnLst>
-                                    <p:animEffect filter="fade" transition="out">
-                                      <p:cBhvr>
-                                        <p:cTn dur="700"/>
-                                        <p:tgtEl>
-                                          <p:spTgt spid="166"/>
-                                        </p:tgtEl>
-                                      </p:cBhvr>
-                                    </p:animEffect>
-                                    <p:set>
-                                      <p:cBhvr>
-                                        <p:cTn dur="1" fill="hold">
-                                          <p:stCondLst>
-                                            <p:cond delay="700"/>
-                                          </p:stCondLst>
-                                        </p:cTn>
-                                        <p:tgtEl>
-                                          <p:spTgt spid="166"/>
-                                        </p:tgtEl>
-                                        <p:attrNameLst>
-                                          <p:attrName>style.visibility</p:attrName>
-                                        </p:attrNameLst>
-                                      </p:cBhvr>
-                                      <p:to>
-                                        <p:strVal val="hidden"/>
-                                      </p:to>
-                                    </p:set>
-                                  </p:childTnLst>
-                                </p:cTn>
-                              </p:par>
-                              <p:par>
-                                <p:cTn fill="hold" nodeType="withEffect" presetClass="exit" presetID="10" presetSubtype="0">
-                                  <p:stCondLst>
-                                    <p:cond delay="0"/>
-                                  </p:stCondLst>
-                                  <p:childTnLst>
-                                    <p:animEffect filter="fade" transition="out">
-                                      <p:cBhvr>
-                                        <p:cTn dur="500"/>
-                                        <p:tgtEl>
-                                          <p:spTgt spid="164"/>
-                                        </p:tgtEl>
-                                      </p:cBhvr>
-                                    </p:animEffect>
-                                    <p:set>
-                                      <p:cBhvr>
-                                        <p:cTn dur="1" fill="hold">
-                                          <p:stCondLst>
-                                            <p:cond delay="500"/>
-                                          </p:stCondLst>
-                                        </p:cTn>
-                                        <p:tgtEl>
-                                          <p:spTgt spid="164"/>
                                         </p:tgtEl>
                                         <p:attrNameLst>
                                           <p:attrName>style.visibility</p:attrName>
@@ -8085,7 +8257,7 @@
                                           </p:stCondLst>
                                         </p:cTn>
                                         <p:tgtEl>
-                                          <p:spTgt spid="170"/>
+                                          <p:spTgt spid="173"/>
                                         </p:tgtEl>
                                         <p:attrNameLst>
                                           <p:attrName>style.visibility</p:attrName>
@@ -8099,45 +8271,10 @@
                                       <p:cBhvr>
                                         <p:cTn dur="500"/>
                                         <p:tgtEl>
-                                          <p:spTgt spid="170"/>
+                                          <p:spTgt spid="173"/>
                                         </p:tgtEl>
                                       </p:cBhvr>
                                     </p:animEffect>
-                                  </p:childTnLst>
-                                </p:cTn>
-                              </p:par>
-                              <p:par>
-                                <p:cTn fill="hold" nodeType="withEffect" presetClass="exit" presetID="10" presetSubtype="0">
-                                  <p:stCondLst>
-                                    <p:cond delay="0"/>
-                                  </p:stCondLst>
-                                  <p:childTnLst>
-                                    <p:animEffect filter="fade" transition="out">
-                                      <p:cBhvr>
-                                        <p:cTn dur="500"/>
-                                        <p:tgtEl>
-                                          <p:spTgt spid="168"/>
-                                        </p:tgtEl>
-                                      </p:cBhvr>
-                                    </p:animEffect>
-                                    <p:set>
-                                      <p:cBhvr>
-                                        <p:cTn dur="1" fill="hold">
-                                          <p:stCondLst>
-                                            <p:cond delay="500"/>
-                                          </p:stCondLst>
-                                        </p:cTn>
-                                        <p:tgtEl>
-                                          <p:spTgt spid="168"/>
-                                        </p:tgtEl>
-                                        <p:attrNameLst>
-                                          <p:attrName>style.visibility</p:attrName>
-                                        </p:attrNameLst>
-                                      </p:cBhvr>
-                                      <p:to>
-                                        <p:strVal val="hidden"/>
-                                      </p:to>
-                                    </p:set>
                                   </p:childTnLst>
                                 </p:cTn>
                               </p:par>
@@ -8184,9 +8321,44 @@
                                   <p:childTnLst>
                                     <p:animEffect filter="fade" transition="out">
                                       <p:cBhvr>
+                                        <p:cTn dur="700"/>
+                                        <p:tgtEl>
+                                          <p:spTgt spid="170"/>
+                                        </p:tgtEl>
+                                      </p:cBhvr>
+                                    </p:animEffect>
+                                    <p:set>
+                                      <p:cBhvr>
+                                        <p:cTn dur="1" fill="hold">
+                                          <p:stCondLst>
+                                            <p:cond delay="700"/>
+                                          </p:stCondLst>
+                                        </p:cTn>
+                                        <p:tgtEl>
+                                          <p:spTgt spid="170"/>
+                                        </p:tgtEl>
+                                        <p:attrNameLst>
+                                          <p:attrName>style.visibility</p:attrName>
+                                        </p:attrNameLst>
+                                      </p:cBhvr>
+                                      <p:to>
+                                        <p:strVal val="hidden"/>
+                                      </p:to>
+                                    </p:set>
+                                  </p:childTnLst>
+                                </p:cTn>
+                              </p:par>
+                              <p:par>
+                                <p:cTn fill="hold" nodeType="withEffect" presetClass="exit" presetID="10" presetSubtype="0">
+                                  <p:stCondLst>
+                                    <p:cond delay="0"/>
+                                  </p:stCondLst>
+                                  <p:childTnLst>
+                                    <p:animEffect filter="fade" transition="out">
+                                      <p:cBhvr>
                                         <p:cTn dur="500"/>
                                         <p:tgtEl>
-                                          <p:spTgt spid="167"/>
+                                          <p:spTgt spid="168"/>
                                         </p:tgtEl>
                                       </p:cBhvr>
                                     </p:animEffect>
@@ -8198,7 +8370,7 @@
                                           </p:stCondLst>
                                         </p:cTn>
                                         <p:tgtEl>
-                                          <p:spTgt spid="167"/>
+                                          <p:spTgt spid="168"/>
                                         </p:tgtEl>
                                         <p:attrNameLst>
                                           <p:attrName>style.visibility</p:attrName>
@@ -8231,41 +8403,6 @@
                             <p:childTnLst>
                               <p:par>
                                 <p:cTn fill="hold" nodeType="clickEffect" presetClass="entr" presetID="10" presetSubtype="0">
-                                  <p:stCondLst>
-                                    <p:cond delay="0"/>
-                                  </p:stCondLst>
-                                  <p:childTnLst>
-                                    <p:set>
-                                      <p:cBhvr>
-                                        <p:cTn dur="1" fill="hold">
-                                          <p:stCondLst>
-                                            <p:cond delay="0"/>
-                                          </p:stCondLst>
-                                        </p:cTn>
-                                        <p:tgtEl>
-                                          <p:spTgt spid="174"/>
-                                        </p:tgtEl>
-                                        <p:attrNameLst>
-                                          <p:attrName>style.visibility</p:attrName>
-                                        </p:attrNameLst>
-                                      </p:cBhvr>
-                                      <p:to>
-                                        <p:strVal val="visible"/>
-                                      </p:to>
-                                    </p:set>
-                                    <p:animEffect filter="fade" transition="in">
-                                      <p:cBhvr>
-                                        <p:cTn dur="500"/>
-                                        <p:tgtEl>
-                                          <p:spTgt spid="174"/>
-                                        </p:tgtEl>
-                                      </p:cBhvr>
-                                    </p:animEffect>
-                                  </p:childTnLst>
-                                </p:cTn>
-                              </p:par>
-                              <p:par>
-                                <p:cTn fill="hold" nodeType="withEffect" presetClass="entr" presetID="10" presetSubtype="0">
                                   <p:stCondLst>
                                     <p:cond delay="0"/>
                                   </p:stCondLst>
@@ -8313,7 +8450,7 @@
                                           </p:stCondLst>
                                         </p:cTn>
                                         <p:tgtEl>
-                                          <p:spTgt spid="173"/>
+                                          <p:spTgt spid="176"/>
                                         </p:tgtEl>
                                         <p:attrNameLst>
                                           <p:attrName>style.visibility</p:attrName>
@@ -8327,7 +8464,7 @@
                                       <p:cBhvr>
                                         <p:cTn dur="500"/>
                                         <p:tgtEl>
-                                          <p:spTgt spid="173"/>
+                                          <p:spTgt spid="176"/>
                                         </p:tgtEl>
                                       </p:cBhvr>
                                     </p:animEffect>
@@ -8335,37 +8472,37 @@
                                 </p:cTn>
                               </p:par>
                               <p:par>
-                                <p:cTn fill="hold" nodeType="withEffect" presetClass="exit" presetID="10" presetSubtype="0">
+                                <p:cTn fill="hold" nodeType="withEffect" presetClass="entr" presetID="10" presetSubtype="0">
                                   <p:stCondLst>
                                     <p:cond delay="0"/>
                                   </p:stCondLst>
                                   <p:childTnLst>
-                                    <p:animEffect filter="fade" transition="out">
-                                      <p:cBhvr>
-                                        <p:cTn dur="700"/>
-                                        <p:tgtEl>
-                                          <p:spTgt spid="171"/>
-                                        </p:tgtEl>
-                                      </p:cBhvr>
-                                    </p:animEffect>
                                     <p:set>
                                       <p:cBhvr>
                                         <p:cTn dur="1" fill="hold">
                                           <p:stCondLst>
-                                            <p:cond delay="700"/>
+                                            <p:cond delay="0"/>
                                           </p:stCondLst>
                                         </p:cTn>
                                         <p:tgtEl>
-                                          <p:spTgt spid="171"/>
+                                          <p:spTgt spid="174"/>
                                         </p:tgtEl>
                                         <p:attrNameLst>
                                           <p:attrName>style.visibility</p:attrName>
                                         </p:attrNameLst>
                                       </p:cBhvr>
                                       <p:to>
-                                        <p:strVal val="hidden"/>
+                                        <p:strVal val="visible"/>
                                       </p:to>
                                     </p:set>
+                                    <p:animEffect filter="fade" transition="in">
+                                      <p:cBhvr>
+                                        <p:cTn dur="500"/>
+                                        <p:tgtEl>
+                                          <p:spTgt spid="174"/>
+                                        </p:tgtEl>
+                                      </p:cBhvr>
+                                    </p:animEffect>
                                   </p:childTnLst>
                                 </p:cTn>
                               </p:par>
@@ -8414,7 +8551,7 @@
                                       <p:cBhvr>
                                         <p:cTn dur="500"/>
                                         <p:tgtEl>
-                                          <p:spTgt spid="170"/>
+                                          <p:spTgt spid="173"/>
                                         </p:tgtEl>
                                       </p:cBhvr>
                                     </p:animEffect>
@@ -8426,7 +8563,2517 @@
                                           </p:stCondLst>
                                         </p:cTn>
                                         <p:tgtEl>
-                                          <p:spTgt spid="170"/>
+                                          <p:spTgt spid="173"/>
+                                        </p:tgtEl>
+                                        <p:attrNameLst>
+                                          <p:attrName>style.visibility</p:attrName>
+                                        </p:attrNameLst>
+                                      </p:cBhvr>
+                                      <p:to>
+                                        <p:strVal val="hidden"/>
+                                      </p:to>
+                                    </p:set>
+                                  </p:childTnLst>
+                                </p:cTn>
+                              </p:par>
+                              <p:par>
+                                <p:cTn fill="hold" nodeType="withEffect" presetClass="exit" presetID="10" presetSubtype="0">
+                                  <p:stCondLst>
+                                    <p:cond delay="0"/>
+                                  </p:stCondLst>
+                                  <p:childTnLst>
+                                    <p:animEffect filter="fade" transition="out">
+                                      <p:cBhvr>
+                                        <p:cTn dur="500"/>
+                                        <p:tgtEl>
+                                          <p:spTgt spid="171"/>
+                                        </p:tgtEl>
+                                      </p:cBhvr>
+                                    </p:animEffect>
+                                    <p:set>
+                                      <p:cBhvr>
+                                        <p:cTn dur="1" fill="hold">
+                                          <p:stCondLst>
+                                            <p:cond delay="500"/>
+                                          </p:stCondLst>
+                                        </p:cTn>
+                                        <p:tgtEl>
+                                          <p:spTgt spid="171"/>
+                                        </p:tgtEl>
+                                        <p:attrNameLst>
+                                          <p:attrName>style.visibility</p:attrName>
+                                        </p:attrNameLst>
+                                      </p:cBhvr>
+                                      <p:to>
+                                        <p:strVal val="hidden"/>
+                                      </p:to>
+                                    </p:set>
+                                  </p:childTnLst>
+                                </p:cTn>
+                              </p:par>
+                            </p:childTnLst>
+                          </p:cTn>
+                        </p:par>
+                      </p:childTnLst>
+                    </p:cTn>
+                  </p:par>
+                  <p:par>
+                    <p:cTn fill="hold">
+                      <p:stCondLst>
+                        <p:cond delay="indefinite"/>
+                      </p:stCondLst>
+                      <p:childTnLst>
+                        <p:par>
+                          <p:cTn fill="hold">
+                            <p:stCondLst>
+                              <p:cond delay="0"/>
+                            </p:stCondLst>
+                            <p:childTnLst>
+                              <p:par>
+                                <p:cTn fill="hold" nodeType="clickEffect" presetClass="entr" presetID="10" presetSubtype="0">
+                                  <p:stCondLst>
+                                    <p:cond delay="0"/>
+                                  </p:stCondLst>
+                                  <p:childTnLst>
+                                    <p:set>
+                                      <p:cBhvr>
+                                        <p:cTn dur="1" fill="hold">
+                                          <p:stCondLst>
+                                            <p:cond delay="0"/>
+                                          </p:stCondLst>
+                                        </p:cTn>
+                                        <p:tgtEl>
+                                          <p:spTgt spid="178"/>
+                                        </p:tgtEl>
+                                        <p:attrNameLst>
+                                          <p:attrName>style.visibility</p:attrName>
+                                        </p:attrNameLst>
+                                      </p:cBhvr>
+                                      <p:to>
+                                        <p:strVal val="visible"/>
+                                      </p:to>
+                                    </p:set>
+                                    <p:animEffect filter="fade" transition="in">
+                                      <p:cBhvr>
+                                        <p:cTn dur="500"/>
+                                        <p:tgtEl>
+                                          <p:spTgt spid="178"/>
+                                        </p:tgtEl>
+                                      </p:cBhvr>
+                                    </p:animEffect>
+                                  </p:childTnLst>
+                                </p:cTn>
+                              </p:par>
+                              <p:par>
+                                <p:cTn fill="hold" nodeType="withEffect" presetClass="entr" presetID="10" presetSubtype="0">
+                                  <p:stCondLst>
+                                    <p:cond delay="0"/>
+                                  </p:stCondLst>
+                                  <p:childTnLst>
+                                    <p:set>
+                                      <p:cBhvr>
+                                        <p:cTn dur="1" fill="hold">
+                                          <p:stCondLst>
+                                            <p:cond delay="0"/>
+                                          </p:stCondLst>
+                                        </p:cTn>
+                                        <p:tgtEl>
+                                          <p:spTgt spid="179"/>
+                                        </p:tgtEl>
+                                        <p:attrNameLst>
+                                          <p:attrName>style.visibility</p:attrName>
+                                        </p:attrNameLst>
+                                      </p:cBhvr>
+                                      <p:to>
+                                        <p:strVal val="visible"/>
+                                      </p:to>
+                                    </p:set>
+                                    <p:animEffect filter="fade" transition="in">
+                                      <p:cBhvr>
+                                        <p:cTn dur="500"/>
+                                        <p:tgtEl>
+                                          <p:spTgt spid="179"/>
+                                        </p:tgtEl>
+                                      </p:cBhvr>
+                                    </p:animEffect>
+                                  </p:childTnLst>
+                                </p:cTn>
+                              </p:par>
+                              <p:par>
+                                <p:cTn fill="hold" nodeType="withEffect" presetClass="entr" presetID="10" presetSubtype="0">
+                                  <p:stCondLst>
+                                    <p:cond delay="0"/>
+                                  </p:stCondLst>
+                                  <p:childTnLst>
+                                    <p:set>
+                                      <p:cBhvr>
+                                        <p:cTn dur="1" fill="hold">
+                                          <p:stCondLst>
+                                            <p:cond delay="0"/>
+                                          </p:stCondLst>
+                                        </p:cTn>
+                                        <p:tgtEl>
+                                          <p:spTgt spid="177"/>
+                                        </p:tgtEl>
+                                        <p:attrNameLst>
+                                          <p:attrName>style.visibility</p:attrName>
+                                        </p:attrNameLst>
+                                      </p:cBhvr>
+                                      <p:to>
+                                        <p:strVal val="visible"/>
+                                      </p:to>
+                                    </p:set>
+                                    <p:animEffect filter="fade" transition="in">
+                                      <p:cBhvr>
+                                        <p:cTn dur="500"/>
+                                        <p:tgtEl>
+                                          <p:spTgt spid="177"/>
+                                        </p:tgtEl>
+                                      </p:cBhvr>
+                                    </p:animEffect>
+                                  </p:childTnLst>
+                                </p:cTn>
+                              </p:par>
+                              <p:par>
+                                <p:cTn fill="hold" nodeType="withEffect" presetClass="exit" presetID="10" presetSubtype="0">
+                                  <p:stCondLst>
+                                    <p:cond delay="0"/>
+                                  </p:stCondLst>
+                                  <p:childTnLst>
+                                    <p:animEffect filter="fade" transition="out">
+                                      <p:cBhvr>
+                                        <p:cTn dur="700"/>
+                                        <p:tgtEl>
+                                          <p:spTgt spid="175"/>
+                                        </p:tgtEl>
+                                      </p:cBhvr>
+                                    </p:animEffect>
+                                    <p:set>
+                                      <p:cBhvr>
+                                        <p:cTn dur="1" fill="hold">
+                                          <p:stCondLst>
+                                            <p:cond delay="700"/>
+                                          </p:stCondLst>
+                                        </p:cTn>
+                                        <p:tgtEl>
+                                          <p:spTgt spid="175"/>
+                                        </p:tgtEl>
+                                        <p:attrNameLst>
+                                          <p:attrName>style.visibility</p:attrName>
+                                        </p:attrNameLst>
+                                      </p:cBhvr>
+                                      <p:to>
+                                        <p:strVal val="hidden"/>
+                                      </p:to>
+                                    </p:set>
+                                  </p:childTnLst>
+                                </p:cTn>
+                              </p:par>
+                              <p:par>
+                                <p:cTn fill="hold" nodeType="withEffect" presetClass="exit" presetID="10" presetSubtype="0">
+                                  <p:stCondLst>
+                                    <p:cond delay="0"/>
+                                  </p:stCondLst>
+                                  <p:childTnLst>
+                                    <p:animEffect filter="fade" transition="out">
+                                      <p:cBhvr>
+                                        <p:cTn dur="500"/>
+                                        <p:tgtEl>
+                                          <p:spTgt spid="176"/>
+                                        </p:tgtEl>
+                                      </p:cBhvr>
+                                    </p:animEffect>
+                                    <p:set>
+                                      <p:cBhvr>
+                                        <p:cTn dur="1" fill="hold">
+                                          <p:stCondLst>
+                                            <p:cond delay="500"/>
+                                          </p:stCondLst>
+                                        </p:cTn>
+                                        <p:tgtEl>
+                                          <p:spTgt spid="176"/>
+                                        </p:tgtEl>
+                                        <p:attrNameLst>
+                                          <p:attrName>style.visibility</p:attrName>
+                                        </p:attrNameLst>
+                                      </p:cBhvr>
+                                      <p:to>
+                                        <p:strVal val="hidden"/>
+                                      </p:to>
+                                    </p:set>
+                                  </p:childTnLst>
+                                </p:cTn>
+                              </p:par>
+                              <p:par>
+                                <p:cTn fill="hold" nodeType="withEffect" presetClass="exit" presetID="10" presetSubtype="0">
+                                  <p:stCondLst>
+                                    <p:cond delay="0"/>
+                                  </p:stCondLst>
+                                  <p:childTnLst>
+                                    <p:animEffect filter="fade" transition="out">
+                                      <p:cBhvr>
+                                        <p:cTn dur="500"/>
+                                        <p:tgtEl>
+                                          <p:spTgt spid="174"/>
+                                        </p:tgtEl>
+                                      </p:cBhvr>
+                                    </p:animEffect>
+                                    <p:set>
+                                      <p:cBhvr>
+                                        <p:cTn dur="1" fill="hold">
+                                          <p:stCondLst>
+                                            <p:cond delay="500"/>
+                                          </p:stCondLst>
+                                        </p:cTn>
+                                        <p:tgtEl>
+                                          <p:spTgt spid="174"/>
+                                        </p:tgtEl>
+                                        <p:attrNameLst>
+                                          <p:attrName>style.visibility</p:attrName>
+                                        </p:attrNameLst>
+                                      </p:cBhvr>
+                                      <p:to>
+                                        <p:strVal val="hidden"/>
+                                      </p:to>
+                                    </p:set>
+                                  </p:childTnLst>
+                                </p:cTn>
+                              </p:par>
+                            </p:childTnLst>
+                          </p:cTn>
+                        </p:par>
+                      </p:childTnLst>
+                    </p:cTn>
+                  </p:par>
+                </p:childTnLst>
+              </p:cTn>
+              <p:prevCondLst>
+                <p:cond evt="onPrev">
+                  <p:tgtEl>
+                    <p:sldTgt/>
+                  </p:tgtEl>
+                </p:cond>
+              </p:prevCondLst>
+              <p:nextCondLst>
+                <p:cond evt="onNext">
+                  <p:tgtEl>
+                    <p:sldTgt/>
+                  </p:tgtEl>
+                </p:cond>
+              </p:nextCondLst>
+            </p:seq>
+          </p:childTnLst>
+        </p:cTn>
+      </p:par>
+    </p:tnLst>
+  </p:timing>
+</p:sld>
+</file>
+
+<file path=ppt/slides/slide11.xml><?xml version="1.0" encoding="utf-8"?>
+<p:sld xmlns:a="http://schemas.openxmlformats.org/drawingml/2006/main" xmlns:r="http://schemas.openxmlformats.org/officeDocument/2006/relationships" xmlns:mc="http://schemas.openxmlformats.org/markup-compatibility/2006" xmlns:mv="urn:schemas-microsoft-com:mac:vml" xmlns:p="http://schemas.openxmlformats.org/presentationml/2006/main" xmlns:c="http://schemas.openxmlformats.org/drawingml/2006/chart" xmlns:dgm="http://schemas.openxmlformats.org/drawingml/2006/diagram" xmlns:o="urn:schemas-microsoft-com:office:office" xmlns:v="urn:schemas-microsoft-com:vml" xmlns:pvml="urn:schemas-microsoft-com:office:powerpoint" xmlns:com="http://schemas.openxmlformats.org/drawingml/2006/compatibility" xmlns:p14="http://schemas.microsoft.com/office/powerpoint/2010/main" xmlns:p15="http://schemas.microsoft.com/office/powerpoint/2012/main" xmlns:ahyp="http://schemas.microsoft.com/office/drawing/2018/hyperlinkcolor">
+  <p:cSld>
+    <p:bg>
+      <p:bgPr>
+        <a:blipFill>
+          <a:blip r:embed="rId3">
+            <a:alphaModFix/>
+          </a:blip>
+          <a:stretch>
+            <a:fillRect/>
+          </a:stretch>
+        </a:blipFill>
+      </p:bgPr>
+    </p:bg>
+    <p:spTree>
+      <p:nvGrpSpPr>
+        <p:cNvPr id="183" name="Shape 183"/>
+        <p:cNvGrpSpPr/>
+        <p:nvPr/>
+      </p:nvGrpSpPr>
+      <p:grpSpPr>
+        <a:xfrm>
+          <a:off x="0" y="0"/>
+          <a:ext cx="0" cy="0"/>
+          <a:chOff x="0" y="0"/>
+          <a:chExt cx="0" cy="0"/>
+        </a:xfrm>
+      </p:grpSpPr>
+      <p:pic>
+        <p:nvPicPr>
+          <p:cNvPr id="184" name="Google Shape;184;p23"/>
+          <p:cNvPicPr preferRelativeResize="0"/>
+          <p:nvPr/>
+        </p:nvPicPr>
+        <p:blipFill rotWithShape="1">
+          <a:blip r:embed="rId4">
+            <a:alphaModFix/>
+          </a:blip>
+          <a:srcRect b="13726" l="0" r="0" t="13726"/>
+          <a:stretch/>
+        </p:blipFill>
+        <p:spPr>
+          <a:xfrm>
+            <a:off x="0" y="0"/>
+            <a:ext cx="1677968" cy="683725"/>
+          </a:xfrm>
+          <a:prstGeom prst="rect">
+            <a:avLst/>
+          </a:prstGeom>
+          <a:noFill/>
+          <a:ln>
+            <a:noFill/>
+          </a:ln>
+        </p:spPr>
+      </p:pic>
+      <p:cxnSp>
+        <p:nvCxnSpPr>
+          <p:cNvPr id="185" name="Google Shape;185;p23"/>
+          <p:cNvCxnSpPr/>
+          <p:nvPr/>
+        </p:nvCxnSpPr>
+        <p:spPr>
+          <a:xfrm>
+            <a:off x="2167850" y="554100"/>
+            <a:ext cx="6518700" cy="0"/>
+          </a:xfrm>
+          <a:prstGeom prst="straightConnector1">
+            <a:avLst/>
+          </a:prstGeom>
+          <a:noFill/>
+          <a:ln cap="flat" cmpd="sng" w="38100">
+            <a:solidFill>
+              <a:srgbClr val="2BB24C"/>
+            </a:solidFill>
+            <a:prstDash val="solid"/>
+            <a:round/>
+            <a:headEnd len="med" w="med" type="none"/>
+            <a:tailEnd len="med" w="med" type="none"/>
+          </a:ln>
+        </p:spPr>
+      </p:cxnSp>
+      <p:sp>
+        <p:nvSpPr>
+          <p:cNvPr id="186" name="Google Shape;186;p23"/>
+          <p:cNvSpPr txBox="1"/>
+          <p:nvPr/>
+        </p:nvSpPr>
+        <p:spPr>
+          <a:xfrm>
+            <a:off x="1731775" y="771875"/>
+            <a:ext cx="5680500" cy="831300"/>
+          </a:xfrm>
+          <a:prstGeom prst="rect">
+            <a:avLst/>
+          </a:prstGeom>
+          <a:noFill/>
+          <a:ln>
+            <a:noFill/>
+          </a:ln>
+        </p:spPr>
+        <p:txBody>
+          <a:bodyPr anchorCtr="0" anchor="t" bIns="91425" lIns="91425" spcFirstLastPara="1" rIns="91425" wrap="square" tIns="91425">
+            <a:spAutoFit/>
+          </a:bodyPr>
+          <a:lstStyle/>
+          <a:p>
+            <a:pPr indent="0" lvl="0" marL="0" rtl="0" algn="ctr">
+              <a:spcBef>
+                <a:spcPts val="0"/>
+              </a:spcBef>
+              <a:spcAft>
+                <a:spcPts val="0"/>
+              </a:spcAft>
+              <a:buNone/>
+            </a:pPr>
+            <a:r>
+              <a:rPr b="1" lang="fr" sz="2100">
+                <a:solidFill>
+                  <a:srgbClr val="202122"/>
+                </a:solidFill>
+                <a:latin typeface="Calibri"/>
+                <a:ea typeface="Calibri"/>
+                <a:cs typeface="Calibri"/>
+                <a:sym typeface="Calibri"/>
+              </a:rPr>
+              <a:t>Pour ce projet,</a:t>
+            </a:r>
+            <a:endParaRPr b="1" sz="2100">
+              <a:solidFill>
+                <a:srgbClr val="202122"/>
+              </a:solidFill>
+              <a:latin typeface="Calibri"/>
+              <a:ea typeface="Calibri"/>
+              <a:cs typeface="Calibri"/>
+              <a:sym typeface="Calibri"/>
+            </a:endParaRPr>
+          </a:p>
+          <a:p>
+            <a:pPr indent="0" lvl="0" marL="0" rtl="0" algn="ctr">
+              <a:spcBef>
+                <a:spcPts val="0"/>
+              </a:spcBef>
+              <a:spcAft>
+                <a:spcPts val="0"/>
+              </a:spcAft>
+              <a:buNone/>
+            </a:pPr>
+            <a:r>
+              <a:rPr b="1" lang="fr" sz="2100">
+                <a:solidFill>
+                  <a:srgbClr val="3366CC"/>
+                </a:solidFill>
+                <a:latin typeface="Calibri"/>
+                <a:ea typeface="Calibri"/>
+                <a:cs typeface="Calibri"/>
+                <a:sym typeface="Calibri"/>
+              </a:rPr>
+              <a:t>3 thèmes</a:t>
+            </a:r>
+            <a:r>
+              <a:rPr b="1" lang="fr" sz="2100">
+                <a:solidFill>
+                  <a:srgbClr val="202122"/>
+                </a:solidFill>
+                <a:latin typeface="Calibri"/>
+                <a:ea typeface="Calibri"/>
+                <a:cs typeface="Calibri"/>
+                <a:sym typeface="Calibri"/>
+              </a:rPr>
+              <a:t> ont été </a:t>
+            </a:r>
+            <a:r>
+              <a:rPr b="1" lang="fr" sz="2100">
+                <a:solidFill>
+                  <a:srgbClr val="3366CC"/>
+                </a:solidFill>
+                <a:latin typeface="Calibri"/>
+                <a:ea typeface="Calibri"/>
+                <a:cs typeface="Calibri"/>
+                <a:sym typeface="Calibri"/>
+              </a:rPr>
+              <a:t>sélectionnés</a:t>
+            </a:r>
+            <a:r>
+              <a:rPr b="1" lang="fr" sz="2100">
+                <a:solidFill>
+                  <a:srgbClr val="202122"/>
+                </a:solidFill>
+                <a:latin typeface="Calibri"/>
+                <a:ea typeface="Calibri"/>
+                <a:cs typeface="Calibri"/>
+                <a:sym typeface="Calibri"/>
+              </a:rPr>
+              <a:t> et </a:t>
+            </a:r>
+            <a:r>
+              <a:rPr b="1" lang="fr" sz="2100">
+                <a:solidFill>
+                  <a:srgbClr val="3366CC"/>
+                </a:solidFill>
+                <a:latin typeface="Calibri"/>
+                <a:ea typeface="Calibri"/>
+                <a:cs typeface="Calibri"/>
+                <a:sym typeface="Calibri"/>
+              </a:rPr>
+              <a:t>suivis</a:t>
+            </a:r>
+            <a:r>
+              <a:rPr b="1" lang="fr" sz="2100">
+                <a:solidFill>
+                  <a:srgbClr val="202122"/>
+                </a:solidFill>
+                <a:latin typeface="Calibri"/>
+                <a:ea typeface="Calibri"/>
+                <a:cs typeface="Calibri"/>
+                <a:sym typeface="Calibri"/>
+              </a:rPr>
+              <a:t>.</a:t>
+            </a:r>
+            <a:endParaRPr b="1" sz="2100">
+              <a:solidFill>
+                <a:srgbClr val="3366CC"/>
+              </a:solidFill>
+              <a:latin typeface="Calibri"/>
+              <a:ea typeface="Calibri"/>
+              <a:cs typeface="Calibri"/>
+              <a:sym typeface="Calibri"/>
+            </a:endParaRPr>
+          </a:p>
+        </p:txBody>
+      </p:sp>
+      <p:sp>
+        <p:nvSpPr>
+          <p:cNvPr id="187" name="Google Shape;187;p23"/>
+          <p:cNvSpPr txBox="1"/>
+          <p:nvPr/>
+        </p:nvSpPr>
+        <p:spPr>
+          <a:xfrm>
+            <a:off x="3600450" y="-7650"/>
+            <a:ext cx="1943100" cy="569400"/>
+          </a:xfrm>
+          <a:prstGeom prst="rect">
+            <a:avLst/>
+          </a:prstGeom>
+          <a:noFill/>
+          <a:ln>
+            <a:noFill/>
+          </a:ln>
+        </p:spPr>
+        <p:txBody>
+          <a:bodyPr anchorCtr="0" anchor="t" bIns="91425" lIns="91425" spcFirstLastPara="1" rIns="91425" wrap="square" tIns="91425">
+            <a:spAutoFit/>
+          </a:bodyPr>
+          <a:lstStyle/>
+          <a:p>
+            <a:pPr indent="0" lvl="0" marL="0" rtl="0" algn="l">
+              <a:spcBef>
+                <a:spcPts val="0"/>
+              </a:spcBef>
+              <a:spcAft>
+                <a:spcPts val="0"/>
+              </a:spcAft>
+              <a:buNone/>
+            </a:pPr>
+            <a:r>
+              <a:rPr b="1" lang="fr" sz="2500" u="sng">
+                <a:solidFill>
+                  <a:srgbClr val="202122"/>
+                </a:solidFill>
+                <a:latin typeface="Calibri"/>
+                <a:ea typeface="Calibri"/>
+                <a:cs typeface="Calibri"/>
+                <a:sym typeface="Calibri"/>
+              </a:rPr>
+              <a:t>LES SOURCES</a:t>
+            </a:r>
+            <a:endParaRPr b="1" sz="2500" u="sng">
+              <a:solidFill>
+                <a:srgbClr val="202122"/>
+              </a:solidFill>
+              <a:latin typeface="Calibri"/>
+              <a:ea typeface="Calibri"/>
+              <a:cs typeface="Calibri"/>
+              <a:sym typeface="Calibri"/>
+            </a:endParaRPr>
+          </a:p>
+        </p:txBody>
+      </p:sp>
+      <p:pic>
+        <p:nvPicPr>
+          <p:cNvPr id="188" name="Google Shape;188;p23"/>
+          <p:cNvPicPr preferRelativeResize="0"/>
+          <p:nvPr/>
+        </p:nvPicPr>
+        <p:blipFill rotWithShape="1">
+          <a:blip r:embed="rId5">
+            <a:alphaModFix/>
+          </a:blip>
+          <a:srcRect b="49932" l="0" r="0" t="0"/>
+          <a:stretch/>
+        </p:blipFill>
+        <p:spPr>
+          <a:xfrm>
+            <a:off x="2723612" y="1953125"/>
+            <a:ext cx="3696775" cy="2506925"/>
+          </a:xfrm>
+          <a:prstGeom prst="rect">
+            <a:avLst/>
+          </a:prstGeom>
+          <a:noFill/>
+          <a:ln>
+            <a:noFill/>
+          </a:ln>
+          <a:effectLst>
+            <a:outerShdw blurRad="142875" rotWithShape="0" algn="bl" dir="3480000" dist="95250">
+              <a:srgbClr val="000000">
+                <a:alpha val="50000"/>
+              </a:srgbClr>
+            </a:outerShdw>
+          </a:effectLst>
+        </p:spPr>
+      </p:pic>
+      <p:sp>
+        <p:nvSpPr>
+          <p:cNvPr id="189" name="Google Shape;189;p23"/>
+          <p:cNvSpPr/>
+          <p:nvPr/>
+        </p:nvSpPr>
+        <p:spPr>
+          <a:xfrm>
+            <a:off x="2925813" y="2863880"/>
+            <a:ext cx="3370200" cy="234300"/>
+          </a:xfrm>
+          <a:prstGeom prst="roundRect">
+            <a:avLst>
+              <a:gd fmla="val 16667" name="adj"/>
+            </a:avLst>
+          </a:prstGeom>
+          <a:noFill/>
+          <a:ln cap="flat" cmpd="sng" w="28575">
+            <a:solidFill>
+              <a:srgbClr val="3366CC"/>
+            </a:solidFill>
+            <a:prstDash val="solid"/>
+            <a:round/>
+            <a:headEnd len="sm" w="sm" type="none"/>
+            <a:tailEnd len="sm" w="sm" type="none"/>
+          </a:ln>
+        </p:spPr>
+        <p:txBody>
+          <a:bodyPr anchorCtr="0" anchor="ctr" bIns="91425" lIns="91425" spcFirstLastPara="1" rIns="91425" wrap="square" tIns="91425">
+            <a:noAutofit/>
+          </a:bodyPr>
+          <a:lstStyle/>
+          <a:p>
+            <a:pPr indent="0" lvl="0" marL="0" rtl="0" algn="ctr">
+              <a:spcBef>
+                <a:spcPts val="0"/>
+              </a:spcBef>
+              <a:spcAft>
+                <a:spcPts val="0"/>
+              </a:spcAft>
+              <a:buNone/>
+            </a:pPr>
+            <a:r>
+              <a:t/>
+            </a:r>
+            <a:endParaRPr/>
+          </a:p>
+        </p:txBody>
+      </p:sp>
+      <p:sp>
+        <p:nvSpPr>
+          <p:cNvPr id="190" name="Google Shape;190;p23"/>
+          <p:cNvSpPr/>
+          <p:nvPr/>
+        </p:nvSpPr>
+        <p:spPr>
+          <a:xfrm>
+            <a:off x="2925813" y="3241023"/>
+            <a:ext cx="3370200" cy="234300"/>
+          </a:xfrm>
+          <a:prstGeom prst="roundRect">
+            <a:avLst>
+              <a:gd fmla="val 16667" name="adj"/>
+            </a:avLst>
+          </a:prstGeom>
+          <a:noFill/>
+          <a:ln cap="flat" cmpd="sng" w="28575">
+            <a:solidFill>
+              <a:srgbClr val="3366CC"/>
+            </a:solidFill>
+            <a:prstDash val="solid"/>
+            <a:round/>
+            <a:headEnd len="sm" w="sm" type="none"/>
+            <a:tailEnd len="sm" w="sm" type="none"/>
+          </a:ln>
+        </p:spPr>
+        <p:txBody>
+          <a:bodyPr anchorCtr="0" anchor="ctr" bIns="91425" lIns="91425" spcFirstLastPara="1" rIns="91425" wrap="square" tIns="91425">
+            <a:noAutofit/>
+          </a:bodyPr>
+          <a:lstStyle/>
+          <a:p>
+            <a:pPr indent="0" lvl="0" marL="0" rtl="0" algn="ctr">
+              <a:spcBef>
+                <a:spcPts val="0"/>
+              </a:spcBef>
+              <a:spcAft>
+                <a:spcPts val="0"/>
+              </a:spcAft>
+              <a:buNone/>
+            </a:pPr>
+            <a:r>
+              <a:t/>
+            </a:r>
+            <a:endParaRPr/>
+          </a:p>
+        </p:txBody>
+      </p:sp>
+      <p:sp>
+        <p:nvSpPr>
+          <p:cNvPr id="191" name="Google Shape;191;p23"/>
+          <p:cNvSpPr/>
+          <p:nvPr/>
+        </p:nvSpPr>
+        <p:spPr>
+          <a:xfrm>
+            <a:off x="2925813" y="3611536"/>
+            <a:ext cx="3370200" cy="234300"/>
+          </a:xfrm>
+          <a:prstGeom prst="roundRect">
+            <a:avLst>
+              <a:gd fmla="val 16667" name="adj"/>
+            </a:avLst>
+          </a:prstGeom>
+          <a:noFill/>
+          <a:ln cap="flat" cmpd="sng" w="28575">
+            <a:solidFill>
+              <a:srgbClr val="3366CC"/>
+            </a:solidFill>
+            <a:prstDash val="solid"/>
+            <a:round/>
+            <a:headEnd len="sm" w="sm" type="none"/>
+            <a:tailEnd len="sm" w="sm" type="none"/>
+          </a:ln>
+        </p:spPr>
+        <p:txBody>
+          <a:bodyPr anchorCtr="0" anchor="ctr" bIns="91425" lIns="91425" spcFirstLastPara="1" rIns="91425" wrap="square" tIns="91425">
+            <a:noAutofit/>
+          </a:bodyPr>
+          <a:lstStyle/>
+          <a:p>
+            <a:pPr indent="0" lvl="0" marL="0" rtl="0" algn="ctr">
+              <a:spcBef>
+                <a:spcPts val="0"/>
+              </a:spcBef>
+              <a:spcAft>
+                <a:spcPts val="0"/>
+              </a:spcAft>
+              <a:buNone/>
+            </a:pPr>
+            <a:r>
+              <a:t/>
+            </a:r>
+            <a:endParaRPr/>
+          </a:p>
+        </p:txBody>
+      </p:sp>
+      <p:sp>
+        <p:nvSpPr>
+          <p:cNvPr id="192" name="Google Shape;192;p23"/>
+          <p:cNvSpPr txBox="1"/>
+          <p:nvPr/>
+        </p:nvSpPr>
+        <p:spPr>
+          <a:xfrm>
+            <a:off x="8430050" y="0"/>
+            <a:ext cx="256500" cy="554100"/>
+          </a:xfrm>
+          <a:prstGeom prst="rect">
+            <a:avLst/>
+          </a:prstGeom>
+          <a:noFill/>
+          <a:ln>
+            <a:noFill/>
+          </a:ln>
+        </p:spPr>
+        <p:txBody>
+          <a:bodyPr anchorCtr="0" anchor="t" bIns="91425" lIns="91425" spcFirstLastPara="1" rIns="91425" wrap="square" tIns="91425">
+            <a:spAutoFit/>
+          </a:bodyPr>
+          <a:lstStyle/>
+          <a:p>
+            <a:pPr indent="0" lvl="0" marL="0" rtl="0" algn="l">
+              <a:spcBef>
+                <a:spcPts val="0"/>
+              </a:spcBef>
+              <a:spcAft>
+                <a:spcPts val="0"/>
+              </a:spcAft>
+              <a:buNone/>
+            </a:pPr>
+            <a:r>
+              <a:rPr b="1" lang="fr" sz="2400">
+                <a:solidFill>
+                  <a:srgbClr val="333333"/>
+                </a:solidFill>
+                <a:latin typeface="Calibri"/>
+                <a:ea typeface="Calibri"/>
+                <a:cs typeface="Calibri"/>
+                <a:sym typeface="Calibri"/>
+              </a:rPr>
+              <a:t>9</a:t>
+            </a:r>
+            <a:endParaRPr b="1" sz="2400">
+              <a:solidFill>
+                <a:srgbClr val="333333"/>
+              </a:solidFill>
+              <a:latin typeface="Calibri"/>
+              <a:ea typeface="Calibri"/>
+              <a:cs typeface="Calibri"/>
+              <a:sym typeface="Calibri"/>
+            </a:endParaRPr>
+          </a:p>
+        </p:txBody>
+      </p:sp>
+    </p:spTree>
+  </p:cSld>
+  <p:clrMapOvr>
+    <a:masterClrMapping/>
+  </p:clrMapOvr>
+  <p:timing>
+    <p:tnLst>
+      <p:par>
+        <p:cTn dur="indefinite" nodeType="tmRoot" restart="never">
+          <p:childTnLst>
+            <p:seq concurrent="1" nextAc="seek">
+              <p:cTn dur="indefinite" id="2" nodeType="mainSeq">
+                <p:childTnLst>
+                  <p:par>
+                    <p:cTn fill="hold">
+                      <p:stCondLst>
+                        <p:cond delay="indefinite"/>
+                      </p:stCondLst>
+                      <p:childTnLst>
+                        <p:par>
+                          <p:cTn fill="hold">
+                            <p:stCondLst>
+                              <p:cond delay="0"/>
+                            </p:stCondLst>
+                            <p:childTnLst>
+                              <p:par>
+                                <p:cTn fill="hold" nodeType="clickEffect" presetClass="entr" presetID="10" presetSubtype="0">
+                                  <p:stCondLst>
+                                    <p:cond delay="0"/>
+                                  </p:stCondLst>
+                                  <p:childTnLst>
+                                    <p:set>
+                                      <p:cBhvr>
+                                        <p:cTn dur="1" fill="hold">
+                                          <p:stCondLst>
+                                            <p:cond delay="0"/>
+                                          </p:stCondLst>
+                                        </p:cTn>
+                                        <p:tgtEl>
+                                          <p:spTgt spid="189"/>
+                                        </p:tgtEl>
+                                        <p:attrNameLst>
+                                          <p:attrName>style.visibility</p:attrName>
+                                        </p:attrNameLst>
+                                      </p:cBhvr>
+                                      <p:to>
+                                        <p:strVal val="visible"/>
+                                      </p:to>
+                                    </p:set>
+                                    <p:animEffect filter="fade" transition="in">
+                                      <p:cBhvr>
+                                        <p:cTn dur="500"/>
+                                        <p:tgtEl>
+                                          <p:spTgt spid="189"/>
+                                        </p:tgtEl>
+                                      </p:cBhvr>
+                                    </p:animEffect>
+                                  </p:childTnLst>
+                                </p:cTn>
+                              </p:par>
+                            </p:childTnLst>
+                          </p:cTn>
+                        </p:par>
+                      </p:childTnLst>
+                    </p:cTn>
+                  </p:par>
+                  <p:par>
+                    <p:cTn fill="hold">
+                      <p:stCondLst>
+                        <p:cond delay="indefinite"/>
+                      </p:stCondLst>
+                      <p:childTnLst>
+                        <p:par>
+                          <p:cTn fill="hold">
+                            <p:stCondLst>
+                              <p:cond delay="0"/>
+                            </p:stCondLst>
+                            <p:childTnLst>
+                              <p:par>
+                                <p:cTn fill="hold" nodeType="clickEffect" presetClass="entr" presetID="10" presetSubtype="0">
+                                  <p:stCondLst>
+                                    <p:cond delay="0"/>
+                                  </p:stCondLst>
+                                  <p:childTnLst>
+                                    <p:set>
+                                      <p:cBhvr>
+                                        <p:cTn dur="1" fill="hold">
+                                          <p:stCondLst>
+                                            <p:cond delay="0"/>
+                                          </p:stCondLst>
+                                        </p:cTn>
+                                        <p:tgtEl>
+                                          <p:spTgt spid="190"/>
+                                        </p:tgtEl>
+                                        <p:attrNameLst>
+                                          <p:attrName>style.visibility</p:attrName>
+                                        </p:attrNameLst>
+                                      </p:cBhvr>
+                                      <p:to>
+                                        <p:strVal val="visible"/>
+                                      </p:to>
+                                    </p:set>
+                                    <p:animEffect filter="fade" transition="in">
+                                      <p:cBhvr>
+                                        <p:cTn dur="500"/>
+                                        <p:tgtEl>
+                                          <p:spTgt spid="190"/>
+                                        </p:tgtEl>
+                                      </p:cBhvr>
+                                    </p:animEffect>
+                                  </p:childTnLst>
+                                </p:cTn>
+                              </p:par>
+                            </p:childTnLst>
+                          </p:cTn>
+                        </p:par>
+                      </p:childTnLst>
+                    </p:cTn>
+                  </p:par>
+                  <p:par>
+                    <p:cTn fill="hold">
+                      <p:stCondLst>
+                        <p:cond delay="indefinite"/>
+                      </p:stCondLst>
+                      <p:childTnLst>
+                        <p:par>
+                          <p:cTn fill="hold">
+                            <p:stCondLst>
+                              <p:cond delay="0"/>
+                            </p:stCondLst>
+                            <p:childTnLst>
+                              <p:par>
+                                <p:cTn fill="hold" nodeType="clickEffect" presetClass="entr" presetID="10" presetSubtype="0">
+                                  <p:stCondLst>
+                                    <p:cond delay="0"/>
+                                  </p:stCondLst>
+                                  <p:childTnLst>
+                                    <p:set>
+                                      <p:cBhvr>
+                                        <p:cTn dur="1" fill="hold">
+                                          <p:stCondLst>
+                                            <p:cond delay="0"/>
+                                          </p:stCondLst>
+                                        </p:cTn>
+                                        <p:tgtEl>
+                                          <p:spTgt spid="191"/>
+                                        </p:tgtEl>
+                                        <p:attrNameLst>
+                                          <p:attrName>style.visibility</p:attrName>
+                                        </p:attrNameLst>
+                                      </p:cBhvr>
+                                      <p:to>
+                                        <p:strVal val="visible"/>
+                                      </p:to>
+                                    </p:set>
+                                    <p:animEffect filter="fade" transition="in">
+                                      <p:cBhvr>
+                                        <p:cTn dur="500"/>
+                                        <p:tgtEl>
+                                          <p:spTgt spid="191"/>
+                                        </p:tgtEl>
+                                      </p:cBhvr>
+                                    </p:animEffect>
+                                  </p:childTnLst>
+                                </p:cTn>
+                              </p:par>
+                            </p:childTnLst>
+                          </p:cTn>
+                        </p:par>
+                      </p:childTnLst>
+                    </p:cTn>
+                  </p:par>
+                </p:childTnLst>
+              </p:cTn>
+              <p:prevCondLst>
+                <p:cond evt="onPrev">
+                  <p:tgtEl>
+                    <p:sldTgt/>
+                  </p:tgtEl>
+                </p:cond>
+              </p:prevCondLst>
+              <p:nextCondLst>
+                <p:cond evt="onNext">
+                  <p:tgtEl>
+                    <p:sldTgt/>
+                  </p:tgtEl>
+                </p:cond>
+              </p:nextCondLst>
+            </p:seq>
+          </p:childTnLst>
+        </p:cTn>
+      </p:par>
+    </p:tnLst>
+  </p:timing>
+</p:sld>
+</file>
+
+<file path=ppt/slides/slide12.xml><?xml version="1.0" encoding="utf-8"?>
+<p:sld xmlns:a="http://schemas.openxmlformats.org/drawingml/2006/main" xmlns:r="http://schemas.openxmlformats.org/officeDocument/2006/relationships" xmlns:mc="http://schemas.openxmlformats.org/markup-compatibility/2006" xmlns:mv="urn:schemas-microsoft-com:mac:vml" xmlns:p="http://schemas.openxmlformats.org/presentationml/2006/main" xmlns:c="http://schemas.openxmlformats.org/drawingml/2006/chart" xmlns:dgm="http://schemas.openxmlformats.org/drawingml/2006/diagram" xmlns:o="urn:schemas-microsoft-com:office:office" xmlns:v="urn:schemas-microsoft-com:vml" xmlns:pvml="urn:schemas-microsoft-com:office:powerpoint" xmlns:com="http://schemas.openxmlformats.org/drawingml/2006/compatibility" xmlns:p14="http://schemas.microsoft.com/office/powerpoint/2010/main" xmlns:p15="http://schemas.microsoft.com/office/powerpoint/2012/main" xmlns:ahyp="http://schemas.microsoft.com/office/drawing/2018/hyperlinkcolor">
+  <p:cSld>
+    <p:bg>
+      <p:bgPr>
+        <a:blipFill>
+          <a:blip r:embed="rId3">
+            <a:alphaModFix/>
+          </a:blip>
+          <a:stretch>
+            <a:fillRect/>
+          </a:stretch>
+        </a:blipFill>
+      </p:bgPr>
+    </p:bg>
+    <p:spTree>
+      <p:nvGrpSpPr>
+        <p:cNvPr id="196" name="Shape 196"/>
+        <p:cNvGrpSpPr/>
+        <p:nvPr/>
+      </p:nvGrpSpPr>
+      <p:grpSpPr>
+        <a:xfrm>
+          <a:off x="0" y="0"/>
+          <a:ext cx="0" cy="0"/>
+          <a:chOff x="0" y="0"/>
+          <a:chExt cx="0" cy="0"/>
+        </a:xfrm>
+      </p:grpSpPr>
+      <p:pic>
+        <p:nvPicPr>
+          <p:cNvPr id="197" name="Google Shape;197;p24"/>
+          <p:cNvPicPr preferRelativeResize="0"/>
+          <p:nvPr/>
+        </p:nvPicPr>
+        <p:blipFill rotWithShape="1">
+          <a:blip r:embed="rId4">
+            <a:alphaModFix/>
+          </a:blip>
+          <a:srcRect b="13726" l="0" r="0" t="13726"/>
+          <a:stretch/>
+        </p:blipFill>
+        <p:spPr>
+          <a:xfrm>
+            <a:off x="0" y="0"/>
+            <a:ext cx="1677968" cy="683725"/>
+          </a:xfrm>
+          <a:prstGeom prst="rect">
+            <a:avLst/>
+          </a:prstGeom>
+          <a:noFill/>
+          <a:ln>
+            <a:noFill/>
+          </a:ln>
+        </p:spPr>
+      </p:pic>
+      <p:cxnSp>
+        <p:nvCxnSpPr>
+          <p:cNvPr id="198" name="Google Shape;198;p24"/>
+          <p:cNvCxnSpPr/>
+          <p:nvPr/>
+        </p:nvCxnSpPr>
+        <p:spPr>
+          <a:xfrm>
+            <a:off x="2167850" y="554100"/>
+            <a:ext cx="6518700" cy="0"/>
+          </a:xfrm>
+          <a:prstGeom prst="straightConnector1">
+            <a:avLst/>
+          </a:prstGeom>
+          <a:noFill/>
+          <a:ln cap="flat" cmpd="sng" w="38100">
+            <a:solidFill>
+              <a:srgbClr val="2BB24C"/>
+            </a:solidFill>
+            <a:prstDash val="solid"/>
+            <a:round/>
+            <a:headEnd len="med" w="med" type="none"/>
+            <a:tailEnd len="med" w="med" type="none"/>
+          </a:ln>
+        </p:spPr>
+      </p:cxnSp>
+      <p:sp>
+        <p:nvSpPr>
+          <p:cNvPr id="199" name="Google Shape;199;p24"/>
+          <p:cNvSpPr txBox="1"/>
+          <p:nvPr/>
+        </p:nvSpPr>
+        <p:spPr>
+          <a:xfrm>
+            <a:off x="489500" y="1833000"/>
+            <a:ext cx="3838200" cy="1477500"/>
+          </a:xfrm>
+          <a:prstGeom prst="rect">
+            <a:avLst/>
+          </a:prstGeom>
+          <a:noFill/>
+          <a:ln>
+            <a:noFill/>
+          </a:ln>
+        </p:spPr>
+        <p:txBody>
+          <a:bodyPr anchorCtr="0" anchor="t" bIns="91425" lIns="91425" spcFirstLastPara="1" rIns="91425" wrap="square" tIns="91425">
+            <a:spAutoFit/>
+          </a:bodyPr>
+          <a:lstStyle/>
+          <a:p>
+            <a:pPr indent="0" lvl="0" marL="0" rtl="0" algn="ctr">
+              <a:spcBef>
+                <a:spcPts val="0"/>
+              </a:spcBef>
+              <a:spcAft>
+                <a:spcPts val="0"/>
+              </a:spcAft>
+              <a:buNone/>
+            </a:pPr>
+            <a:r>
+              <a:rPr b="1" lang="fr" sz="2100">
+                <a:solidFill>
+                  <a:srgbClr val="202122"/>
+                </a:solidFill>
+                <a:latin typeface="Calibri"/>
+                <a:ea typeface="Calibri"/>
+                <a:cs typeface="Calibri"/>
+                <a:sym typeface="Calibri"/>
+              </a:rPr>
+              <a:t>Pour cette partie, le choix de suivis c’est porté sur des </a:t>
+            </a:r>
+            <a:r>
+              <a:rPr b="1" lang="fr" sz="2100">
+                <a:solidFill>
+                  <a:schemeClr val="accent1"/>
+                </a:solidFill>
+                <a:latin typeface="Calibri"/>
+                <a:ea typeface="Calibri"/>
+                <a:cs typeface="Calibri"/>
+                <a:sym typeface="Calibri"/>
+              </a:rPr>
+              <a:t>blogs</a:t>
+            </a:r>
+            <a:r>
+              <a:rPr b="1" lang="fr" sz="2100">
+                <a:solidFill>
+                  <a:srgbClr val="202122"/>
+                </a:solidFill>
+                <a:latin typeface="Calibri"/>
+                <a:ea typeface="Calibri"/>
+                <a:cs typeface="Calibri"/>
+                <a:sym typeface="Calibri"/>
+              </a:rPr>
+              <a:t> spécialisés autour de l’</a:t>
+            </a:r>
+            <a:r>
+              <a:rPr b="1" lang="fr" sz="2100">
+                <a:solidFill>
+                  <a:srgbClr val="3366CC"/>
+                </a:solidFill>
+                <a:latin typeface="Calibri"/>
+                <a:ea typeface="Calibri"/>
+                <a:cs typeface="Calibri"/>
+                <a:sym typeface="Calibri"/>
+              </a:rPr>
+              <a:t>UI</a:t>
+            </a:r>
+            <a:r>
+              <a:rPr b="1" lang="fr" sz="2100">
+                <a:solidFill>
+                  <a:srgbClr val="202122"/>
+                </a:solidFill>
+                <a:latin typeface="Calibri"/>
+                <a:ea typeface="Calibri"/>
+                <a:cs typeface="Calibri"/>
+                <a:sym typeface="Calibri"/>
+              </a:rPr>
+              <a:t> et des applications avec </a:t>
+            </a:r>
+            <a:r>
+              <a:rPr b="1" lang="fr" sz="2100">
+                <a:solidFill>
+                  <a:srgbClr val="3366CC"/>
+                </a:solidFill>
+                <a:latin typeface="Calibri"/>
+                <a:ea typeface="Calibri"/>
+                <a:cs typeface="Calibri"/>
+                <a:sym typeface="Calibri"/>
+              </a:rPr>
+              <a:t>React</a:t>
+            </a:r>
+            <a:r>
+              <a:rPr b="1" lang="fr" sz="2100">
+                <a:solidFill>
+                  <a:srgbClr val="202122"/>
+                </a:solidFill>
+                <a:latin typeface="Calibri"/>
+                <a:ea typeface="Calibri"/>
+                <a:cs typeface="Calibri"/>
+                <a:sym typeface="Calibri"/>
+              </a:rPr>
+              <a:t>.</a:t>
+            </a:r>
+            <a:endParaRPr b="1" sz="2100">
+              <a:solidFill>
+                <a:srgbClr val="3366CC"/>
+              </a:solidFill>
+              <a:latin typeface="Calibri"/>
+              <a:ea typeface="Calibri"/>
+              <a:cs typeface="Calibri"/>
+              <a:sym typeface="Calibri"/>
+            </a:endParaRPr>
+          </a:p>
+        </p:txBody>
+      </p:sp>
+      <p:sp>
+        <p:nvSpPr>
+          <p:cNvPr id="200" name="Google Shape;200;p24"/>
+          <p:cNvSpPr txBox="1"/>
+          <p:nvPr/>
+        </p:nvSpPr>
+        <p:spPr>
+          <a:xfrm>
+            <a:off x="3118650" y="-7650"/>
+            <a:ext cx="2906700" cy="569400"/>
+          </a:xfrm>
+          <a:prstGeom prst="rect">
+            <a:avLst/>
+          </a:prstGeom>
+          <a:noFill/>
+          <a:ln>
+            <a:noFill/>
+          </a:ln>
+        </p:spPr>
+        <p:txBody>
+          <a:bodyPr anchorCtr="0" anchor="t" bIns="91425" lIns="91425" spcFirstLastPara="1" rIns="91425" wrap="square" tIns="91425">
+            <a:spAutoFit/>
+          </a:bodyPr>
+          <a:lstStyle/>
+          <a:p>
+            <a:pPr indent="0" lvl="0" marL="0" rtl="0" algn="l">
+              <a:spcBef>
+                <a:spcPts val="0"/>
+              </a:spcBef>
+              <a:spcAft>
+                <a:spcPts val="0"/>
+              </a:spcAft>
+              <a:buNone/>
+            </a:pPr>
+            <a:r>
+              <a:rPr b="1" lang="fr" sz="2500" u="sng">
+                <a:solidFill>
+                  <a:srgbClr val="202122"/>
+                </a:solidFill>
+                <a:latin typeface="Calibri"/>
+                <a:ea typeface="Calibri"/>
+                <a:cs typeface="Calibri"/>
+                <a:sym typeface="Calibri"/>
+              </a:rPr>
+              <a:t>ESPACE UTILISATEUR</a:t>
+            </a:r>
+            <a:endParaRPr b="1" sz="2500" u="sng">
+              <a:solidFill>
+                <a:srgbClr val="202122"/>
+              </a:solidFill>
+              <a:latin typeface="Calibri"/>
+              <a:ea typeface="Calibri"/>
+              <a:cs typeface="Calibri"/>
+              <a:sym typeface="Calibri"/>
+            </a:endParaRPr>
+          </a:p>
+        </p:txBody>
+      </p:sp>
+      <p:pic>
+        <p:nvPicPr>
+          <p:cNvPr id="201" name="Google Shape;201;p24"/>
+          <p:cNvPicPr preferRelativeResize="0"/>
+          <p:nvPr/>
+        </p:nvPicPr>
+        <p:blipFill>
+          <a:blip r:embed="rId5">
+            <a:alphaModFix/>
+          </a:blip>
+          <a:stretch>
+            <a:fillRect/>
+          </a:stretch>
+        </p:blipFill>
+        <p:spPr>
+          <a:xfrm>
+            <a:off x="5093775" y="993875"/>
+            <a:ext cx="3057525" cy="3657600"/>
+          </a:xfrm>
+          <a:prstGeom prst="rect">
+            <a:avLst/>
+          </a:prstGeom>
+          <a:noFill/>
+          <a:ln>
+            <a:noFill/>
+          </a:ln>
+          <a:effectLst>
+            <a:outerShdw blurRad="142875" rotWithShape="0" algn="bl" dir="3600000" dist="95250">
+              <a:srgbClr val="000000">
+                <a:alpha val="50000"/>
+              </a:srgbClr>
+            </a:outerShdw>
+          </a:effectLst>
+        </p:spPr>
+      </p:pic>
+      <p:sp>
+        <p:nvSpPr>
+          <p:cNvPr id="202" name="Google Shape;202;p24"/>
+          <p:cNvSpPr txBox="1"/>
+          <p:nvPr/>
+        </p:nvSpPr>
+        <p:spPr>
+          <a:xfrm>
+            <a:off x="8298050" y="0"/>
+            <a:ext cx="520500" cy="554100"/>
+          </a:xfrm>
+          <a:prstGeom prst="rect">
+            <a:avLst/>
+          </a:prstGeom>
+          <a:noFill/>
+          <a:ln>
+            <a:noFill/>
+          </a:ln>
+        </p:spPr>
+        <p:txBody>
+          <a:bodyPr anchorCtr="0" anchor="t" bIns="91425" lIns="91425" spcFirstLastPara="1" rIns="91425" wrap="square" tIns="91425">
+            <a:spAutoFit/>
+          </a:bodyPr>
+          <a:lstStyle/>
+          <a:p>
+            <a:pPr indent="0" lvl="0" marL="0" rtl="0" algn="l">
+              <a:spcBef>
+                <a:spcPts val="0"/>
+              </a:spcBef>
+              <a:spcAft>
+                <a:spcPts val="0"/>
+              </a:spcAft>
+              <a:buNone/>
+            </a:pPr>
+            <a:r>
+              <a:rPr b="1" lang="fr" sz="2400">
+                <a:solidFill>
+                  <a:srgbClr val="333333"/>
+                </a:solidFill>
+                <a:latin typeface="Calibri"/>
+                <a:ea typeface="Calibri"/>
+                <a:cs typeface="Calibri"/>
+                <a:sym typeface="Calibri"/>
+              </a:rPr>
+              <a:t>10</a:t>
+            </a:r>
+            <a:endParaRPr b="1" sz="2400">
+              <a:solidFill>
+                <a:srgbClr val="333333"/>
+              </a:solidFill>
+              <a:latin typeface="Calibri"/>
+              <a:ea typeface="Calibri"/>
+              <a:cs typeface="Calibri"/>
+              <a:sym typeface="Calibri"/>
+            </a:endParaRPr>
+          </a:p>
+        </p:txBody>
+      </p:sp>
+    </p:spTree>
+  </p:cSld>
+  <p:clrMapOvr>
+    <a:masterClrMapping/>
+  </p:clrMapOvr>
+  <p:timing>
+    <p:tnLst>
+      <p:par>
+        <p:cTn dur="indefinite" nodeType="tmRoot" restart="never">
+          <p:childTnLst>
+            <p:seq concurrent="1" nextAc="seek">
+              <p:cTn dur="indefinite" id="2" nodeType="mainSeq">
+                <p:childTnLst>
+                  <p:par>
+                    <p:cTn fill="hold">
+                      <p:stCondLst>
+                        <p:cond delay="indefinite"/>
+                      </p:stCondLst>
+                      <p:childTnLst>
+                        <p:par>
+                          <p:cTn fill="hold">
+                            <p:stCondLst>
+                              <p:cond delay="0"/>
+                            </p:stCondLst>
+                            <p:childTnLst>
+                              <p:par>
+                                <p:cTn fill="hold" nodeType="clickEffect" presetClass="entr" presetID="10" presetSubtype="0">
+                                  <p:stCondLst>
+                                    <p:cond delay="0"/>
+                                  </p:stCondLst>
+                                  <p:childTnLst>
+                                    <p:set>
+                                      <p:cBhvr>
+                                        <p:cTn dur="1" fill="hold">
+                                          <p:stCondLst>
+                                            <p:cond delay="0"/>
+                                          </p:stCondLst>
+                                        </p:cTn>
+                                        <p:tgtEl>
+                                          <p:spTgt spid="199"/>
+                                        </p:tgtEl>
+                                        <p:attrNameLst>
+                                          <p:attrName>style.visibility</p:attrName>
+                                        </p:attrNameLst>
+                                      </p:cBhvr>
+                                      <p:to>
+                                        <p:strVal val="visible"/>
+                                      </p:to>
+                                    </p:set>
+                                    <p:animEffect filter="fade" transition="in">
+                                      <p:cBhvr>
+                                        <p:cTn dur="500"/>
+                                        <p:tgtEl>
+                                          <p:spTgt spid="199"/>
+                                        </p:tgtEl>
+                                      </p:cBhvr>
+                                    </p:animEffect>
+                                  </p:childTnLst>
+                                </p:cTn>
+                              </p:par>
+                              <p:par>
+                                <p:cTn fill="hold" nodeType="withEffect" presetClass="exit" presetID="10" presetSubtype="0">
+                                  <p:stCondLst>
+                                    <p:cond delay="0"/>
+                                  </p:stCondLst>
+                                  <p:childTnLst>
+                                    <p:animEffect filter="fade" transition="out">
+                                      <p:cBhvr>
+                                        <p:cTn dur="500"/>
+                                        <p:tgtEl>
+                                          <p:spTgt spid="199"/>
+                                        </p:tgtEl>
+                                      </p:cBhvr>
+                                    </p:animEffect>
+                                    <p:set>
+                                      <p:cBhvr>
+                                        <p:cTn dur="1" fill="hold">
+                                          <p:stCondLst>
+                                            <p:cond delay="500"/>
+                                          </p:stCondLst>
+                                        </p:cTn>
+                                        <p:tgtEl>
+                                          <p:spTgt spid="199"/>
+                                        </p:tgtEl>
+                                        <p:attrNameLst>
+                                          <p:attrName>style.visibility</p:attrName>
+                                        </p:attrNameLst>
+                                      </p:cBhvr>
+                                      <p:to>
+                                        <p:strVal val="hidden"/>
+                                      </p:to>
+                                    </p:set>
+                                  </p:childTnLst>
+                                </p:cTn>
+                              </p:par>
+                            </p:childTnLst>
+                          </p:cTn>
+                        </p:par>
+                      </p:childTnLst>
+                    </p:cTn>
+                  </p:par>
+                </p:childTnLst>
+              </p:cTn>
+              <p:prevCondLst>
+                <p:cond evt="onPrev">
+                  <p:tgtEl>
+                    <p:sldTgt/>
+                  </p:tgtEl>
+                </p:cond>
+              </p:prevCondLst>
+              <p:nextCondLst>
+                <p:cond evt="onNext">
+                  <p:tgtEl>
+                    <p:sldTgt/>
+                  </p:tgtEl>
+                </p:cond>
+              </p:nextCondLst>
+            </p:seq>
+          </p:childTnLst>
+        </p:cTn>
+      </p:par>
+    </p:tnLst>
+  </p:timing>
+</p:sld>
+</file>
+
+<file path=ppt/slides/slide13.xml><?xml version="1.0" encoding="utf-8"?>
+<p:sld xmlns:a="http://schemas.openxmlformats.org/drawingml/2006/main" xmlns:r="http://schemas.openxmlformats.org/officeDocument/2006/relationships" xmlns:mc="http://schemas.openxmlformats.org/markup-compatibility/2006" xmlns:mv="urn:schemas-microsoft-com:mac:vml" xmlns:p="http://schemas.openxmlformats.org/presentationml/2006/main" xmlns:c="http://schemas.openxmlformats.org/drawingml/2006/chart" xmlns:dgm="http://schemas.openxmlformats.org/drawingml/2006/diagram" xmlns:o="urn:schemas-microsoft-com:office:office" xmlns:v="urn:schemas-microsoft-com:vml" xmlns:pvml="urn:schemas-microsoft-com:office:powerpoint" xmlns:com="http://schemas.openxmlformats.org/drawingml/2006/compatibility" xmlns:p14="http://schemas.microsoft.com/office/powerpoint/2010/main" xmlns:p15="http://schemas.microsoft.com/office/powerpoint/2012/main" xmlns:ahyp="http://schemas.microsoft.com/office/drawing/2018/hyperlinkcolor">
+  <p:cSld>
+    <p:bg>
+      <p:bgPr>
+        <a:blipFill>
+          <a:blip r:embed="rId3">
+            <a:alphaModFix/>
+          </a:blip>
+          <a:stretch>
+            <a:fillRect/>
+          </a:stretch>
+        </a:blipFill>
+      </p:bgPr>
+    </p:bg>
+    <p:spTree>
+      <p:nvGrpSpPr>
+        <p:cNvPr id="206" name="Shape 206"/>
+        <p:cNvGrpSpPr/>
+        <p:nvPr/>
+      </p:nvGrpSpPr>
+      <p:grpSpPr>
+        <a:xfrm>
+          <a:off x="0" y="0"/>
+          <a:ext cx="0" cy="0"/>
+          <a:chOff x="0" y="0"/>
+          <a:chExt cx="0" cy="0"/>
+        </a:xfrm>
+      </p:grpSpPr>
+      <p:pic>
+        <p:nvPicPr>
+          <p:cNvPr id="207" name="Google Shape;207;p25"/>
+          <p:cNvPicPr preferRelativeResize="0"/>
+          <p:nvPr/>
+        </p:nvPicPr>
+        <p:blipFill rotWithShape="1">
+          <a:blip r:embed="rId4">
+            <a:alphaModFix/>
+          </a:blip>
+          <a:srcRect b="13726" l="0" r="0" t="13726"/>
+          <a:stretch/>
+        </p:blipFill>
+        <p:spPr>
+          <a:xfrm>
+            <a:off x="0" y="0"/>
+            <a:ext cx="1677968" cy="683725"/>
+          </a:xfrm>
+          <a:prstGeom prst="rect">
+            <a:avLst/>
+          </a:prstGeom>
+          <a:noFill/>
+          <a:ln>
+            <a:noFill/>
+          </a:ln>
+        </p:spPr>
+      </p:pic>
+      <p:cxnSp>
+        <p:nvCxnSpPr>
+          <p:cNvPr id="208" name="Google Shape;208;p25"/>
+          <p:cNvCxnSpPr/>
+          <p:nvPr/>
+        </p:nvCxnSpPr>
+        <p:spPr>
+          <a:xfrm>
+            <a:off x="2167850" y="554100"/>
+            <a:ext cx="6518700" cy="0"/>
+          </a:xfrm>
+          <a:prstGeom prst="straightConnector1">
+            <a:avLst/>
+          </a:prstGeom>
+          <a:noFill/>
+          <a:ln cap="flat" cmpd="sng" w="38100">
+            <a:solidFill>
+              <a:srgbClr val="2BB24C"/>
+            </a:solidFill>
+            <a:prstDash val="solid"/>
+            <a:round/>
+            <a:headEnd len="med" w="med" type="none"/>
+            <a:tailEnd len="med" w="med" type="none"/>
+          </a:ln>
+        </p:spPr>
+      </p:cxnSp>
+      <p:sp>
+        <p:nvSpPr>
+          <p:cNvPr id="209" name="Google Shape;209;p25"/>
+          <p:cNvSpPr txBox="1"/>
+          <p:nvPr/>
+        </p:nvSpPr>
+        <p:spPr>
+          <a:xfrm>
+            <a:off x="473950" y="1899900"/>
+            <a:ext cx="3838200" cy="1800900"/>
+          </a:xfrm>
+          <a:prstGeom prst="rect">
+            <a:avLst/>
+          </a:prstGeom>
+          <a:noFill/>
+          <a:ln>
+            <a:noFill/>
+          </a:ln>
+        </p:spPr>
+        <p:txBody>
+          <a:bodyPr anchorCtr="0" anchor="t" bIns="91425" lIns="91425" spcFirstLastPara="1" rIns="91425" wrap="square" tIns="91425">
+            <a:spAutoFit/>
+          </a:bodyPr>
+          <a:lstStyle/>
+          <a:p>
+            <a:pPr indent="0" lvl="0" marL="0" rtl="0" algn="ctr">
+              <a:spcBef>
+                <a:spcPts val="0"/>
+              </a:spcBef>
+              <a:spcAft>
+                <a:spcPts val="0"/>
+              </a:spcAft>
+              <a:buNone/>
+            </a:pPr>
+            <a:r>
+              <a:rPr b="1" lang="fr" sz="2100">
+                <a:solidFill>
+                  <a:srgbClr val="202122"/>
+                </a:solidFill>
+                <a:latin typeface="Calibri"/>
+                <a:ea typeface="Calibri"/>
+                <a:cs typeface="Calibri"/>
+                <a:sym typeface="Calibri"/>
+              </a:rPr>
+              <a:t>La meilleur solution pour avoir un site internet </a:t>
+            </a:r>
+            <a:r>
+              <a:rPr b="1" lang="fr" sz="2100">
+                <a:solidFill>
+                  <a:srgbClr val="3366CC"/>
+                </a:solidFill>
+                <a:latin typeface="Calibri"/>
+                <a:ea typeface="Calibri"/>
+                <a:cs typeface="Calibri"/>
+                <a:sym typeface="Calibri"/>
+              </a:rPr>
+              <a:t>clair</a:t>
+            </a:r>
+            <a:r>
+              <a:rPr b="1" lang="fr" sz="2100">
+                <a:solidFill>
+                  <a:srgbClr val="202122"/>
+                </a:solidFill>
+                <a:latin typeface="Calibri"/>
+                <a:ea typeface="Calibri"/>
+                <a:cs typeface="Calibri"/>
+                <a:sym typeface="Calibri"/>
+              </a:rPr>
+              <a:t>, </a:t>
+            </a:r>
+            <a:r>
+              <a:rPr b="1" lang="fr" sz="2100">
+                <a:solidFill>
+                  <a:srgbClr val="3366CC"/>
+                </a:solidFill>
+                <a:latin typeface="Calibri"/>
+                <a:ea typeface="Calibri"/>
+                <a:cs typeface="Calibri"/>
+                <a:sym typeface="Calibri"/>
+              </a:rPr>
+              <a:t>optimisé</a:t>
+            </a:r>
+            <a:r>
+              <a:rPr b="1" lang="fr" sz="2100">
+                <a:solidFill>
+                  <a:srgbClr val="202122"/>
+                </a:solidFill>
+                <a:latin typeface="Calibri"/>
+                <a:ea typeface="Calibri"/>
+                <a:cs typeface="Calibri"/>
+                <a:sym typeface="Calibri"/>
+              </a:rPr>
+              <a:t> et qui correspond aux </a:t>
+            </a:r>
+            <a:r>
+              <a:rPr b="1" lang="fr" sz="2100">
+                <a:solidFill>
+                  <a:srgbClr val="3366CC"/>
+                </a:solidFill>
+                <a:latin typeface="Calibri"/>
+                <a:ea typeface="Calibri"/>
+                <a:cs typeface="Calibri"/>
+                <a:sym typeface="Calibri"/>
+              </a:rPr>
+              <a:t>normes </a:t>
+            </a:r>
+            <a:r>
+              <a:rPr b="1" lang="fr" sz="2100">
+                <a:solidFill>
+                  <a:srgbClr val="3366CC"/>
+                </a:solidFill>
+                <a:latin typeface="Calibri"/>
+                <a:ea typeface="Calibri"/>
+                <a:cs typeface="Calibri"/>
+                <a:sym typeface="Calibri"/>
+              </a:rPr>
+              <a:t>d'accessibilité</a:t>
+            </a:r>
+            <a:r>
+              <a:rPr b="1" lang="fr" sz="2100">
+                <a:solidFill>
+                  <a:srgbClr val="202122"/>
+                </a:solidFill>
+                <a:latin typeface="Calibri"/>
+                <a:ea typeface="Calibri"/>
+                <a:cs typeface="Calibri"/>
+                <a:sym typeface="Calibri"/>
+              </a:rPr>
+              <a:t> et d’utiliser des </a:t>
+            </a:r>
+            <a:r>
+              <a:rPr b="1" lang="fr" sz="2100">
+                <a:solidFill>
+                  <a:srgbClr val="3366CC"/>
+                </a:solidFill>
+                <a:latin typeface="Calibri"/>
+                <a:ea typeface="Calibri"/>
+                <a:cs typeface="Calibri"/>
+                <a:sym typeface="Calibri"/>
+              </a:rPr>
+              <a:t>librairies</a:t>
+            </a:r>
+            <a:r>
+              <a:rPr b="1" lang="fr" sz="2100">
+                <a:solidFill>
+                  <a:srgbClr val="202122"/>
+                </a:solidFill>
+                <a:latin typeface="Calibri"/>
+                <a:ea typeface="Calibri"/>
+                <a:cs typeface="Calibri"/>
+                <a:sym typeface="Calibri"/>
+              </a:rPr>
+              <a:t>.</a:t>
+            </a:r>
+            <a:endParaRPr b="1" sz="2100">
+              <a:solidFill>
+                <a:srgbClr val="3366CC"/>
+              </a:solidFill>
+              <a:latin typeface="Calibri"/>
+              <a:ea typeface="Calibri"/>
+              <a:cs typeface="Calibri"/>
+              <a:sym typeface="Calibri"/>
+            </a:endParaRPr>
+          </a:p>
+        </p:txBody>
+      </p:sp>
+      <p:sp>
+        <p:nvSpPr>
+          <p:cNvPr id="210" name="Google Shape;210;p25"/>
+          <p:cNvSpPr txBox="1"/>
+          <p:nvPr/>
+        </p:nvSpPr>
+        <p:spPr>
+          <a:xfrm>
+            <a:off x="3386700" y="-7650"/>
+            <a:ext cx="2370600" cy="569400"/>
+          </a:xfrm>
+          <a:prstGeom prst="rect">
+            <a:avLst/>
+          </a:prstGeom>
+          <a:noFill/>
+          <a:ln>
+            <a:noFill/>
+          </a:ln>
+        </p:spPr>
+        <p:txBody>
+          <a:bodyPr anchorCtr="0" anchor="t" bIns="91425" lIns="91425" spcFirstLastPara="1" rIns="91425" wrap="square" tIns="91425">
+            <a:spAutoFit/>
+          </a:bodyPr>
+          <a:lstStyle/>
+          <a:p>
+            <a:pPr indent="0" lvl="0" marL="0" rtl="0" algn="ctr">
+              <a:spcBef>
+                <a:spcPts val="0"/>
+              </a:spcBef>
+              <a:spcAft>
+                <a:spcPts val="0"/>
+              </a:spcAft>
+              <a:buNone/>
+            </a:pPr>
+            <a:r>
+              <a:rPr b="1" lang="fr" sz="2500" u="sng">
+                <a:solidFill>
+                  <a:srgbClr val="202122"/>
+                </a:solidFill>
+                <a:latin typeface="Calibri"/>
+                <a:ea typeface="Calibri"/>
+                <a:cs typeface="Calibri"/>
+                <a:sym typeface="Calibri"/>
+              </a:rPr>
+              <a:t>FRAMEWORKS</a:t>
+            </a:r>
+            <a:endParaRPr b="1" sz="2500" u="sng">
+              <a:solidFill>
+                <a:srgbClr val="202122"/>
+              </a:solidFill>
+              <a:latin typeface="Calibri"/>
+              <a:ea typeface="Calibri"/>
+              <a:cs typeface="Calibri"/>
+              <a:sym typeface="Calibri"/>
+            </a:endParaRPr>
+          </a:p>
+        </p:txBody>
+      </p:sp>
+      <p:pic>
+        <p:nvPicPr>
+          <p:cNvPr id="211" name="Google Shape;211;p25"/>
+          <p:cNvPicPr preferRelativeResize="0"/>
+          <p:nvPr/>
+        </p:nvPicPr>
+        <p:blipFill rotWithShape="1">
+          <a:blip r:embed="rId5">
+            <a:alphaModFix/>
+          </a:blip>
+          <a:srcRect b="0" l="0" r="0" t="0"/>
+          <a:stretch/>
+        </p:blipFill>
+        <p:spPr>
+          <a:xfrm>
+            <a:off x="5093775" y="993875"/>
+            <a:ext cx="3057525" cy="3657600"/>
+          </a:xfrm>
+          <a:prstGeom prst="rect">
+            <a:avLst/>
+          </a:prstGeom>
+          <a:noFill/>
+          <a:ln>
+            <a:noFill/>
+          </a:ln>
+          <a:effectLst>
+            <a:outerShdw blurRad="142875" rotWithShape="0" algn="bl" dir="3600000" dist="95250">
+              <a:srgbClr val="000000">
+                <a:alpha val="50000"/>
+              </a:srgbClr>
+            </a:outerShdw>
+          </a:effectLst>
+        </p:spPr>
+      </p:pic>
+      <p:sp>
+        <p:nvSpPr>
+          <p:cNvPr id="212" name="Google Shape;212;p25"/>
+          <p:cNvSpPr txBox="1"/>
+          <p:nvPr/>
+        </p:nvSpPr>
+        <p:spPr>
+          <a:xfrm>
+            <a:off x="8298050" y="0"/>
+            <a:ext cx="520500" cy="554100"/>
+          </a:xfrm>
+          <a:prstGeom prst="rect">
+            <a:avLst/>
+          </a:prstGeom>
+          <a:noFill/>
+          <a:ln>
+            <a:noFill/>
+          </a:ln>
+        </p:spPr>
+        <p:txBody>
+          <a:bodyPr anchorCtr="0" anchor="t" bIns="91425" lIns="91425" spcFirstLastPara="1" rIns="91425" wrap="square" tIns="91425">
+            <a:spAutoFit/>
+          </a:bodyPr>
+          <a:lstStyle/>
+          <a:p>
+            <a:pPr indent="0" lvl="0" marL="0" rtl="0" algn="l">
+              <a:spcBef>
+                <a:spcPts val="0"/>
+              </a:spcBef>
+              <a:spcAft>
+                <a:spcPts val="0"/>
+              </a:spcAft>
+              <a:buNone/>
+            </a:pPr>
+            <a:r>
+              <a:rPr b="1" lang="fr" sz="2400">
+                <a:solidFill>
+                  <a:srgbClr val="333333"/>
+                </a:solidFill>
+                <a:latin typeface="Calibri"/>
+                <a:ea typeface="Calibri"/>
+                <a:cs typeface="Calibri"/>
+                <a:sym typeface="Calibri"/>
+              </a:rPr>
+              <a:t>11</a:t>
+            </a:r>
+            <a:endParaRPr b="1" sz="2400">
+              <a:solidFill>
+                <a:srgbClr val="333333"/>
+              </a:solidFill>
+              <a:latin typeface="Calibri"/>
+              <a:ea typeface="Calibri"/>
+              <a:cs typeface="Calibri"/>
+              <a:sym typeface="Calibri"/>
+            </a:endParaRPr>
+          </a:p>
+        </p:txBody>
+      </p:sp>
+    </p:spTree>
+  </p:cSld>
+  <p:clrMapOvr>
+    <a:masterClrMapping/>
+  </p:clrMapOvr>
+  <p:timing>
+    <p:tnLst>
+      <p:par>
+        <p:cTn dur="indefinite" nodeType="tmRoot" restart="never">
+          <p:childTnLst>
+            <p:seq concurrent="1" nextAc="seek">
+              <p:cTn dur="indefinite" id="2" nodeType="mainSeq">
+                <p:childTnLst>
+                  <p:par>
+                    <p:cTn fill="hold">
+                      <p:stCondLst>
+                        <p:cond delay="indefinite"/>
+                      </p:stCondLst>
+                      <p:childTnLst>
+                        <p:par>
+                          <p:cTn fill="hold">
+                            <p:stCondLst>
+                              <p:cond delay="0"/>
+                            </p:stCondLst>
+                            <p:childTnLst>
+                              <p:par>
+                                <p:cTn fill="hold" nodeType="clickEffect" presetClass="entr" presetID="10" presetSubtype="0">
+                                  <p:stCondLst>
+                                    <p:cond delay="0"/>
+                                  </p:stCondLst>
+                                  <p:childTnLst>
+                                    <p:set>
+                                      <p:cBhvr>
+                                        <p:cTn dur="1" fill="hold">
+                                          <p:stCondLst>
+                                            <p:cond delay="0"/>
+                                          </p:stCondLst>
+                                        </p:cTn>
+                                        <p:tgtEl>
+                                          <p:spTgt spid="209"/>
+                                        </p:tgtEl>
+                                        <p:attrNameLst>
+                                          <p:attrName>style.visibility</p:attrName>
+                                        </p:attrNameLst>
+                                      </p:cBhvr>
+                                      <p:to>
+                                        <p:strVal val="visible"/>
+                                      </p:to>
+                                    </p:set>
+                                    <p:animEffect filter="fade" transition="in">
+                                      <p:cBhvr>
+                                        <p:cTn dur="500"/>
+                                        <p:tgtEl>
+                                          <p:spTgt spid="209"/>
+                                        </p:tgtEl>
+                                      </p:cBhvr>
+                                    </p:animEffect>
+                                  </p:childTnLst>
+                                </p:cTn>
+                              </p:par>
+                              <p:par>
+                                <p:cTn fill="hold" nodeType="withEffect" presetClass="exit" presetID="10" presetSubtype="0">
+                                  <p:stCondLst>
+                                    <p:cond delay="0"/>
+                                  </p:stCondLst>
+                                  <p:childTnLst>
+                                    <p:animEffect filter="fade" transition="out">
+                                      <p:cBhvr>
+                                        <p:cTn dur="500"/>
+                                        <p:tgtEl>
+                                          <p:spTgt spid="209"/>
+                                        </p:tgtEl>
+                                      </p:cBhvr>
+                                    </p:animEffect>
+                                    <p:set>
+                                      <p:cBhvr>
+                                        <p:cTn dur="1" fill="hold">
+                                          <p:stCondLst>
+                                            <p:cond delay="500"/>
+                                          </p:stCondLst>
+                                        </p:cTn>
+                                        <p:tgtEl>
+                                          <p:spTgt spid="209"/>
+                                        </p:tgtEl>
+                                        <p:attrNameLst>
+                                          <p:attrName>style.visibility</p:attrName>
+                                        </p:attrNameLst>
+                                      </p:cBhvr>
+                                      <p:to>
+                                        <p:strVal val="hidden"/>
+                                      </p:to>
+                                    </p:set>
+                                  </p:childTnLst>
+                                </p:cTn>
+                              </p:par>
+                            </p:childTnLst>
+                          </p:cTn>
+                        </p:par>
+                      </p:childTnLst>
+                    </p:cTn>
+                  </p:par>
+                </p:childTnLst>
+              </p:cTn>
+              <p:prevCondLst>
+                <p:cond evt="onPrev">
+                  <p:tgtEl>
+                    <p:sldTgt/>
+                  </p:tgtEl>
+                </p:cond>
+              </p:prevCondLst>
+              <p:nextCondLst>
+                <p:cond evt="onNext">
+                  <p:tgtEl>
+                    <p:sldTgt/>
+                  </p:tgtEl>
+                </p:cond>
+              </p:nextCondLst>
+            </p:seq>
+          </p:childTnLst>
+        </p:cTn>
+      </p:par>
+    </p:tnLst>
+  </p:timing>
+</p:sld>
+</file>
+
+<file path=ppt/slides/slide14.xml><?xml version="1.0" encoding="utf-8"?>
+<p:sld xmlns:a="http://schemas.openxmlformats.org/drawingml/2006/main" xmlns:r="http://schemas.openxmlformats.org/officeDocument/2006/relationships" xmlns:mc="http://schemas.openxmlformats.org/markup-compatibility/2006" xmlns:mv="urn:schemas-microsoft-com:mac:vml" xmlns:p="http://schemas.openxmlformats.org/presentationml/2006/main" xmlns:c="http://schemas.openxmlformats.org/drawingml/2006/chart" xmlns:dgm="http://schemas.openxmlformats.org/drawingml/2006/diagram" xmlns:o="urn:schemas-microsoft-com:office:office" xmlns:v="urn:schemas-microsoft-com:vml" xmlns:pvml="urn:schemas-microsoft-com:office:powerpoint" xmlns:com="http://schemas.openxmlformats.org/drawingml/2006/compatibility" xmlns:p14="http://schemas.microsoft.com/office/powerpoint/2010/main" xmlns:p15="http://schemas.microsoft.com/office/powerpoint/2012/main" xmlns:ahyp="http://schemas.microsoft.com/office/drawing/2018/hyperlinkcolor">
+  <p:cSld>
+    <p:bg>
+      <p:bgPr>
+        <a:blipFill>
+          <a:blip r:embed="rId3">
+            <a:alphaModFix/>
+          </a:blip>
+          <a:stretch>
+            <a:fillRect/>
+          </a:stretch>
+        </a:blipFill>
+      </p:bgPr>
+    </p:bg>
+    <p:spTree>
+      <p:nvGrpSpPr>
+        <p:cNvPr id="216" name="Shape 216"/>
+        <p:cNvGrpSpPr/>
+        <p:nvPr/>
+      </p:nvGrpSpPr>
+      <p:grpSpPr>
+        <a:xfrm>
+          <a:off x="0" y="0"/>
+          <a:ext cx="0" cy="0"/>
+          <a:chOff x="0" y="0"/>
+          <a:chExt cx="0" cy="0"/>
+        </a:xfrm>
+      </p:grpSpPr>
+      <p:pic>
+        <p:nvPicPr>
+          <p:cNvPr id="217" name="Google Shape;217;p26"/>
+          <p:cNvPicPr preferRelativeResize="0"/>
+          <p:nvPr/>
+        </p:nvPicPr>
+        <p:blipFill rotWithShape="1">
+          <a:blip r:embed="rId4">
+            <a:alphaModFix/>
+          </a:blip>
+          <a:srcRect b="13726" l="0" r="0" t="13726"/>
+          <a:stretch/>
+        </p:blipFill>
+        <p:spPr>
+          <a:xfrm>
+            <a:off x="0" y="0"/>
+            <a:ext cx="1677968" cy="683725"/>
+          </a:xfrm>
+          <a:prstGeom prst="rect">
+            <a:avLst/>
+          </a:prstGeom>
+          <a:noFill/>
+          <a:ln>
+            <a:noFill/>
+          </a:ln>
+        </p:spPr>
+      </p:pic>
+      <p:cxnSp>
+        <p:nvCxnSpPr>
+          <p:cNvPr id="218" name="Google Shape;218;p26"/>
+          <p:cNvCxnSpPr/>
+          <p:nvPr/>
+        </p:nvCxnSpPr>
+        <p:spPr>
+          <a:xfrm>
+            <a:off x="2167850" y="554100"/>
+            <a:ext cx="6518700" cy="0"/>
+          </a:xfrm>
+          <a:prstGeom prst="straightConnector1">
+            <a:avLst/>
+          </a:prstGeom>
+          <a:noFill/>
+          <a:ln cap="flat" cmpd="sng" w="38100">
+            <a:solidFill>
+              <a:srgbClr val="2BB24C"/>
+            </a:solidFill>
+            <a:prstDash val="solid"/>
+            <a:round/>
+            <a:headEnd len="med" w="med" type="none"/>
+            <a:tailEnd len="med" w="med" type="none"/>
+          </a:ln>
+        </p:spPr>
+      </p:cxnSp>
+      <p:sp>
+        <p:nvSpPr>
+          <p:cNvPr id="219" name="Google Shape;219;p26"/>
+          <p:cNvSpPr txBox="1"/>
+          <p:nvPr/>
+        </p:nvSpPr>
+        <p:spPr>
+          <a:xfrm>
+            <a:off x="473950" y="1437425"/>
+            <a:ext cx="3838200" cy="2770500"/>
+          </a:xfrm>
+          <a:prstGeom prst="rect">
+            <a:avLst/>
+          </a:prstGeom>
+          <a:noFill/>
+          <a:ln>
+            <a:noFill/>
+          </a:ln>
+        </p:spPr>
+        <p:txBody>
+          <a:bodyPr anchorCtr="0" anchor="t" bIns="91425" lIns="91425" spcFirstLastPara="1" rIns="91425" wrap="square" tIns="91425">
+            <a:spAutoFit/>
+          </a:bodyPr>
+          <a:lstStyle/>
+          <a:p>
+            <a:pPr indent="0" lvl="0" marL="0" rtl="0" algn="ctr">
+              <a:spcBef>
+                <a:spcPts val="0"/>
+              </a:spcBef>
+              <a:spcAft>
+                <a:spcPts val="0"/>
+              </a:spcAft>
+              <a:buNone/>
+            </a:pPr>
+            <a:r>
+              <a:rPr b="1" lang="fr" sz="2100">
+                <a:solidFill>
+                  <a:srgbClr val="3366CC"/>
+                </a:solidFill>
+                <a:latin typeface="Calibri"/>
+                <a:ea typeface="Calibri"/>
+                <a:cs typeface="Calibri"/>
+                <a:sym typeface="Calibri"/>
+              </a:rPr>
+              <a:t>Visual Studio Code</a:t>
+            </a:r>
+            <a:r>
+              <a:rPr b="1" lang="fr" sz="2100">
+                <a:solidFill>
+                  <a:srgbClr val="202122"/>
+                </a:solidFill>
+                <a:latin typeface="Calibri"/>
+                <a:ea typeface="Calibri"/>
+                <a:cs typeface="Calibri"/>
+                <a:sym typeface="Calibri"/>
+              </a:rPr>
+              <a:t> est l’outils de développement le plus </a:t>
+            </a:r>
+            <a:r>
+              <a:rPr b="1" lang="fr" sz="2100">
+                <a:solidFill>
+                  <a:srgbClr val="3366CC"/>
+                </a:solidFill>
+                <a:latin typeface="Calibri"/>
+                <a:ea typeface="Calibri"/>
+                <a:cs typeface="Calibri"/>
+                <a:sym typeface="Calibri"/>
+              </a:rPr>
+              <a:t>populaire</a:t>
+            </a:r>
+            <a:r>
+              <a:rPr b="1" lang="fr" sz="2100">
+                <a:solidFill>
+                  <a:srgbClr val="202122"/>
+                </a:solidFill>
+                <a:latin typeface="Calibri"/>
+                <a:ea typeface="Calibri"/>
+                <a:cs typeface="Calibri"/>
+                <a:sym typeface="Calibri"/>
+              </a:rPr>
+              <a:t> auprès des développeur en 2023.</a:t>
+            </a:r>
+            <a:endParaRPr b="1" sz="2100">
+              <a:solidFill>
+                <a:srgbClr val="202122"/>
+              </a:solidFill>
+              <a:latin typeface="Calibri"/>
+              <a:ea typeface="Calibri"/>
+              <a:cs typeface="Calibri"/>
+              <a:sym typeface="Calibri"/>
+            </a:endParaRPr>
+          </a:p>
+          <a:p>
+            <a:pPr indent="0" lvl="0" marL="0" rtl="0" algn="ctr">
+              <a:spcBef>
+                <a:spcPts val="0"/>
+              </a:spcBef>
+              <a:spcAft>
+                <a:spcPts val="0"/>
+              </a:spcAft>
+              <a:buNone/>
+            </a:pPr>
+            <a:r>
+              <a:rPr b="1" lang="fr" sz="2100">
+                <a:solidFill>
+                  <a:srgbClr val="3366CC"/>
+                </a:solidFill>
+                <a:latin typeface="Calibri"/>
+                <a:ea typeface="Calibri"/>
+                <a:cs typeface="Calibri"/>
+                <a:sym typeface="Calibri"/>
+              </a:rPr>
+              <a:t>Extensible</a:t>
+            </a:r>
+            <a:r>
+              <a:rPr b="1" lang="fr" sz="2100">
+                <a:solidFill>
+                  <a:srgbClr val="202122"/>
+                </a:solidFill>
+                <a:latin typeface="Calibri"/>
+                <a:ea typeface="Calibri"/>
+                <a:cs typeface="Calibri"/>
+                <a:sym typeface="Calibri"/>
+              </a:rPr>
+              <a:t>, il est modulable et permet l’ajout de fonctionnalités qui aideront l’équipe dans leur travail.</a:t>
+            </a:r>
+            <a:endParaRPr b="1" sz="2100">
+              <a:solidFill>
+                <a:srgbClr val="202122"/>
+              </a:solidFill>
+              <a:latin typeface="Calibri"/>
+              <a:ea typeface="Calibri"/>
+              <a:cs typeface="Calibri"/>
+              <a:sym typeface="Calibri"/>
+            </a:endParaRPr>
+          </a:p>
+        </p:txBody>
+      </p:sp>
+      <p:sp>
+        <p:nvSpPr>
+          <p:cNvPr id="220" name="Google Shape;220;p26"/>
+          <p:cNvSpPr txBox="1"/>
+          <p:nvPr/>
+        </p:nvSpPr>
+        <p:spPr>
+          <a:xfrm>
+            <a:off x="2166875" y="-7650"/>
+            <a:ext cx="4810200" cy="569400"/>
+          </a:xfrm>
+          <a:prstGeom prst="rect">
+            <a:avLst/>
+          </a:prstGeom>
+          <a:noFill/>
+          <a:ln>
+            <a:noFill/>
+          </a:ln>
+        </p:spPr>
+        <p:txBody>
+          <a:bodyPr anchorCtr="0" anchor="t" bIns="91425" lIns="91425" spcFirstLastPara="1" rIns="91425" wrap="square" tIns="91425">
+            <a:spAutoFit/>
+          </a:bodyPr>
+          <a:lstStyle/>
+          <a:p>
+            <a:pPr indent="0" lvl="0" marL="0" rtl="0" algn="ctr">
+              <a:spcBef>
+                <a:spcPts val="0"/>
+              </a:spcBef>
+              <a:spcAft>
+                <a:spcPts val="0"/>
+              </a:spcAft>
+              <a:buNone/>
+            </a:pPr>
+            <a:r>
+              <a:rPr b="1" lang="fr" sz="2500" u="sng">
+                <a:solidFill>
+                  <a:srgbClr val="202122"/>
+                </a:solidFill>
+                <a:latin typeface="Calibri"/>
+                <a:ea typeface="Calibri"/>
+                <a:cs typeface="Calibri"/>
+                <a:sym typeface="Calibri"/>
+              </a:rPr>
+              <a:t>OUTILS DE </a:t>
+            </a:r>
+            <a:r>
+              <a:rPr b="1" lang="fr" sz="2500" u="sng">
+                <a:solidFill>
+                  <a:srgbClr val="202122"/>
+                </a:solidFill>
+                <a:latin typeface="Calibri"/>
+                <a:ea typeface="Calibri"/>
+                <a:cs typeface="Calibri"/>
+                <a:sym typeface="Calibri"/>
+              </a:rPr>
+              <a:t>DÉVELOPPEMENTS</a:t>
+            </a:r>
+            <a:endParaRPr b="1" sz="2500" u="sng">
+              <a:solidFill>
+                <a:srgbClr val="202122"/>
+              </a:solidFill>
+              <a:latin typeface="Calibri"/>
+              <a:ea typeface="Calibri"/>
+              <a:cs typeface="Calibri"/>
+              <a:sym typeface="Calibri"/>
+            </a:endParaRPr>
+          </a:p>
+        </p:txBody>
+      </p:sp>
+      <p:pic>
+        <p:nvPicPr>
+          <p:cNvPr id="221" name="Google Shape;221;p26"/>
+          <p:cNvPicPr preferRelativeResize="0"/>
+          <p:nvPr/>
+        </p:nvPicPr>
+        <p:blipFill rotWithShape="1">
+          <a:blip r:embed="rId5">
+            <a:alphaModFix/>
+          </a:blip>
+          <a:srcRect b="0" l="0" r="0" t="0"/>
+          <a:stretch/>
+        </p:blipFill>
+        <p:spPr>
+          <a:xfrm>
+            <a:off x="5093775" y="993875"/>
+            <a:ext cx="3057525" cy="3657600"/>
+          </a:xfrm>
+          <a:prstGeom prst="rect">
+            <a:avLst/>
+          </a:prstGeom>
+          <a:noFill/>
+          <a:ln>
+            <a:noFill/>
+          </a:ln>
+          <a:effectLst>
+            <a:outerShdw blurRad="142875" rotWithShape="0" algn="bl" dir="3600000" dist="95250">
+              <a:srgbClr val="000000">
+                <a:alpha val="50000"/>
+              </a:srgbClr>
+            </a:outerShdw>
+          </a:effectLst>
+        </p:spPr>
+      </p:pic>
+      <p:sp>
+        <p:nvSpPr>
+          <p:cNvPr id="222" name="Google Shape;222;p26"/>
+          <p:cNvSpPr txBox="1"/>
+          <p:nvPr/>
+        </p:nvSpPr>
+        <p:spPr>
+          <a:xfrm>
+            <a:off x="8298050" y="0"/>
+            <a:ext cx="520500" cy="554100"/>
+          </a:xfrm>
+          <a:prstGeom prst="rect">
+            <a:avLst/>
+          </a:prstGeom>
+          <a:noFill/>
+          <a:ln>
+            <a:noFill/>
+          </a:ln>
+        </p:spPr>
+        <p:txBody>
+          <a:bodyPr anchorCtr="0" anchor="t" bIns="91425" lIns="91425" spcFirstLastPara="1" rIns="91425" wrap="square" tIns="91425">
+            <a:spAutoFit/>
+          </a:bodyPr>
+          <a:lstStyle/>
+          <a:p>
+            <a:pPr indent="0" lvl="0" marL="0" rtl="0" algn="l">
+              <a:spcBef>
+                <a:spcPts val="0"/>
+              </a:spcBef>
+              <a:spcAft>
+                <a:spcPts val="0"/>
+              </a:spcAft>
+              <a:buNone/>
+            </a:pPr>
+            <a:r>
+              <a:rPr b="1" lang="fr" sz="2400">
+                <a:solidFill>
+                  <a:srgbClr val="333333"/>
+                </a:solidFill>
+                <a:latin typeface="Calibri"/>
+                <a:ea typeface="Calibri"/>
+                <a:cs typeface="Calibri"/>
+                <a:sym typeface="Calibri"/>
+              </a:rPr>
+              <a:t>12</a:t>
+            </a:r>
+            <a:endParaRPr b="1" sz="2400">
+              <a:solidFill>
+                <a:srgbClr val="333333"/>
+              </a:solidFill>
+              <a:latin typeface="Calibri"/>
+              <a:ea typeface="Calibri"/>
+              <a:cs typeface="Calibri"/>
+              <a:sym typeface="Calibri"/>
+            </a:endParaRPr>
+          </a:p>
+        </p:txBody>
+      </p:sp>
+    </p:spTree>
+  </p:cSld>
+  <p:clrMapOvr>
+    <a:masterClrMapping/>
+  </p:clrMapOvr>
+  <p:timing>
+    <p:tnLst>
+      <p:par>
+        <p:cTn dur="indefinite" nodeType="tmRoot" restart="never">
+          <p:childTnLst>
+            <p:seq concurrent="1" nextAc="seek">
+              <p:cTn dur="indefinite" id="2" nodeType="mainSeq">
+                <p:childTnLst>
+                  <p:par>
+                    <p:cTn fill="hold">
+                      <p:stCondLst>
+                        <p:cond delay="indefinite"/>
+                      </p:stCondLst>
+                      <p:childTnLst>
+                        <p:par>
+                          <p:cTn fill="hold">
+                            <p:stCondLst>
+                              <p:cond delay="0"/>
+                            </p:stCondLst>
+                            <p:childTnLst>
+                              <p:par>
+                                <p:cTn fill="hold" nodeType="clickEffect" presetClass="entr" presetID="10" presetSubtype="0">
+                                  <p:stCondLst>
+                                    <p:cond delay="0"/>
+                                  </p:stCondLst>
+                                  <p:childTnLst>
+                                    <p:set>
+                                      <p:cBhvr>
+                                        <p:cTn dur="1" fill="hold">
+                                          <p:stCondLst>
+                                            <p:cond delay="0"/>
+                                          </p:stCondLst>
+                                        </p:cTn>
+                                        <p:tgtEl>
+                                          <p:spTgt spid="219"/>
+                                        </p:tgtEl>
+                                        <p:attrNameLst>
+                                          <p:attrName>style.visibility</p:attrName>
+                                        </p:attrNameLst>
+                                      </p:cBhvr>
+                                      <p:to>
+                                        <p:strVal val="visible"/>
+                                      </p:to>
+                                    </p:set>
+                                    <p:animEffect filter="fade" transition="in">
+                                      <p:cBhvr>
+                                        <p:cTn dur="500"/>
+                                        <p:tgtEl>
+                                          <p:spTgt spid="219"/>
+                                        </p:tgtEl>
+                                      </p:cBhvr>
+                                    </p:animEffect>
+                                  </p:childTnLst>
+                                </p:cTn>
+                              </p:par>
+                              <p:par>
+                                <p:cTn fill="hold" nodeType="withEffect" presetClass="exit" presetID="10" presetSubtype="0">
+                                  <p:stCondLst>
+                                    <p:cond delay="0"/>
+                                  </p:stCondLst>
+                                  <p:childTnLst>
+                                    <p:animEffect filter="fade" transition="out">
+                                      <p:cBhvr>
+                                        <p:cTn dur="500"/>
+                                        <p:tgtEl>
+                                          <p:spTgt spid="219"/>
+                                        </p:tgtEl>
+                                      </p:cBhvr>
+                                    </p:animEffect>
+                                    <p:set>
+                                      <p:cBhvr>
+                                        <p:cTn dur="1" fill="hold">
+                                          <p:stCondLst>
+                                            <p:cond delay="500"/>
+                                          </p:stCondLst>
+                                        </p:cTn>
+                                        <p:tgtEl>
+                                          <p:spTgt spid="219"/>
                                         </p:tgtEl>
                                         <p:attrNameLst>
                                           <p:attrName>style.visibility</p:attrName>
@@ -8526,67 +11173,9 @@
           </a:ln>
         </p:spPr>
       </p:pic>
-      <p:sp>
-        <p:nvSpPr>
-          <p:cNvPr id="61" name="Google Shape;61;p14"/>
-          <p:cNvSpPr txBox="1"/>
-          <p:nvPr/>
-        </p:nvSpPr>
-        <p:spPr>
-          <a:xfrm>
-            <a:off x="8430050" y="0"/>
-            <a:ext cx="256500" cy="554100"/>
-          </a:xfrm>
-          <a:prstGeom prst="rect">
-            <a:avLst/>
-          </a:prstGeom>
-          <a:noFill/>
-          <a:ln>
-            <a:noFill/>
-          </a:ln>
-        </p:spPr>
-        <p:txBody>
-          <a:bodyPr anchorCtr="0" anchor="t" bIns="91425" lIns="91425" spcFirstLastPara="1" rIns="91425" wrap="square" tIns="91425">
-            <a:spAutoFit/>
-          </a:bodyPr>
-          <a:lstStyle/>
-          <a:p>
-            <a:pPr indent="0" lvl="0" marL="0" rtl="0" algn="l">
-              <a:spcBef>
-                <a:spcPts val="0"/>
-              </a:spcBef>
-              <a:spcAft>
-                <a:spcPts val="0"/>
-              </a:spcAft>
-              <a:buNone/>
-            </a:pPr>
-            <a:r>
-              <a:rPr b="1" lang="fr" sz="2400">
-                <a:solidFill>
-                  <a:srgbClr val="333333"/>
-                </a:solidFill>
-                <a:latin typeface="Calibri"/>
-                <a:ea typeface="Calibri"/>
-                <a:cs typeface="Calibri"/>
-                <a:sym typeface="Calibri"/>
-              </a:rPr>
-              <a:t>1</a:t>
-            </a:r>
-            <a:endParaRPr b="1" sz="2400">
-              <a:solidFill>
-                <a:srgbClr val="333333"/>
-              </a:solidFill>
-              <a:latin typeface="Calibri"/>
-              <a:ea typeface="Calibri"/>
-              <a:cs typeface="Calibri"/>
-              <a:sym typeface="Calibri"/>
-            </a:endParaRPr>
-          </a:p>
-        </p:txBody>
-      </p:sp>
       <p:cxnSp>
         <p:nvCxnSpPr>
-          <p:cNvPr id="62" name="Google Shape;62;p14"/>
+          <p:cNvPr id="61" name="Google Shape;61;p14"/>
           <p:cNvCxnSpPr/>
           <p:nvPr/>
         </p:nvCxnSpPr>
@@ -8612,14 +11201,14 @@
       </p:cxnSp>
       <p:sp>
         <p:nvSpPr>
-          <p:cNvPr id="63" name="Google Shape;63;p14"/>
+          <p:cNvPr id="62" name="Google Shape;62;p14"/>
           <p:cNvSpPr txBox="1"/>
           <p:nvPr/>
         </p:nvSpPr>
         <p:spPr>
           <a:xfrm>
-            <a:off x="3251625" y="1539150"/>
-            <a:ext cx="2536800" cy="2343900"/>
+            <a:off x="1892925" y="1767750"/>
+            <a:ext cx="2536800" cy="1795200"/>
           </a:xfrm>
           <a:prstGeom prst="rect">
             <a:avLst/>
@@ -8662,7 +11251,19 @@
                 <a:cs typeface="Calibri"/>
                 <a:sym typeface="Calibri"/>
               </a:rPr>
-              <a:t>2. Présentation</a:t>
+              <a:t>1</a:t>
+            </a:r>
+            <a:r>
+              <a:rPr b="1" lang="fr" sz="1550">
+                <a:solidFill>
+                  <a:srgbClr val="202122"/>
+                </a:solidFill>
+                <a:latin typeface="Calibri"/>
+                <a:ea typeface="Calibri"/>
+                <a:cs typeface="Calibri"/>
+                <a:sym typeface="Calibri"/>
+              </a:rPr>
+              <a:t>. Présentation</a:t>
             </a:r>
             <a:br>
               <a:rPr b="1" lang="fr" sz="1550">
@@ -8685,7 +11286,7 @@
                 <a:cs typeface="Calibri"/>
                 <a:sym typeface="Calibri"/>
               </a:rPr>
-              <a:t>3. Tarification</a:t>
+              <a:t>2. Tarification</a:t>
             </a:r>
             <a:br>
               <a:rPr b="1" lang="fr" sz="1550">
@@ -8708,7 +11309,7 @@
                 <a:cs typeface="Calibri"/>
                 <a:sym typeface="Calibri"/>
               </a:rPr>
-              <a:t>4. Connexion</a:t>
+              <a:t>3. Connexion</a:t>
             </a:r>
             <a:br>
               <a:rPr b="1" lang="fr" sz="1550">
@@ -8731,7 +11332,7 @@
                 <a:cs typeface="Calibri"/>
                 <a:sym typeface="Calibri"/>
               </a:rPr>
-              <a:t>5. Classification des flux</a:t>
+              <a:t>4. Classement</a:t>
             </a:r>
             <a:br>
               <a:rPr b="1" lang="fr" sz="1550">
@@ -8754,7 +11355,7 @@
                 <a:cs typeface="Calibri"/>
                 <a:sym typeface="Calibri"/>
               </a:rPr>
-              <a:t>6. Recherche des flux</a:t>
+              <a:t>5. Outils</a:t>
             </a:r>
             <a:br>
               <a:rPr b="1" lang="fr" sz="1550">
@@ -8777,10 +11378,56 @@
                 <a:cs typeface="Calibri"/>
                 <a:sym typeface="Calibri"/>
               </a:rPr>
-              <a:t>7. Actualités des flux</a:t>
+              <a:t>6. Actualités</a:t>
             </a:r>
-            <a:br>
-              <a:rPr b="1" lang="fr" sz="1550">
+            <a:endParaRPr b="1" sz="1550">
+              <a:solidFill>
+                <a:srgbClr val="202122"/>
+              </a:solidFill>
+              <a:latin typeface="Calibri"/>
+              <a:ea typeface="Calibri"/>
+              <a:cs typeface="Calibri"/>
+              <a:sym typeface="Calibri"/>
+            </a:endParaRPr>
+          </a:p>
+        </p:txBody>
+      </p:sp>
+      <p:sp>
+        <p:nvSpPr>
+          <p:cNvPr id="63" name="Google Shape;63;p14"/>
+          <p:cNvSpPr txBox="1"/>
+          <p:nvPr/>
+        </p:nvSpPr>
+        <p:spPr>
+          <a:xfrm>
+            <a:off x="3535800" y="-7650"/>
+            <a:ext cx="2072400" cy="569400"/>
+          </a:xfrm>
+          <a:prstGeom prst="rect">
+            <a:avLst/>
+          </a:prstGeom>
+          <a:noFill/>
+          <a:ln>
+            <a:noFill/>
+          </a:ln>
+        </p:spPr>
+        <p:txBody>
+          <a:bodyPr anchorCtr="0" anchor="t" bIns="91425" lIns="91425" spcFirstLastPara="1" rIns="91425" wrap="square" tIns="91425">
+            <a:spAutoFit/>
+          </a:bodyPr>
+          <a:lstStyle/>
+          <a:p>
+            <a:pPr indent="0" lvl="0" marL="0" rtl="0" algn="ctr">
+              <a:spcBef>
+                <a:spcPts val="0"/>
+              </a:spcBef>
+              <a:spcAft>
+                <a:spcPts val="0"/>
+              </a:spcAft>
+              <a:buNone/>
+            </a:pPr>
+            <a:r>
+              <a:rPr b="1" lang="fr" sz="2500" u="sng">
                 <a:solidFill>
                   <a:srgbClr val="202122"/>
                 </a:solidFill>
@@ -8789,43 +11436,9 @@
                 <a:cs typeface="Calibri"/>
                 <a:sym typeface="Calibri"/>
               </a:rPr>
-            </a:br>
-            <a:r>
-              <a:rPr b="1" lang="fr" sz="1550">
-                <a:solidFill>
-                  <a:srgbClr val="202122"/>
-                </a:solidFill>
-                <a:latin typeface="Calibri"/>
-                <a:ea typeface="Calibri"/>
-                <a:cs typeface="Calibri"/>
-                <a:sym typeface="Calibri"/>
-              </a:rPr>
-              <a:t>8. Ajout des flux</a:t>
+              <a:t>SOMMAIRE</a:t>
             </a:r>
-            <a:br>
-              <a:rPr b="1" lang="fr" sz="1550">
-                <a:solidFill>
-                  <a:srgbClr val="202122"/>
-                </a:solidFill>
-                <a:latin typeface="Calibri"/>
-                <a:ea typeface="Calibri"/>
-                <a:cs typeface="Calibri"/>
-                <a:sym typeface="Calibri"/>
-              </a:rPr>
-            </a:br>
-            <a:r>
-              <a:rPr b="1" lang="fr" sz="1550">
-                <a:solidFill>
-                  <a:srgbClr val="202122"/>
-                </a:solidFill>
-                <a:latin typeface="Calibri"/>
-                <a:ea typeface="Calibri"/>
-                <a:cs typeface="Calibri"/>
-                <a:sym typeface="Calibri"/>
-              </a:rPr>
-              <a:t>9. Enregistrement et partage</a:t>
-            </a:r>
-            <a:endParaRPr b="1" sz="1550">
+            <a:endParaRPr b="1" sz="2500" u="sng">
               <a:solidFill>
                 <a:srgbClr val="202122"/>
               </a:solidFill>
@@ -8845,8 +11458,8 @@
         </p:nvSpPr>
         <p:spPr>
           <a:xfrm>
-            <a:off x="3531525" y="-7650"/>
-            <a:ext cx="1677900" cy="569400"/>
+            <a:off x="4617075" y="1767750"/>
+            <a:ext cx="2634000" cy="1795200"/>
           </a:xfrm>
           <a:prstGeom prst="rect">
             <a:avLst/>
@@ -8863,16 +11476,24 @@
           <a:lstStyle/>
           <a:p>
             <a:pPr indent="0" lvl="0" marL="0" rtl="0" algn="l">
-              <a:spcBef>
-                <a:spcPts val="0"/>
-              </a:spcBef>
-              <a:spcAft>
-                <a:spcPts val="0"/>
-              </a:spcAft>
+              <a:lnSpc>
+                <a:spcPct val="115000"/>
+              </a:lnSpc>
+              <a:spcBef>
+                <a:spcPts val="500"/>
+              </a:spcBef>
+              <a:spcAft>
+                <a:spcPts val="1100"/>
+              </a:spcAft>
+              <a:buClr>
+                <a:schemeClr val="dk1"/>
+              </a:buClr>
+              <a:buSzPts val="1100"/>
+              <a:buFont typeface="Arial"/>
               <a:buNone/>
             </a:pPr>
             <a:r>
-              <a:rPr b="1" lang="fr" sz="2500" u="sng">
+              <a:rPr b="1" lang="fr" sz="1550">
                 <a:solidFill>
                   <a:srgbClr val="202122"/>
                 </a:solidFill>
@@ -8881,9 +11502,124 @@
                 <a:cs typeface="Calibri"/>
                 <a:sym typeface="Calibri"/>
               </a:rPr>
-              <a:t>Sommaires</a:t>
+              <a:t>7. Ajout des flux</a:t>
             </a:r>
-            <a:endParaRPr b="1" sz="2500" u="sng">
+            <a:br>
+              <a:rPr b="1" lang="fr" sz="1550">
+                <a:solidFill>
+                  <a:srgbClr val="202122"/>
+                </a:solidFill>
+                <a:latin typeface="Calibri"/>
+                <a:ea typeface="Calibri"/>
+                <a:cs typeface="Calibri"/>
+                <a:sym typeface="Calibri"/>
+              </a:rPr>
+            </a:br>
+            <a:r>
+              <a:rPr b="1" lang="fr" sz="1550">
+                <a:solidFill>
+                  <a:srgbClr val="202122"/>
+                </a:solidFill>
+                <a:latin typeface="Calibri"/>
+                <a:ea typeface="Calibri"/>
+                <a:cs typeface="Calibri"/>
+                <a:sym typeface="Calibri"/>
+              </a:rPr>
+              <a:t>8. Enregistrement et partage</a:t>
+            </a:r>
+            <a:br>
+              <a:rPr b="1" lang="fr" sz="1550">
+                <a:solidFill>
+                  <a:srgbClr val="202122"/>
+                </a:solidFill>
+                <a:latin typeface="Calibri"/>
+                <a:ea typeface="Calibri"/>
+                <a:cs typeface="Calibri"/>
+                <a:sym typeface="Calibri"/>
+              </a:rPr>
+            </a:br>
+            <a:r>
+              <a:rPr b="1" lang="fr" sz="1550">
+                <a:solidFill>
+                  <a:srgbClr val="202122"/>
+                </a:solidFill>
+                <a:latin typeface="Calibri"/>
+                <a:ea typeface="Calibri"/>
+                <a:cs typeface="Calibri"/>
+                <a:sym typeface="Calibri"/>
+              </a:rPr>
+              <a:t>9. Les sources</a:t>
+            </a:r>
+            <a:br>
+              <a:rPr b="1" lang="fr" sz="1550">
+                <a:solidFill>
+                  <a:srgbClr val="202122"/>
+                </a:solidFill>
+                <a:latin typeface="Calibri"/>
+                <a:ea typeface="Calibri"/>
+                <a:cs typeface="Calibri"/>
+                <a:sym typeface="Calibri"/>
+              </a:rPr>
+            </a:br>
+            <a:r>
+              <a:rPr b="1" lang="fr" sz="1550">
+                <a:solidFill>
+                  <a:srgbClr val="202122"/>
+                </a:solidFill>
+                <a:latin typeface="Calibri"/>
+                <a:ea typeface="Calibri"/>
+                <a:cs typeface="Calibri"/>
+                <a:sym typeface="Calibri"/>
+              </a:rPr>
+              <a:t>10. Espace utilisateur</a:t>
+            </a:r>
+            <a:br>
+              <a:rPr b="1" lang="fr" sz="1550">
+                <a:solidFill>
+                  <a:srgbClr val="202122"/>
+                </a:solidFill>
+                <a:latin typeface="Calibri"/>
+                <a:ea typeface="Calibri"/>
+                <a:cs typeface="Calibri"/>
+                <a:sym typeface="Calibri"/>
+              </a:rPr>
+            </a:br>
+            <a:r>
+              <a:rPr b="1" lang="fr" sz="1550">
+                <a:solidFill>
+                  <a:srgbClr val="202122"/>
+                </a:solidFill>
+                <a:latin typeface="Calibri"/>
+                <a:ea typeface="Calibri"/>
+                <a:cs typeface="Calibri"/>
+                <a:sym typeface="Calibri"/>
+              </a:rPr>
+              <a:t>11. Frameworks</a:t>
+            </a:r>
+            <a:br>
+              <a:rPr b="1" lang="fr" sz="1550">
+                <a:solidFill>
+                  <a:srgbClr val="202122"/>
+                </a:solidFill>
+                <a:latin typeface="Calibri"/>
+                <a:ea typeface="Calibri"/>
+                <a:cs typeface="Calibri"/>
+                <a:sym typeface="Calibri"/>
+              </a:rPr>
+            </a:br>
+            <a:r>
+              <a:rPr b="1" lang="fr" sz="1550">
+                <a:solidFill>
+                  <a:srgbClr val="202122"/>
+                </a:solidFill>
+                <a:latin typeface="Calibri"/>
+                <a:ea typeface="Calibri"/>
+                <a:cs typeface="Calibri"/>
+                <a:sym typeface="Calibri"/>
+              </a:rPr>
+              <a:t>12. Outils de développements</a:t>
+            </a:r>
+            <a:endParaRPr b="1" sz="1550">
               <a:solidFill>
                 <a:srgbClr val="202122"/>
               </a:solidFill>
@@ -9227,7 +11963,7 @@
                 <a:cs typeface="Calibri"/>
                 <a:sym typeface="Calibri"/>
               </a:rPr>
-              <a:t>2</a:t>
+              <a:t>1</a:t>
             </a:r>
             <a:endParaRPr b="1" sz="2400">
               <a:solidFill>
@@ -9301,6 +12037,64 @@
           </a:ln>
         </p:spPr>
       </p:cxnSp>
+      <p:sp>
+        <p:nvSpPr>
+          <p:cNvPr id="74" name="Google Shape;74;p15"/>
+          <p:cNvSpPr txBox="1"/>
+          <p:nvPr/>
+        </p:nvSpPr>
+        <p:spPr>
+          <a:xfrm>
+            <a:off x="3132300" y="-7650"/>
+            <a:ext cx="2879400" cy="569400"/>
+          </a:xfrm>
+          <a:prstGeom prst="rect">
+            <a:avLst/>
+          </a:prstGeom>
+          <a:noFill/>
+          <a:ln>
+            <a:noFill/>
+          </a:ln>
+        </p:spPr>
+        <p:txBody>
+          <a:bodyPr anchorCtr="0" anchor="t" bIns="91425" lIns="91425" spcFirstLastPara="1" rIns="91425" wrap="square" tIns="91425">
+            <a:spAutoFit/>
+          </a:bodyPr>
+          <a:lstStyle/>
+          <a:p>
+            <a:pPr indent="0" lvl="0" marL="0" rtl="0" algn="ctr">
+              <a:spcBef>
+                <a:spcPts val="0"/>
+              </a:spcBef>
+              <a:spcAft>
+                <a:spcPts val="0"/>
+              </a:spcAft>
+              <a:buNone/>
+            </a:pPr>
+            <a:r>
+              <a:rPr b="1" lang="fr" sz="2500" u="sng">
+                <a:solidFill>
+                  <a:srgbClr val="202122"/>
+                </a:solidFill>
+                <a:latin typeface="Calibri"/>
+                <a:ea typeface="Calibri"/>
+                <a:cs typeface="Calibri"/>
+                <a:sym typeface="Calibri"/>
+              </a:rPr>
+              <a:t>PRÉSENTATION</a:t>
+            </a:r>
+            <a:endParaRPr b="1" sz="2500" u="sng">
+              <a:solidFill>
+                <a:srgbClr val="202122"/>
+              </a:solidFill>
+              <a:latin typeface="Calibri"/>
+              <a:ea typeface="Calibri"/>
+              <a:cs typeface="Calibri"/>
+              <a:sym typeface="Calibri"/>
+            </a:endParaRPr>
+          </a:p>
+        </p:txBody>
+      </p:sp>
     </p:spTree>
   </p:cSld>
   <p:clrMapOvr>
@@ -9444,7 +12238,7 @@
     </p:bg>
     <p:spTree>
       <p:nvGrpSpPr>
-        <p:cNvPr id="77" name="Shape 77"/>
+        <p:cNvPr id="78" name="Shape 78"/>
         <p:cNvGrpSpPr/>
         <p:nvPr/>
       </p:nvGrpSpPr>
@@ -9458,7 +12252,7 @@
       </p:grpSpPr>
       <p:sp>
         <p:nvSpPr>
-          <p:cNvPr id="78" name="Google Shape;78;p16"/>
+          <p:cNvPr id="79" name="Google Shape;79;p16"/>
           <p:cNvSpPr txBox="1"/>
           <p:nvPr>
             <p:ph idx="1" type="body"/>
@@ -9542,7 +12336,7 @@
                 <a:cs typeface="Calibri"/>
                 <a:sym typeface="Calibri"/>
               </a:rPr>
-              <a:t>mais aussi des plans payant pour les professionnelles et entreprises.</a:t>
+              <a:t>mais aussi des plans payant pour les professionnels et entreprises.</a:t>
             </a:r>
             <a:endParaRPr b="1" sz="2700">
               <a:solidFill>
@@ -9558,7 +12352,7 @@
       </p:sp>
       <p:pic>
         <p:nvPicPr>
-          <p:cNvPr id="79" name="Google Shape;79;p16"/>
+          <p:cNvPr id="80" name="Google Shape;80;p16"/>
           <p:cNvPicPr preferRelativeResize="0"/>
           <p:nvPr/>
         </p:nvPicPr>
@@ -9585,7 +12379,7 @@
       </p:pic>
       <p:sp>
         <p:nvSpPr>
-          <p:cNvPr id="80" name="Google Shape;80;p16"/>
+          <p:cNvPr id="81" name="Google Shape;81;p16"/>
           <p:cNvSpPr txBox="1"/>
           <p:nvPr/>
         </p:nvSpPr>
@@ -9627,7 +12421,7 @@
                 <a:cs typeface="Calibri"/>
                 <a:sym typeface="Calibri"/>
               </a:rPr>
-              <a:t>3</a:t>
+              <a:t>2</a:t>
             </a:r>
             <a:endParaRPr b="1" sz="2400">
               <a:solidFill>
@@ -9643,7 +12437,7 @@
       </p:sp>
       <p:pic>
         <p:nvPicPr>
-          <p:cNvPr id="81" name="Google Shape;81;p16"/>
+          <p:cNvPr id="82" name="Google Shape;82;p16"/>
           <p:cNvPicPr preferRelativeResize="0"/>
           <p:nvPr/>
         </p:nvPicPr>
@@ -9677,7 +12471,7 @@
       </p:pic>
       <p:cxnSp>
         <p:nvCxnSpPr>
-          <p:cNvPr id="82" name="Google Shape;82;p16"/>
+          <p:cNvPr id="83" name="Google Shape;83;p16"/>
           <p:cNvCxnSpPr/>
           <p:nvPr/>
         </p:nvCxnSpPr>
@@ -9701,6 +12495,64 @@
           </a:ln>
         </p:spPr>
       </p:cxnSp>
+      <p:sp>
+        <p:nvSpPr>
+          <p:cNvPr id="84" name="Google Shape;84;p16"/>
+          <p:cNvSpPr txBox="1"/>
+          <p:nvPr/>
+        </p:nvSpPr>
+        <p:spPr>
+          <a:xfrm>
+            <a:off x="3419550" y="-7650"/>
+            <a:ext cx="2304900" cy="569400"/>
+          </a:xfrm>
+          <a:prstGeom prst="rect">
+            <a:avLst/>
+          </a:prstGeom>
+          <a:noFill/>
+          <a:ln>
+            <a:noFill/>
+          </a:ln>
+        </p:spPr>
+        <p:txBody>
+          <a:bodyPr anchorCtr="0" anchor="t" bIns="91425" lIns="91425" spcFirstLastPara="1" rIns="91425" wrap="square" tIns="91425">
+            <a:spAutoFit/>
+          </a:bodyPr>
+          <a:lstStyle/>
+          <a:p>
+            <a:pPr indent="0" lvl="0" marL="0" rtl="0" algn="ctr">
+              <a:spcBef>
+                <a:spcPts val="0"/>
+              </a:spcBef>
+              <a:spcAft>
+                <a:spcPts val="0"/>
+              </a:spcAft>
+              <a:buNone/>
+            </a:pPr>
+            <a:r>
+              <a:rPr b="1" lang="fr" sz="2500" u="sng">
+                <a:solidFill>
+                  <a:srgbClr val="202122"/>
+                </a:solidFill>
+                <a:latin typeface="Calibri"/>
+                <a:ea typeface="Calibri"/>
+                <a:cs typeface="Calibri"/>
+                <a:sym typeface="Calibri"/>
+              </a:rPr>
+              <a:t>TARIFICATION</a:t>
+            </a:r>
+            <a:endParaRPr b="1" sz="2500" u="sng">
+              <a:solidFill>
+                <a:srgbClr val="202122"/>
+              </a:solidFill>
+              <a:latin typeface="Calibri"/>
+              <a:ea typeface="Calibri"/>
+              <a:cs typeface="Calibri"/>
+              <a:sym typeface="Calibri"/>
+            </a:endParaRPr>
+          </a:p>
+        </p:txBody>
+      </p:sp>
     </p:spTree>
   </p:cSld>
   <p:clrMapOvr>
@@ -9740,7 +12592,7 @@
                                           </p:stCondLst>
                                         </p:cTn>
                                         <p:tgtEl>
-                                          <p:spTgt spid="81"/>
+                                          <p:spTgt spid="82"/>
                                         </p:tgtEl>
                                         <p:attrNameLst>
                                           <p:attrName>style.visibility</p:attrName>
@@ -9754,7 +12606,7 @@
                                       <p:cBhvr>
                                         <p:cTn dur="500"/>
                                         <p:tgtEl>
-                                          <p:spTgt spid="81"/>
+                                          <p:spTgt spid="82"/>
                                         </p:tgtEl>
                                       </p:cBhvr>
                                     </p:animEffect>
@@ -9775,7 +12627,7 @@
                                           </p:stCondLst>
                                         </p:cTn>
                                         <p:tgtEl>
-                                          <p:spTgt spid="78"/>
+                                          <p:spTgt spid="79"/>
                                         </p:tgtEl>
                                         <p:attrNameLst>
                                           <p:attrName>style.visibility</p:attrName>
@@ -9789,7 +12641,7 @@
                                       <p:cBhvr>
                                         <p:cTn dur="500"/>
                                         <p:tgtEl>
-                                          <p:spTgt spid="78"/>
+                                          <p:spTgt spid="79"/>
                                         </p:tgtEl>
                                       </p:cBhvr>
                                     </p:animEffect>
@@ -9844,7 +12696,7 @@
     </p:bg>
     <p:spTree>
       <p:nvGrpSpPr>
-        <p:cNvPr id="86" name="Shape 86"/>
+        <p:cNvPr id="88" name="Shape 88"/>
         <p:cNvGrpSpPr/>
         <p:nvPr/>
       </p:nvGrpSpPr>
@@ -9858,7 +12710,7 @@
       </p:grpSpPr>
       <p:sp>
         <p:nvSpPr>
-          <p:cNvPr id="87" name="Google Shape;87;p17"/>
+          <p:cNvPr id="89" name="Google Shape;89;p17"/>
           <p:cNvSpPr txBox="1"/>
           <p:nvPr>
             <p:ph idx="1" type="body"/>
@@ -9907,7 +12759,7 @@
                 <a:cs typeface="Calibri"/>
                 <a:sym typeface="Calibri"/>
               </a:rPr>
-              <a:t>Plusieurs méthode </a:t>
+              <a:t>Plusieurs méthodes </a:t>
             </a:r>
             <a:r>
               <a:rPr b="1" lang="fr" sz="1950">
@@ -9931,7 +12783,7 @@
                 <a:cs typeface="Calibri"/>
                 <a:sym typeface="Calibri"/>
               </a:rPr>
-              <a:t> sont disponible, ainsi que l’authentification unique </a:t>
+              <a:t> sont disponibles, ainsi que l’authentification unique </a:t>
             </a:r>
             <a:r>
               <a:rPr b="1" lang="fr" sz="1950">
@@ -9971,7 +12823,7 @@
       </p:sp>
       <p:pic>
         <p:nvPicPr>
-          <p:cNvPr id="88" name="Google Shape;88;p17"/>
+          <p:cNvPr id="90" name="Google Shape;90;p17"/>
           <p:cNvPicPr preferRelativeResize="0"/>
           <p:nvPr/>
         </p:nvPicPr>
@@ -9998,7 +12850,7 @@
       </p:pic>
       <p:sp>
         <p:nvSpPr>
-          <p:cNvPr id="89" name="Google Shape;89;p17"/>
+          <p:cNvPr id="91" name="Google Shape;91;p17"/>
           <p:cNvSpPr txBox="1"/>
           <p:nvPr/>
         </p:nvSpPr>
@@ -10040,7 +12892,7 @@
                 <a:cs typeface="Calibri"/>
                 <a:sym typeface="Calibri"/>
               </a:rPr>
-              <a:t>4</a:t>
+              <a:t>3</a:t>
             </a:r>
             <a:endParaRPr b="1" sz="2400">
               <a:solidFill>
@@ -10056,7 +12908,7 @@
       </p:sp>
       <p:cxnSp>
         <p:nvCxnSpPr>
-          <p:cNvPr id="90" name="Google Shape;90;p17"/>
+          <p:cNvPr id="92" name="Google Shape;92;p17"/>
           <p:cNvCxnSpPr/>
           <p:nvPr/>
         </p:nvCxnSpPr>
@@ -10082,7 +12934,7 @@
       </p:cxnSp>
       <p:pic>
         <p:nvPicPr>
-          <p:cNvPr id="91" name="Google Shape;91;p17"/>
+          <p:cNvPr id="93" name="Google Shape;93;p17"/>
           <p:cNvPicPr preferRelativeResize="0"/>
           <p:nvPr/>
         </p:nvPicPr>
@@ -10114,6 +12966,64 @@
           </a:effectLst>
         </p:spPr>
       </p:pic>
+      <p:sp>
+        <p:nvSpPr>
+          <p:cNvPr id="94" name="Google Shape;94;p17"/>
+          <p:cNvSpPr txBox="1"/>
+          <p:nvPr/>
+        </p:nvSpPr>
+        <p:spPr>
+          <a:xfrm>
+            <a:off x="3061050" y="-7650"/>
+            <a:ext cx="3021900" cy="569400"/>
+          </a:xfrm>
+          <a:prstGeom prst="rect">
+            <a:avLst/>
+          </a:prstGeom>
+          <a:noFill/>
+          <a:ln>
+            <a:noFill/>
+          </a:ln>
+        </p:spPr>
+        <p:txBody>
+          <a:bodyPr anchorCtr="0" anchor="t" bIns="91425" lIns="91425" spcFirstLastPara="1" rIns="91425" wrap="square" tIns="91425">
+            <a:spAutoFit/>
+          </a:bodyPr>
+          <a:lstStyle/>
+          <a:p>
+            <a:pPr indent="0" lvl="0" marL="0" rtl="0" algn="ctr">
+              <a:spcBef>
+                <a:spcPts val="0"/>
+              </a:spcBef>
+              <a:spcAft>
+                <a:spcPts val="0"/>
+              </a:spcAft>
+              <a:buNone/>
+            </a:pPr>
+            <a:r>
+              <a:rPr b="1" lang="fr" sz="2500" u="sng">
+                <a:solidFill>
+                  <a:srgbClr val="202122"/>
+                </a:solidFill>
+                <a:latin typeface="Calibri"/>
+                <a:ea typeface="Calibri"/>
+                <a:cs typeface="Calibri"/>
+                <a:sym typeface="Calibri"/>
+              </a:rPr>
+              <a:t>CONNEXION</a:t>
+            </a:r>
+            <a:endParaRPr b="1" sz="2500" u="sng">
+              <a:solidFill>
+                <a:srgbClr val="202122"/>
+              </a:solidFill>
+              <a:latin typeface="Calibri"/>
+              <a:ea typeface="Calibri"/>
+              <a:cs typeface="Calibri"/>
+              <a:sym typeface="Calibri"/>
+            </a:endParaRPr>
+          </a:p>
+        </p:txBody>
+      </p:sp>
     </p:spTree>
   </p:cSld>
   <p:clrMapOvr>
@@ -10153,7 +13063,7 @@
                                           </p:stCondLst>
                                         </p:cTn>
                                         <p:tgtEl>
-                                          <p:spTgt spid="87"/>
+                                          <p:spTgt spid="89"/>
                                         </p:tgtEl>
                                         <p:attrNameLst>
                                           <p:attrName>style.visibility</p:attrName>
@@ -10167,7 +13077,7 @@
                                       <p:cBhvr>
                                         <p:cTn dur="500"/>
                                         <p:tgtEl>
-                                          <p:spTgt spid="87"/>
+                                          <p:spTgt spid="89"/>
                                         </p:tgtEl>
                                       </p:cBhvr>
                                     </p:animEffect>
@@ -10188,7 +13098,7 @@
                                           </p:stCondLst>
                                         </p:cTn>
                                         <p:tgtEl>
-                                          <p:spTgt spid="91"/>
+                                          <p:spTgt spid="93"/>
                                         </p:tgtEl>
                                         <p:attrNameLst>
                                           <p:attrName>style.visibility</p:attrName>
@@ -10202,7 +13112,7 @@
                                       <p:cBhvr>
                                         <p:cTn dur="500"/>
                                         <p:tgtEl>
-                                          <p:spTgt spid="91"/>
+                                          <p:spTgt spid="93"/>
                                         </p:tgtEl>
                                       </p:cBhvr>
                                     </p:animEffect>
@@ -10257,7 +13167,7 @@
     </p:bg>
     <p:spTree>
       <p:nvGrpSpPr>
-        <p:cNvPr id="95" name="Shape 95"/>
+        <p:cNvPr id="98" name="Shape 98"/>
         <p:cNvGrpSpPr/>
         <p:nvPr/>
       </p:nvGrpSpPr>
@@ -10271,7 +13181,7 @@
       </p:grpSpPr>
       <p:pic>
         <p:nvPicPr>
-          <p:cNvPr id="96" name="Google Shape;96;p18"/>
+          <p:cNvPr id="99" name="Google Shape;99;p18"/>
           <p:cNvPicPr preferRelativeResize="0"/>
           <p:nvPr/>
         </p:nvPicPr>
@@ -10298,7 +13208,7 @@
       </p:pic>
       <p:sp>
         <p:nvSpPr>
-          <p:cNvPr id="97" name="Google Shape;97;p18"/>
+          <p:cNvPr id="100" name="Google Shape;100;p18"/>
           <p:cNvSpPr txBox="1"/>
           <p:nvPr/>
         </p:nvSpPr>
@@ -10340,7 +13250,7 @@
                 <a:cs typeface="Calibri"/>
                 <a:sym typeface="Calibri"/>
               </a:rPr>
-              <a:t>5</a:t>
+              <a:t>4</a:t>
             </a:r>
             <a:endParaRPr b="1" sz="2400">
               <a:solidFill>
@@ -10356,7 +13266,7 @@
       </p:sp>
       <p:cxnSp>
         <p:nvCxnSpPr>
-          <p:cNvPr id="98" name="Google Shape;98;p18"/>
+          <p:cNvPr id="101" name="Google Shape;101;p18"/>
           <p:cNvCxnSpPr/>
           <p:nvPr/>
         </p:nvCxnSpPr>
@@ -10382,7 +13292,7 @@
       </p:cxnSp>
       <p:sp>
         <p:nvSpPr>
-          <p:cNvPr id="99" name="Google Shape;99;p18"/>
+          <p:cNvPr id="102" name="Google Shape;102;p18"/>
           <p:cNvSpPr txBox="1"/>
           <p:nvPr>
             <p:ph idx="1" type="body"/>
@@ -10518,7 +13428,7 @@
       </p:sp>
       <p:pic>
         <p:nvPicPr>
-          <p:cNvPr id="100" name="Google Shape;100;p18"/>
+          <p:cNvPr id="103" name="Google Shape;103;p18"/>
           <p:cNvPicPr preferRelativeResize="0"/>
           <p:nvPr/>
         </p:nvPicPr>
@@ -10552,7 +13462,7 @@
       </p:pic>
       <p:sp>
         <p:nvSpPr>
-          <p:cNvPr id="101" name="Google Shape;101;p18"/>
+          <p:cNvPr id="104" name="Google Shape;104;p18"/>
           <p:cNvSpPr txBox="1"/>
           <p:nvPr/>
         </p:nvSpPr>
@@ -10657,7 +13567,7 @@
       </p:sp>
       <p:cxnSp>
         <p:nvCxnSpPr>
-          <p:cNvPr id="102" name="Google Shape;102;p18"/>
+          <p:cNvPr id="105" name="Google Shape;105;p18"/>
           <p:cNvCxnSpPr/>
           <p:nvPr/>
         </p:nvCxnSpPr>
@@ -10683,7 +13593,7 @@
       </p:cxnSp>
       <p:sp>
         <p:nvSpPr>
-          <p:cNvPr id="103" name="Google Shape;103;p18"/>
+          <p:cNvPr id="106" name="Google Shape;106;p18"/>
           <p:cNvSpPr/>
           <p:nvPr/>
         </p:nvSpPr>
@@ -10732,7 +13642,7 @@
       </p:sp>
       <p:cxnSp>
         <p:nvCxnSpPr>
-          <p:cNvPr id="104" name="Google Shape;104;p18"/>
+          <p:cNvPr id="107" name="Google Shape;107;p18"/>
           <p:cNvCxnSpPr/>
           <p:nvPr/>
         </p:nvCxnSpPr>
@@ -10758,7 +13668,7 @@
       </p:cxnSp>
       <p:pic>
         <p:nvPicPr>
-          <p:cNvPr id="105" name="Google Shape;105;p18"/>
+          <p:cNvPr id="108" name="Google Shape;108;p18"/>
           <p:cNvPicPr preferRelativeResize="0"/>
           <p:nvPr/>
         </p:nvPicPr>
@@ -10790,6 +13700,64 @@
           </a:effectLst>
         </p:spPr>
       </p:pic>
+      <p:sp>
+        <p:nvSpPr>
+          <p:cNvPr id="109" name="Google Shape;109;p18"/>
+          <p:cNvSpPr txBox="1"/>
+          <p:nvPr/>
+        </p:nvSpPr>
+        <p:spPr>
+          <a:xfrm>
+            <a:off x="2643450" y="-7650"/>
+            <a:ext cx="3857100" cy="569400"/>
+          </a:xfrm>
+          <a:prstGeom prst="rect">
+            <a:avLst/>
+          </a:prstGeom>
+          <a:noFill/>
+          <a:ln>
+            <a:noFill/>
+          </a:ln>
+        </p:spPr>
+        <p:txBody>
+          <a:bodyPr anchorCtr="0" anchor="t" bIns="91425" lIns="91425" spcFirstLastPara="1" rIns="91425" wrap="square" tIns="91425">
+            <a:spAutoFit/>
+          </a:bodyPr>
+          <a:lstStyle/>
+          <a:p>
+            <a:pPr indent="0" lvl="0" marL="0" rtl="0" algn="ctr">
+              <a:spcBef>
+                <a:spcPts val="0"/>
+              </a:spcBef>
+              <a:spcAft>
+                <a:spcPts val="0"/>
+              </a:spcAft>
+              <a:buNone/>
+            </a:pPr>
+            <a:r>
+              <a:rPr b="1" lang="fr" sz="2500" u="sng">
+                <a:solidFill>
+                  <a:srgbClr val="202122"/>
+                </a:solidFill>
+                <a:latin typeface="Calibri"/>
+                <a:ea typeface="Calibri"/>
+                <a:cs typeface="Calibri"/>
+                <a:sym typeface="Calibri"/>
+              </a:rPr>
+              <a:t>CLASSEMENT</a:t>
+            </a:r>
+            <a:endParaRPr b="1" sz="2500" u="sng">
+              <a:solidFill>
+                <a:srgbClr val="202122"/>
+              </a:solidFill>
+              <a:latin typeface="Calibri"/>
+              <a:ea typeface="Calibri"/>
+              <a:cs typeface="Calibri"/>
+              <a:sym typeface="Calibri"/>
+            </a:endParaRPr>
+          </a:p>
+        </p:txBody>
+      </p:sp>
     </p:spTree>
   </p:cSld>
   <p:clrMapOvr>
@@ -10803,94 +13771,6 @@
             <p:seq concurrent="1" nextAc="seek">
               <p:cTn dur="indefinite" id="2" nodeType="mainSeq">
                 <p:childTnLst>
-                  <p:par>
-                    <p:cTn fill="hold">
-                      <p:stCondLst>
-                        <p:cond delay="indefinite"/>
-                      </p:stCondLst>
-                      <p:childTnLst>
-                        <p:par>
-                          <p:cTn fill="hold">
-                            <p:stCondLst>
-                              <p:cond delay="0"/>
-                            </p:stCondLst>
-                            <p:childTnLst>
-                              <p:par>
-                                <p:cTn fill="hold" nodeType="clickEffect" presetClass="entr" presetID="10" presetSubtype="0">
-                                  <p:stCondLst>
-                                    <p:cond delay="0"/>
-                                  </p:stCondLst>
-                                  <p:childTnLst>
-                                    <p:set>
-                                      <p:cBhvr>
-                                        <p:cTn dur="1" fill="hold">
-                                          <p:stCondLst>
-                                            <p:cond delay="0"/>
-                                          </p:stCondLst>
-                                        </p:cTn>
-                                        <p:tgtEl>
-                                          <p:spTgt spid="99"/>
-                                        </p:tgtEl>
-                                        <p:attrNameLst>
-                                          <p:attrName>style.visibility</p:attrName>
-                                        </p:attrNameLst>
-                                      </p:cBhvr>
-                                      <p:to>
-                                        <p:strVal val="visible"/>
-                                      </p:to>
-                                    </p:set>
-                                    <p:animEffect filter="fade" transition="in">
-                                      <p:cBhvr>
-                                        <p:cTn dur="500"/>
-                                        <p:tgtEl>
-                                          <p:spTgt spid="99"/>
-                                        </p:tgtEl>
-                                      </p:cBhvr>
-                                    </p:animEffect>
-                                  </p:childTnLst>
-                                </p:cTn>
-                              </p:par>
-                              <p:par>
-                                <p:cTn fill="hold" nodeType="withEffect" presetClass="entr" presetID="10" presetSubtype="0">
-                                  <p:stCondLst>
-                                    <p:cond delay="0"/>
-                                  </p:stCondLst>
-                                  <p:childTnLst>
-                                    <p:set>
-                                      <p:cBhvr>
-                                        <p:cTn dur="1" fill="hold">
-                                          <p:stCondLst>
-                                            <p:cond delay="0"/>
-                                          </p:stCondLst>
-                                        </p:cTn>
-                                        <p:tgtEl>
-                                          <p:spTgt spid="100"/>
-                                        </p:tgtEl>
-                                        <p:attrNameLst>
-                                          <p:attrName>style.visibility</p:attrName>
-                                        </p:attrNameLst>
-                                      </p:cBhvr>
-                                      <p:to>
-                                        <p:strVal val="visible"/>
-                                      </p:to>
-                                    </p:set>
-                                    <p:animEffect filter="fade" transition="in">
-                                      <p:cBhvr>
-                                        <p:cTn dur="500"/>
-                                        <p:tgtEl>
-                                          <p:spTgt spid="100"/>
-                                        </p:tgtEl>
-                                      </p:cBhvr>
-                                    </p:animEffect>
-                                  </p:childTnLst>
-                                </p:cTn>
-                              </p:par>
-                            </p:childTnLst>
-                          </p:cTn>
-                        </p:par>
-                      </p:childTnLst>
-                    </p:cTn>
-                  </p:par>
                   <p:par>
                     <p:cTn fill="hold">
                       <p:stCondLst>
@@ -10973,6 +13853,129 @@
                                   </p:childTnLst>
                                 </p:cTn>
                               </p:par>
+                            </p:childTnLst>
+                          </p:cTn>
+                        </p:par>
+                      </p:childTnLst>
+                    </p:cTn>
+                  </p:par>
+                  <p:par>
+                    <p:cTn fill="hold">
+                      <p:stCondLst>
+                        <p:cond delay="indefinite"/>
+                      </p:stCondLst>
+                      <p:childTnLst>
+                        <p:par>
+                          <p:cTn fill="hold">
+                            <p:stCondLst>
+                              <p:cond delay="0"/>
+                            </p:stCondLst>
+                            <p:childTnLst>
+                              <p:par>
+                                <p:cTn fill="hold" nodeType="clickEffect" presetClass="entr" presetID="10" presetSubtype="0">
+                                  <p:stCondLst>
+                                    <p:cond delay="0"/>
+                                  </p:stCondLst>
+                                  <p:childTnLst>
+                                    <p:set>
+                                      <p:cBhvr>
+                                        <p:cTn dur="1" fill="hold">
+                                          <p:stCondLst>
+                                            <p:cond delay="0"/>
+                                          </p:stCondLst>
+                                        </p:cTn>
+                                        <p:tgtEl>
+                                          <p:spTgt spid="105"/>
+                                        </p:tgtEl>
+                                        <p:attrNameLst>
+                                          <p:attrName>style.visibility</p:attrName>
+                                        </p:attrNameLst>
+                                      </p:cBhvr>
+                                      <p:to>
+                                        <p:strVal val="visible"/>
+                                      </p:to>
+                                    </p:set>
+                                    <p:animEffect filter="fade" transition="in">
+                                      <p:cBhvr>
+                                        <p:cTn dur="500"/>
+                                        <p:tgtEl>
+                                          <p:spTgt spid="105"/>
+                                        </p:tgtEl>
+                                      </p:cBhvr>
+                                    </p:animEffect>
+                                  </p:childTnLst>
+                                </p:cTn>
+                              </p:par>
+                              <p:par>
+                                <p:cTn fill="hold" nodeType="withEffect" presetClass="entr" presetID="10" presetSubtype="0">
+                                  <p:stCondLst>
+                                    <p:cond delay="0"/>
+                                  </p:stCondLst>
+                                  <p:childTnLst>
+                                    <p:set>
+                                      <p:cBhvr>
+                                        <p:cTn dur="1" fill="hold">
+                                          <p:stCondLst>
+                                            <p:cond delay="0"/>
+                                          </p:stCondLst>
+                                        </p:cTn>
+                                        <p:tgtEl>
+                                          <p:spTgt spid="106"/>
+                                        </p:tgtEl>
+                                        <p:attrNameLst>
+                                          <p:attrName>style.visibility</p:attrName>
+                                        </p:attrNameLst>
+                                      </p:cBhvr>
+                                      <p:to>
+                                        <p:strVal val="visible"/>
+                                      </p:to>
+                                    </p:set>
+                                    <p:animEffect filter="fade" transition="in">
+                                      <p:cBhvr>
+                                        <p:cTn dur="500"/>
+                                        <p:tgtEl>
+                                          <p:spTgt spid="106"/>
+                                        </p:tgtEl>
+                                      </p:cBhvr>
+                                    </p:animEffect>
+                                  </p:childTnLst>
+                                </p:cTn>
+                              </p:par>
+                              <p:par>
+                                <p:cTn fill="hold" nodeType="withEffect" presetClass="entr" presetID="10" presetSubtype="0">
+                                  <p:stCondLst>
+                                    <p:cond delay="0"/>
+                                  </p:stCondLst>
+                                  <p:childTnLst>
+                                    <p:set>
+                                      <p:cBhvr>
+                                        <p:cTn dur="1" fill="hold">
+                                          <p:stCondLst>
+                                            <p:cond delay="0"/>
+                                          </p:stCondLst>
+                                        </p:cTn>
+                                        <p:tgtEl>
+                                          <p:spTgt spid="107"/>
+                                        </p:tgtEl>
+                                        <p:attrNameLst>
+                                          <p:attrName>style.visibility</p:attrName>
+                                        </p:attrNameLst>
+                                      </p:cBhvr>
+                                      <p:to>
+                                        <p:strVal val="visible"/>
+                                      </p:to>
+                                    </p:set>
+                                    <p:animEffect filter="fade" transition="in">
+                                      <p:cBhvr>
+                                        <p:cTn dur="500"/>
+                                        <p:tgtEl>
+                                          <p:spTgt spid="107"/>
+                                        </p:tgtEl>
+                                      </p:cBhvr>
+                                    </p:animEffect>
+                                  </p:childTnLst>
+                                </p:cTn>
+                              </p:par>
                               <p:par>
                                 <p:cTn fill="hold" nodeType="withEffect" presetClass="entr" presetID="10" presetSubtype="0">
                                   <p:stCondLst>
@@ -11002,41 +14005,6 @@
                                         <p:cTn dur="500"/>
                                         <p:tgtEl>
                                           <p:spTgt spid="104"/>
-                                        </p:tgtEl>
-                                      </p:cBhvr>
-                                    </p:animEffect>
-                                  </p:childTnLst>
-                                </p:cTn>
-                              </p:par>
-                              <p:par>
-                                <p:cTn fill="hold" nodeType="withEffect" presetClass="entr" presetID="10" presetSubtype="0">
-                                  <p:stCondLst>
-                                    <p:cond delay="0"/>
-                                  </p:stCondLst>
-                                  <p:childTnLst>
-                                    <p:set>
-                                      <p:cBhvr>
-                                        <p:cTn dur="1" fill="hold">
-                                          <p:stCondLst>
-                                            <p:cond delay="0"/>
-                                          </p:stCondLst>
-                                        </p:cTn>
-                                        <p:tgtEl>
-                                          <p:spTgt spid="101"/>
-                                        </p:tgtEl>
-                                        <p:attrNameLst>
-                                          <p:attrName>style.visibility</p:attrName>
-                                        </p:attrNameLst>
-                                      </p:cBhvr>
-                                      <p:to>
-                                        <p:strVal val="visible"/>
-                                      </p:to>
-                                    </p:set>
-                                    <p:animEffect filter="fade" transition="in">
-                                      <p:cBhvr>
-                                        <p:cTn dur="500"/>
-                                        <p:tgtEl>
-                                          <p:spTgt spid="101"/>
                                         </p:tgtEl>
                                       </p:cBhvr>
                                     </p:animEffect>
@@ -11075,7 +14043,7 @@
                                           </p:stCondLst>
                                         </p:cTn>
                                         <p:tgtEl>
-                                          <p:spTgt spid="100"/>
+                                          <p:spTgt spid="103"/>
                                         </p:tgtEl>
                                         <p:attrNameLst>
                                           <p:attrName>style.visibility</p:attrName>
@@ -11089,10 +14057,45 @@
                                       <p:cBhvr>
                                         <p:cTn dur="500"/>
                                         <p:tgtEl>
-                                          <p:spTgt spid="100"/>
+                                          <p:spTgt spid="103"/>
                                         </p:tgtEl>
                                       </p:cBhvr>
                                     </p:animEffect>
+                                  </p:childTnLst>
+                                </p:cTn>
+                              </p:par>
+                              <p:par>
+                                <p:cTn fill="hold" nodeType="withEffect" presetClass="exit" presetID="10" presetSubtype="0">
+                                  <p:stCondLst>
+                                    <p:cond delay="0"/>
+                                  </p:stCondLst>
+                                  <p:childTnLst>
+                                    <p:animEffect filter="fade" transition="out">
+                                      <p:cBhvr>
+                                        <p:cTn dur="500"/>
+                                        <p:tgtEl>
+                                          <p:spTgt spid="106"/>
+                                        </p:tgtEl>
+                                      </p:cBhvr>
+                                    </p:animEffect>
+                                    <p:set>
+                                      <p:cBhvr>
+                                        <p:cTn dur="1" fill="hold">
+                                          <p:stCondLst>
+                                            <p:cond delay="500"/>
+                                          </p:stCondLst>
+                                        </p:cTn>
+                                        <p:tgtEl>
+                                          <p:spTgt spid="106"/>
+                                        </p:tgtEl>
+                                        <p:attrNameLst>
+                                          <p:attrName>style.visibility</p:attrName>
+                                        </p:attrNameLst>
+                                      </p:cBhvr>
+                                      <p:to>
+                                        <p:strVal val="hidden"/>
+                                      </p:to>
+                                    </p:set>
                                   </p:childTnLst>
                                 </p:cTn>
                               </p:par>
@@ -11132,41 +14135,6 @@
                                 </p:cTn>
                               </p:par>
                               <p:par>
-                                <p:cTn fill="hold" nodeType="withEffect" presetClass="exit" presetID="10" presetSubtype="0">
-                                  <p:stCondLst>
-                                    <p:cond delay="0"/>
-                                  </p:stCondLst>
-                                  <p:childTnLst>
-                                    <p:animEffect filter="fade" transition="out">
-                                      <p:cBhvr>
-                                        <p:cTn dur="500"/>
-                                        <p:tgtEl>
-                                          <p:spTgt spid="100"/>
-                                        </p:tgtEl>
-                                      </p:cBhvr>
-                                    </p:animEffect>
-                                    <p:set>
-                                      <p:cBhvr>
-                                        <p:cTn dur="1" fill="hold">
-                                          <p:stCondLst>
-                                            <p:cond delay="500"/>
-                                          </p:stCondLst>
-                                        </p:cTn>
-                                        <p:tgtEl>
-                                          <p:spTgt spid="100"/>
-                                        </p:tgtEl>
-                                        <p:attrNameLst>
-                                          <p:attrName>style.visibility</p:attrName>
-                                        </p:attrNameLst>
-                                      </p:cBhvr>
-                                      <p:to>
-                                        <p:strVal val="hidden"/>
-                                      </p:to>
-                                    </p:set>
-                                  </p:childTnLst>
-                                </p:cTn>
-                              </p:par>
-                              <p:par>
                                 <p:cTn fill="hold" nodeType="withEffect" presetClass="entr" presetID="10" presetSubtype="0">
                                   <p:stCondLst>
                                     <p:cond delay="0"/>
@@ -11180,7 +14148,7 @@
                                           </p:stCondLst>
                                         </p:cTn>
                                         <p:tgtEl>
-                                          <p:spTgt spid="105"/>
+                                          <p:spTgt spid="108"/>
                                         </p:tgtEl>
                                         <p:attrNameLst>
                                           <p:attrName>style.visibility</p:attrName>
@@ -11194,7 +14162,7 @@
                                       <p:cBhvr>
                                         <p:cTn dur="500"/>
                                         <p:tgtEl>
-                                          <p:spTgt spid="105"/>
+                                          <p:spTgt spid="108"/>
                                         </p:tgtEl>
                                       </p:cBhvr>
                                     </p:animEffect>
@@ -11249,7 +14217,7 @@
     </p:bg>
     <p:spTree>
       <p:nvGrpSpPr>
-        <p:cNvPr id="109" name="Shape 109"/>
+        <p:cNvPr id="113" name="Shape 113"/>
         <p:cNvGrpSpPr/>
         <p:nvPr/>
       </p:nvGrpSpPr>
@@ -11263,7 +14231,7 @@
       </p:grpSpPr>
       <p:pic>
         <p:nvPicPr>
-          <p:cNvPr id="110" name="Google Shape;110;p19"/>
+          <p:cNvPr id="114" name="Google Shape;114;p19"/>
           <p:cNvPicPr preferRelativeResize="0"/>
           <p:nvPr/>
         </p:nvPicPr>
@@ -11290,7 +14258,7 @@
       </p:pic>
       <p:sp>
         <p:nvSpPr>
-          <p:cNvPr id="111" name="Google Shape;111;p19"/>
+          <p:cNvPr id="115" name="Google Shape;115;p19"/>
           <p:cNvSpPr txBox="1"/>
           <p:nvPr/>
         </p:nvSpPr>
@@ -11332,7 +14300,7 @@
                 <a:cs typeface="Calibri"/>
                 <a:sym typeface="Calibri"/>
               </a:rPr>
-              <a:t>6</a:t>
+              <a:t>5</a:t>
             </a:r>
             <a:endParaRPr b="1" sz="2400">
               <a:solidFill>
@@ -11348,7 +14316,7 @@
       </p:sp>
       <p:cxnSp>
         <p:nvCxnSpPr>
-          <p:cNvPr id="112" name="Google Shape;112;p19"/>
+          <p:cNvPr id="116" name="Google Shape;116;p19"/>
           <p:cNvCxnSpPr/>
           <p:nvPr/>
         </p:nvCxnSpPr>
@@ -11374,7 +14342,7 @@
       </p:cxnSp>
       <p:sp>
         <p:nvSpPr>
-          <p:cNvPr id="113" name="Google Shape;113;p19"/>
+          <p:cNvPr id="117" name="Google Shape;117;p19"/>
           <p:cNvSpPr txBox="1"/>
           <p:nvPr>
             <p:ph idx="1" type="body"/>
@@ -11516,7 +14484,7 @@
       </p:sp>
       <p:pic>
         <p:nvPicPr>
-          <p:cNvPr id="114" name="Google Shape;114;p19"/>
+          <p:cNvPr id="118" name="Google Shape;118;p19"/>
           <p:cNvPicPr preferRelativeResize="0"/>
           <p:nvPr/>
         </p:nvPicPr>
@@ -11550,7 +14518,7 @@
       </p:pic>
       <p:sp>
         <p:nvSpPr>
-          <p:cNvPr id="115" name="Google Shape;115;p19"/>
+          <p:cNvPr id="119" name="Google Shape;119;p19"/>
           <p:cNvSpPr txBox="1"/>
           <p:nvPr/>
         </p:nvSpPr>
@@ -11631,7 +14599,7 @@
       </p:sp>
       <p:sp>
         <p:nvSpPr>
-          <p:cNvPr id="116" name="Google Shape;116;p19"/>
+          <p:cNvPr id="120" name="Google Shape;120;p19"/>
           <p:cNvSpPr txBox="1"/>
           <p:nvPr/>
         </p:nvSpPr>
@@ -11678,7 +14646,7 @@
                 <a:cs typeface="Calibri"/>
                 <a:sym typeface="Calibri"/>
               </a:rPr>
-              <a:t>Rechercher parmi ses </a:t>
+              <a:t>Rechercher parmi ces </a:t>
             </a:r>
             <a:r>
               <a:rPr b="1" lang="fr" sz="2100">
@@ -11706,7 +14674,7 @@
       </p:sp>
       <p:sp>
         <p:nvSpPr>
-          <p:cNvPr id="117" name="Google Shape;117;p19"/>
+          <p:cNvPr id="121" name="Google Shape;121;p19"/>
           <p:cNvSpPr txBox="1"/>
           <p:nvPr/>
         </p:nvSpPr>
@@ -11781,7 +14749,7 @@
       </p:sp>
       <p:sp>
         <p:nvSpPr>
-          <p:cNvPr id="118" name="Google Shape;118;p19"/>
+          <p:cNvPr id="122" name="Google Shape;122;p19"/>
           <p:cNvSpPr txBox="1"/>
           <p:nvPr/>
         </p:nvSpPr>
@@ -11880,14 +14848,14 @@
       </p:sp>
       <p:sp>
         <p:nvSpPr>
-          <p:cNvPr id="119" name="Google Shape;119;p19"/>
+          <p:cNvPr id="123" name="Google Shape;123;p19"/>
           <p:cNvSpPr txBox="1"/>
           <p:nvPr/>
         </p:nvSpPr>
         <p:spPr>
           <a:xfrm>
-            <a:off x="3733050" y="-7650"/>
-            <a:ext cx="1677900" cy="569400"/>
+            <a:off x="2791350" y="-7650"/>
+            <a:ext cx="3561300" cy="569400"/>
           </a:xfrm>
           <a:prstGeom prst="rect">
             <a:avLst/>
@@ -11903,7 +14871,7 @@
           </a:bodyPr>
           <a:lstStyle/>
           <a:p>
-            <a:pPr indent="0" lvl="0" marL="0" rtl="0" algn="l">
+            <a:pPr indent="0" lvl="0" marL="0" rtl="0" algn="ctr">
               <a:spcBef>
                 <a:spcPts val="0"/>
               </a:spcBef>
@@ -11922,7 +14890,7 @@
                 <a:cs typeface="Calibri"/>
                 <a:sym typeface="Calibri"/>
               </a:rPr>
-              <a:t>LES OUTILS</a:t>
+              <a:t>OUTILS</a:t>
             </a:r>
             <a:endParaRPr b="1" sz="2500" u="sng">
               <a:solidFill>
@@ -11975,7 +14943,7 @@
                                           </p:stCondLst>
                                         </p:cTn>
                                         <p:tgtEl>
-                                          <p:spTgt spid="114"/>
+                                          <p:spTgt spid="118"/>
                                         </p:tgtEl>
                                         <p:attrNameLst>
                                           <p:attrName>style.visibility</p:attrName>
@@ -11989,7 +14957,7 @@
                                       <p:cBhvr>
                                         <p:cTn dur="500"/>
                                         <p:tgtEl>
-                                          <p:spTgt spid="114"/>
+                                          <p:spTgt spid="118"/>
                                         </p:tgtEl>
                                       </p:cBhvr>
                                     </p:animEffect>
@@ -12010,7 +14978,7 @@
                                           </p:stCondLst>
                                         </p:cTn>
                                         <p:tgtEl>
-                                          <p:spTgt spid="119"/>
+                                          <p:spTgt spid="123"/>
                                         </p:tgtEl>
                                         <p:attrNameLst>
                                           <p:attrName>style.visibility</p:attrName>
@@ -12024,166 +14992,7 @@
                                       <p:cBhvr>
                                         <p:cTn dur="500"/>
                                         <p:tgtEl>
-                                          <p:spTgt spid="119"/>
-                                        </p:tgtEl>
-                                      </p:cBhvr>
-                                    </p:animEffect>
-                                  </p:childTnLst>
-                                </p:cTn>
-                              </p:par>
-                            </p:childTnLst>
-                          </p:cTn>
-                        </p:par>
-                      </p:childTnLst>
-                    </p:cTn>
-                  </p:par>
-                  <p:par>
-                    <p:cTn fill="hold">
-                      <p:stCondLst>
-                        <p:cond delay="indefinite"/>
-                      </p:stCondLst>
-                      <p:childTnLst>
-                        <p:par>
-                          <p:cTn fill="hold">
-                            <p:stCondLst>
-                              <p:cond delay="0"/>
-                            </p:stCondLst>
-                            <p:childTnLst>
-                              <p:par>
-                                <p:cTn fill="hold" nodeType="clickEffect" presetClass="entr" presetID="10" presetSubtype="0">
-                                  <p:stCondLst>
-                                    <p:cond delay="0"/>
-                                  </p:stCondLst>
-                                  <p:childTnLst>
-                                    <p:set>
-                                      <p:cBhvr>
-                                        <p:cTn dur="1" fill="hold">
-                                          <p:stCondLst>
-                                            <p:cond delay="0"/>
-                                          </p:stCondLst>
-                                        </p:cTn>
-                                        <p:tgtEl>
-                                          <p:spTgt spid="113"/>
-                                        </p:tgtEl>
-                                        <p:attrNameLst>
-                                          <p:attrName>style.visibility</p:attrName>
-                                        </p:attrNameLst>
-                                      </p:cBhvr>
-                                      <p:to>
-                                        <p:strVal val="visible"/>
-                                      </p:to>
-                                    </p:set>
-                                    <p:animEffect filter="fade" transition="in">
-                                      <p:cBhvr>
-                                        <p:cTn dur="500"/>
-                                        <p:tgtEl>
-                                          <p:spTgt spid="113"/>
-                                        </p:tgtEl>
-                                      </p:cBhvr>
-                                    </p:animEffect>
-                                  </p:childTnLst>
-                                </p:cTn>
-                              </p:par>
-                            </p:childTnLst>
-                          </p:cTn>
-                        </p:par>
-                      </p:childTnLst>
-                    </p:cTn>
-                  </p:par>
-                  <p:par>
-                    <p:cTn fill="hold">
-                      <p:stCondLst>
-                        <p:cond delay="indefinite"/>
-                      </p:stCondLst>
-                      <p:childTnLst>
-                        <p:par>
-                          <p:cTn fill="hold">
-                            <p:stCondLst>
-                              <p:cond delay="0"/>
-                            </p:stCondLst>
-                            <p:childTnLst>
-                              <p:par>
-                                <p:cTn fill="hold" nodeType="clickEffect" presetClass="entr" presetID="10" presetSubtype="0">
-                                  <p:stCondLst>
-                                    <p:cond delay="0"/>
-                                  </p:stCondLst>
-                                  <p:childTnLst>
-                                    <p:set>
-                                      <p:cBhvr>
-                                        <p:cTn dur="1" fill="hold">
-                                          <p:stCondLst>
-                                            <p:cond delay="0"/>
-                                          </p:stCondLst>
-                                        </p:cTn>
-                                        <p:tgtEl>
-                                          <p:spTgt spid="115"/>
-                                        </p:tgtEl>
-                                        <p:attrNameLst>
-                                          <p:attrName>style.visibility</p:attrName>
-                                        </p:attrNameLst>
-                                      </p:cBhvr>
-                                      <p:to>
-                                        <p:strVal val="visible"/>
-                                      </p:to>
-                                    </p:set>
-                                    <p:animEffect filter="fade" transition="in">
-                                      <p:cBhvr>
-                                        <p:cTn dur="500"/>
-                                        <p:tgtEl>
-                                          <p:spTgt spid="115"/>
-                                        </p:tgtEl>
-                                      </p:cBhvr>
-                                    </p:animEffect>
-                                  </p:childTnLst>
-                                </p:cTn>
-                              </p:par>
-                            </p:childTnLst>
-                          </p:cTn>
-                        </p:par>
-                      </p:childTnLst>
-                    </p:cTn>
-                  </p:par>
-                  <p:par>
-                    <p:cTn fill="hold">
-                      <p:stCondLst>
-                        <p:cond delay="indefinite"/>
-                      </p:stCondLst>
-                      <p:childTnLst>
-                        <p:par>
-                          <p:cTn fill="hold">
-                            <p:stCondLst>
-                              <p:cond delay="0"/>
-                            </p:stCondLst>
-                            <p:childTnLst>
-                              <p:par>
-                                <p:cTn fill="hold" nodeType="clickEffect" presetClass="entr" presetID="10" presetSubtype="0">
-                                  <p:stCondLst>
-                                    <p:cond delay="0"/>
-                                  </p:stCondLst>
-                                  <p:childTnLst>
-                                    <p:set>
-                                      <p:cBhvr>
-                                        <p:cTn dur="1" fill="hold">
-                                          <p:stCondLst>
-                                            <p:cond delay="0"/>
-                                          </p:stCondLst>
-                                        </p:cTn>
-                                        <p:tgtEl>
-                                          <p:spTgt spid="116"/>
-                                        </p:tgtEl>
-                                        <p:attrNameLst>
-                                          <p:attrName>style.visibility</p:attrName>
-                                        </p:attrNameLst>
-                                      </p:cBhvr>
-                                      <p:to>
-                                        <p:strVal val="visible"/>
-                                      </p:to>
-                                    </p:set>
-                                    <p:animEffect filter="fade" transition="in">
-                                      <p:cBhvr>
-                                        <p:cTn dur="500"/>
-                                        <p:tgtEl>
-                                          <p:spTgt spid="116"/>
+                                          <p:spTgt spid="123"/>
                                         </p:tgtEl>
                                       </p:cBhvr>
                                     </p:animEffect>
@@ -12275,7 +15084,7 @@
                                           </p:stCondLst>
                                         </p:cTn>
                                         <p:tgtEl>
-                                          <p:spTgt spid="118"/>
+                                          <p:spTgt spid="119"/>
                                         </p:tgtEl>
                                         <p:attrNameLst>
                                           <p:attrName>style.visibility</p:attrName>
@@ -12289,7 +15098,166 @@
                                       <p:cBhvr>
                                         <p:cTn dur="500"/>
                                         <p:tgtEl>
-                                          <p:spTgt spid="118"/>
+                                          <p:spTgt spid="119"/>
+                                        </p:tgtEl>
+                                      </p:cBhvr>
+                                    </p:animEffect>
+                                  </p:childTnLst>
+                                </p:cTn>
+                              </p:par>
+                            </p:childTnLst>
+                          </p:cTn>
+                        </p:par>
+                      </p:childTnLst>
+                    </p:cTn>
+                  </p:par>
+                  <p:par>
+                    <p:cTn fill="hold">
+                      <p:stCondLst>
+                        <p:cond delay="indefinite"/>
+                      </p:stCondLst>
+                      <p:childTnLst>
+                        <p:par>
+                          <p:cTn fill="hold">
+                            <p:stCondLst>
+                              <p:cond delay="0"/>
+                            </p:stCondLst>
+                            <p:childTnLst>
+                              <p:par>
+                                <p:cTn fill="hold" nodeType="clickEffect" presetClass="entr" presetID="10" presetSubtype="0">
+                                  <p:stCondLst>
+                                    <p:cond delay="0"/>
+                                  </p:stCondLst>
+                                  <p:childTnLst>
+                                    <p:set>
+                                      <p:cBhvr>
+                                        <p:cTn dur="1" fill="hold">
+                                          <p:stCondLst>
+                                            <p:cond delay="0"/>
+                                          </p:stCondLst>
+                                        </p:cTn>
+                                        <p:tgtEl>
+                                          <p:spTgt spid="120"/>
+                                        </p:tgtEl>
+                                        <p:attrNameLst>
+                                          <p:attrName>style.visibility</p:attrName>
+                                        </p:attrNameLst>
+                                      </p:cBhvr>
+                                      <p:to>
+                                        <p:strVal val="visible"/>
+                                      </p:to>
+                                    </p:set>
+                                    <p:animEffect filter="fade" transition="in">
+                                      <p:cBhvr>
+                                        <p:cTn dur="500"/>
+                                        <p:tgtEl>
+                                          <p:spTgt spid="120"/>
+                                        </p:tgtEl>
+                                      </p:cBhvr>
+                                    </p:animEffect>
+                                  </p:childTnLst>
+                                </p:cTn>
+                              </p:par>
+                            </p:childTnLst>
+                          </p:cTn>
+                        </p:par>
+                      </p:childTnLst>
+                    </p:cTn>
+                  </p:par>
+                  <p:par>
+                    <p:cTn fill="hold">
+                      <p:stCondLst>
+                        <p:cond delay="indefinite"/>
+                      </p:stCondLst>
+                      <p:childTnLst>
+                        <p:par>
+                          <p:cTn fill="hold">
+                            <p:stCondLst>
+                              <p:cond delay="0"/>
+                            </p:stCondLst>
+                            <p:childTnLst>
+                              <p:par>
+                                <p:cTn fill="hold" nodeType="clickEffect" presetClass="entr" presetID="10" presetSubtype="0">
+                                  <p:stCondLst>
+                                    <p:cond delay="0"/>
+                                  </p:stCondLst>
+                                  <p:childTnLst>
+                                    <p:set>
+                                      <p:cBhvr>
+                                        <p:cTn dur="1" fill="hold">
+                                          <p:stCondLst>
+                                            <p:cond delay="0"/>
+                                          </p:stCondLst>
+                                        </p:cTn>
+                                        <p:tgtEl>
+                                          <p:spTgt spid="121"/>
+                                        </p:tgtEl>
+                                        <p:attrNameLst>
+                                          <p:attrName>style.visibility</p:attrName>
+                                        </p:attrNameLst>
+                                      </p:cBhvr>
+                                      <p:to>
+                                        <p:strVal val="visible"/>
+                                      </p:to>
+                                    </p:set>
+                                    <p:animEffect filter="fade" transition="in">
+                                      <p:cBhvr>
+                                        <p:cTn dur="500"/>
+                                        <p:tgtEl>
+                                          <p:spTgt spid="121"/>
+                                        </p:tgtEl>
+                                      </p:cBhvr>
+                                    </p:animEffect>
+                                  </p:childTnLst>
+                                </p:cTn>
+                              </p:par>
+                            </p:childTnLst>
+                          </p:cTn>
+                        </p:par>
+                      </p:childTnLst>
+                    </p:cTn>
+                  </p:par>
+                  <p:par>
+                    <p:cTn fill="hold">
+                      <p:stCondLst>
+                        <p:cond delay="indefinite"/>
+                      </p:stCondLst>
+                      <p:childTnLst>
+                        <p:par>
+                          <p:cTn fill="hold">
+                            <p:stCondLst>
+                              <p:cond delay="0"/>
+                            </p:stCondLst>
+                            <p:childTnLst>
+                              <p:par>
+                                <p:cTn fill="hold" nodeType="clickEffect" presetClass="entr" presetID="10" presetSubtype="0">
+                                  <p:stCondLst>
+                                    <p:cond delay="0"/>
+                                  </p:stCondLst>
+                                  <p:childTnLst>
+                                    <p:set>
+                                      <p:cBhvr>
+                                        <p:cTn dur="1" fill="hold">
+                                          <p:stCondLst>
+                                            <p:cond delay="0"/>
+                                          </p:stCondLst>
+                                        </p:cTn>
+                                        <p:tgtEl>
+                                          <p:spTgt spid="122"/>
+                                        </p:tgtEl>
+                                        <p:attrNameLst>
+                                          <p:attrName>style.visibility</p:attrName>
+                                        </p:attrNameLst>
+                                      </p:cBhvr>
+                                      <p:to>
+                                        <p:strVal val="visible"/>
+                                      </p:to>
+                                    </p:set>
+                                    <p:animEffect filter="fade" transition="in">
+                                      <p:cBhvr>
+                                        <p:cTn dur="500"/>
+                                        <p:tgtEl>
+                                          <p:spTgt spid="122"/>
                                         </p:tgtEl>
                                       </p:cBhvr>
                                     </p:animEffect>
@@ -12344,7 +15312,7 @@
     </p:bg>
     <p:spTree>
       <p:nvGrpSpPr>
-        <p:cNvPr id="123" name="Shape 123"/>
+        <p:cNvPr id="127" name="Shape 127"/>
         <p:cNvGrpSpPr/>
         <p:nvPr/>
       </p:nvGrpSpPr>
@@ -12358,7 +15326,7 @@
       </p:grpSpPr>
       <p:pic>
         <p:nvPicPr>
-          <p:cNvPr id="124" name="Google Shape;124;p20"/>
+          <p:cNvPr id="128" name="Google Shape;128;p20"/>
           <p:cNvPicPr preferRelativeResize="0"/>
           <p:nvPr/>
         </p:nvPicPr>
@@ -12385,7 +15353,7 @@
       </p:pic>
       <p:sp>
         <p:nvSpPr>
-          <p:cNvPr id="125" name="Google Shape;125;p20"/>
+          <p:cNvPr id="129" name="Google Shape;129;p20"/>
           <p:cNvSpPr txBox="1"/>
           <p:nvPr/>
         </p:nvSpPr>
@@ -12427,7 +15395,7 @@
                 <a:cs typeface="Calibri"/>
                 <a:sym typeface="Calibri"/>
               </a:rPr>
-              <a:t>7</a:t>
+              <a:t>6</a:t>
             </a:r>
             <a:endParaRPr b="1" sz="2400">
               <a:solidFill>
@@ -12443,7 +15411,7 @@
       </p:sp>
       <p:cxnSp>
         <p:nvCxnSpPr>
-          <p:cNvPr id="126" name="Google Shape;126;p20"/>
+          <p:cNvPr id="130" name="Google Shape;130;p20"/>
           <p:cNvCxnSpPr/>
           <p:nvPr/>
         </p:nvCxnSpPr>
@@ -12469,7 +15437,7 @@
       </p:cxnSp>
       <p:sp>
         <p:nvSpPr>
-          <p:cNvPr id="127" name="Google Shape;127;p20"/>
+          <p:cNvPr id="131" name="Google Shape;131;p20"/>
           <p:cNvSpPr txBox="1"/>
           <p:nvPr/>
         </p:nvSpPr>
@@ -12595,7 +15563,7 @@
       </p:sp>
       <p:sp>
         <p:nvSpPr>
-          <p:cNvPr id="128" name="Google Shape;128;p20"/>
+          <p:cNvPr id="132" name="Google Shape;132;p20"/>
           <p:cNvSpPr txBox="1"/>
           <p:nvPr/>
         </p:nvSpPr>
@@ -12618,7 +15586,7 @@
           </a:bodyPr>
           <a:lstStyle/>
           <a:p>
-            <a:pPr indent="0" lvl="0" marL="0" rtl="0" algn="l">
+            <a:pPr indent="0" lvl="0" marL="0" rtl="0" algn="ctr">
               <a:spcBef>
                 <a:spcPts val="0"/>
               </a:spcBef>
@@ -12637,7 +15605,7 @@
                 <a:cs typeface="Calibri"/>
                 <a:sym typeface="Calibri"/>
               </a:rPr>
-              <a:t>LES ACTUALIT</a:t>
+              <a:t>ACTUALIT</a:t>
             </a:r>
             <a:r>
               <a:rPr b="1" lang="fr" sz="2500" u="sng">
@@ -12665,7 +15633,7 @@
       </p:sp>
       <p:pic>
         <p:nvPicPr>
-          <p:cNvPr id="129" name="Google Shape;129;p20"/>
+          <p:cNvPr id="133" name="Google Shape;133;p20"/>
           <p:cNvPicPr preferRelativeResize="0"/>
           <p:nvPr/>
         </p:nvPicPr>
@@ -12699,7 +15667,7 @@
       </p:pic>
       <p:cxnSp>
         <p:nvCxnSpPr>
-          <p:cNvPr id="130" name="Google Shape;130;p20"/>
+          <p:cNvPr id="134" name="Google Shape;134;p20"/>
           <p:cNvCxnSpPr/>
           <p:nvPr/>
         </p:nvCxnSpPr>
@@ -12725,7 +15693,7 @@
       </p:cxnSp>
       <p:sp>
         <p:nvSpPr>
-          <p:cNvPr id="131" name="Google Shape;131;p20"/>
+          <p:cNvPr id="135" name="Google Shape;135;p20"/>
           <p:cNvSpPr/>
           <p:nvPr/>
         </p:nvSpPr>
@@ -12774,7 +15742,7 @@
       </p:sp>
       <p:cxnSp>
         <p:nvCxnSpPr>
-          <p:cNvPr id="132" name="Google Shape;132;p20"/>
+          <p:cNvPr id="136" name="Google Shape;136;p20"/>
           <p:cNvCxnSpPr/>
           <p:nvPr/>
         </p:nvCxnSpPr>
@@ -12837,7 +15805,7 @@
                                           </p:stCondLst>
                                         </p:cTn>
                                         <p:tgtEl>
-                                          <p:spTgt spid="128"/>
+                                          <p:spTgt spid="132"/>
                                         </p:tgtEl>
                                         <p:attrNameLst>
                                           <p:attrName>style.visibility</p:attrName>
@@ -12851,7 +15819,7 @@
                                       <p:cBhvr>
                                         <p:cTn dur="500"/>
                                         <p:tgtEl>
-                                          <p:spTgt spid="128"/>
+                                          <p:spTgt spid="132"/>
                                         </p:tgtEl>
                                       </p:cBhvr>
                                     </p:animEffect>
@@ -12890,7 +15858,7 @@
                                           </p:stCondLst>
                                         </p:cTn>
                                         <p:tgtEl>
-                                          <p:spTgt spid="127"/>
+                                          <p:spTgt spid="131"/>
                                         </p:tgtEl>
                                         <p:attrNameLst>
                                           <p:attrName>style.visibility</p:attrName>
@@ -12904,7 +15872,7 @@
                                       <p:cBhvr>
                                         <p:cTn dur="500"/>
                                         <p:tgtEl>
-                                          <p:spTgt spid="127"/>
+                                          <p:spTgt spid="131"/>
                                         </p:tgtEl>
                                       </p:cBhvr>
                                     </p:animEffect>
@@ -12925,7 +15893,7 @@
                                           </p:stCondLst>
                                         </p:cTn>
                                         <p:tgtEl>
-                                          <p:spTgt spid="130"/>
+                                          <p:spTgt spid="134"/>
                                         </p:tgtEl>
                                         <p:attrNameLst>
                                           <p:attrName>style.visibility</p:attrName>
@@ -12939,7 +15907,7 @@
                                       <p:cBhvr>
                                         <p:cTn dur="500"/>
                                         <p:tgtEl>
-                                          <p:spTgt spid="130"/>
+                                          <p:spTgt spid="134"/>
                                         </p:tgtEl>
                                       </p:cBhvr>
                                     </p:animEffect>
@@ -12960,7 +15928,7 @@
                                           </p:stCondLst>
                                         </p:cTn>
                                         <p:tgtEl>
-                                          <p:spTgt spid="129"/>
+                                          <p:spTgt spid="133"/>
                                         </p:tgtEl>
                                         <p:attrNameLst>
                                           <p:attrName>style.visibility</p:attrName>
@@ -12974,7 +15942,7 @@
                                       <p:cBhvr>
                                         <p:cTn dur="500"/>
                                         <p:tgtEl>
-                                          <p:spTgt spid="129"/>
+                                          <p:spTgt spid="133"/>
                                         </p:tgtEl>
                                       </p:cBhvr>
                                     </p:animEffect>
@@ -13013,7 +15981,7 @@
                                           </p:stCondLst>
                                         </p:cTn>
                                         <p:tgtEl>
-                                          <p:spTgt spid="132"/>
+                                          <p:spTgt spid="136"/>
                                         </p:tgtEl>
                                         <p:attrNameLst>
                                           <p:attrName>style.visibility</p:attrName>
@@ -13027,7 +15995,7 @@
                                       <p:cBhvr>
                                         <p:cTn dur="500"/>
                                         <p:tgtEl>
-                                          <p:spTgt spid="132"/>
+                                          <p:spTgt spid="136"/>
                                         </p:tgtEl>
                                       </p:cBhvr>
                                     </p:animEffect>
@@ -13048,7 +16016,7 @@
                                           </p:stCondLst>
                                         </p:cTn>
                                         <p:tgtEl>
-                                          <p:spTgt spid="131"/>
+                                          <p:spTgt spid="135"/>
                                         </p:tgtEl>
                                         <p:attrNameLst>
                                           <p:attrName>style.visibility</p:attrName>
@@ -13062,7 +16030,7 @@
                                       <p:cBhvr>
                                         <p:cTn dur="500"/>
                                         <p:tgtEl>
-                                          <p:spTgt spid="131"/>
+                                          <p:spTgt spid="135"/>
                                         </p:tgtEl>
                                       </p:cBhvr>
                                     </p:animEffect>
@@ -13117,7 +16085,7 @@
     </p:bg>
     <p:spTree>
       <p:nvGrpSpPr>
-        <p:cNvPr id="136" name="Shape 136"/>
+        <p:cNvPr id="140" name="Shape 140"/>
         <p:cNvGrpSpPr/>
         <p:nvPr/>
       </p:nvGrpSpPr>
@@ -13131,7 +16099,7 @@
       </p:grpSpPr>
       <p:pic>
         <p:nvPicPr>
-          <p:cNvPr id="137" name="Google Shape;137;p21"/>
+          <p:cNvPr id="141" name="Google Shape;141;p21"/>
           <p:cNvPicPr preferRelativeResize="0"/>
           <p:nvPr/>
         </p:nvPicPr>
@@ -13158,7 +16126,7 @@
       </p:pic>
       <p:sp>
         <p:nvSpPr>
-          <p:cNvPr id="138" name="Google Shape;138;p21"/>
+          <p:cNvPr id="142" name="Google Shape;142;p21"/>
           <p:cNvSpPr txBox="1"/>
           <p:nvPr/>
         </p:nvSpPr>
@@ -13200,7 +16168,7 @@
                 <a:cs typeface="Calibri"/>
                 <a:sym typeface="Calibri"/>
               </a:rPr>
-              <a:t>8</a:t>
+              <a:t>7</a:t>
             </a:r>
             <a:endParaRPr b="1" sz="2400">
               <a:solidFill>
@@ -13216,7 +16184,7 @@
       </p:sp>
       <p:cxnSp>
         <p:nvCxnSpPr>
-          <p:cNvPr id="139" name="Google Shape;139;p21"/>
+          <p:cNvPr id="143" name="Google Shape;143;p21"/>
           <p:cNvCxnSpPr/>
           <p:nvPr/>
         </p:nvCxnSpPr>
@@ -13242,7 +16210,7 @@
       </p:cxnSp>
       <p:sp>
         <p:nvSpPr>
-          <p:cNvPr id="140" name="Google Shape;140;p21"/>
+          <p:cNvPr id="144" name="Google Shape;144;p21"/>
           <p:cNvSpPr txBox="1"/>
           <p:nvPr/>
         </p:nvSpPr>
@@ -13403,14 +16371,14 @@
       </p:sp>
       <p:sp>
         <p:nvSpPr>
-          <p:cNvPr id="141" name="Google Shape;141;p21"/>
+          <p:cNvPr id="145" name="Google Shape;145;p21"/>
           <p:cNvSpPr txBox="1"/>
           <p:nvPr/>
         </p:nvSpPr>
         <p:spPr>
           <a:xfrm>
-            <a:off x="3363450" y="-7650"/>
-            <a:ext cx="2417100" cy="569400"/>
+            <a:off x="3119125" y="-7650"/>
+            <a:ext cx="2905800" cy="569400"/>
           </a:xfrm>
           <a:prstGeom prst="rect">
             <a:avLst/>
@@ -13426,7 +16394,7 @@
           </a:bodyPr>
           <a:lstStyle/>
           <a:p>
-            <a:pPr indent="0" lvl="0" marL="0" rtl="0" algn="l">
+            <a:pPr indent="0" lvl="0" marL="0" rtl="0" algn="ctr">
               <a:spcBef>
                 <a:spcPts val="0"/>
               </a:spcBef>
@@ -13445,7 +16413,7 @@
                 <a:cs typeface="Calibri"/>
                 <a:sym typeface="Calibri"/>
               </a:rPr>
-              <a:t>LES RECHERCHES</a:t>
+              <a:t>AJOUT DES  FLUX</a:t>
             </a:r>
             <a:endParaRPr b="1" sz="2500" u="sng">
               <a:solidFill>
@@ -13461,7 +16429,7 @@
       </p:sp>
       <p:cxnSp>
         <p:nvCxnSpPr>
-          <p:cNvPr id="142" name="Google Shape;142;p21"/>
+          <p:cNvPr id="146" name="Google Shape;146;p21"/>
           <p:cNvCxnSpPr/>
           <p:nvPr/>
         </p:nvCxnSpPr>
@@ -13487,7 +16455,7 @@
       </p:cxnSp>
       <p:pic>
         <p:nvPicPr>
-          <p:cNvPr id="143" name="Google Shape;143;p21"/>
+          <p:cNvPr id="147" name="Google Shape;147;p21"/>
           <p:cNvPicPr preferRelativeResize="0"/>
           <p:nvPr/>
         </p:nvPicPr>
@@ -13521,7 +16489,7 @@
       </p:pic>
       <p:pic>
         <p:nvPicPr>
-          <p:cNvPr id="144" name="Google Shape;144;p21"/>
+          <p:cNvPr id="148" name="Google Shape;148;p21"/>
           <p:cNvPicPr preferRelativeResize="0"/>
           <p:nvPr/>
         </p:nvPicPr>
@@ -13555,7 +16523,7 @@
       </p:pic>
       <p:sp>
         <p:nvSpPr>
-          <p:cNvPr id="145" name="Google Shape;145;p21"/>
+          <p:cNvPr id="149" name="Google Shape;149;p21"/>
           <p:cNvSpPr txBox="1"/>
           <p:nvPr/>
         </p:nvSpPr>
@@ -13613,7 +16581,7 @@
       </p:sp>
       <p:sp>
         <p:nvSpPr>
-          <p:cNvPr id="146" name="Google Shape;146;p21"/>
+          <p:cNvPr id="150" name="Google Shape;150;p21"/>
           <p:cNvSpPr/>
           <p:nvPr/>
         </p:nvSpPr>
@@ -13662,7 +16630,7 @@
       </p:sp>
       <p:cxnSp>
         <p:nvCxnSpPr>
-          <p:cNvPr id="147" name="Google Shape;147;p21"/>
+          <p:cNvPr id="151" name="Google Shape;151;p21"/>
           <p:cNvCxnSpPr/>
           <p:nvPr/>
         </p:nvCxnSpPr>
@@ -13688,7 +16656,7 @@
       </p:cxnSp>
       <p:sp>
         <p:nvSpPr>
-          <p:cNvPr id="148" name="Google Shape;148;p21"/>
+          <p:cNvPr id="152" name="Google Shape;152;p21"/>
           <p:cNvSpPr txBox="1"/>
           <p:nvPr/>
         </p:nvSpPr>
@@ -13787,7 +16755,7 @@
       </p:sp>
       <p:sp>
         <p:nvSpPr>
-          <p:cNvPr id="149" name="Google Shape;149;p21"/>
+          <p:cNvPr id="153" name="Google Shape;153;p21"/>
           <p:cNvSpPr txBox="1"/>
           <p:nvPr/>
         </p:nvSpPr>
@@ -13886,7 +16854,7 @@
       </p:sp>
       <p:sp>
         <p:nvSpPr>
-          <p:cNvPr id="150" name="Google Shape;150;p21"/>
+          <p:cNvPr id="154" name="Google Shape;154;p21"/>
           <p:cNvSpPr/>
           <p:nvPr/>
         </p:nvSpPr>
@@ -13935,7 +16903,7 @@
       </p:sp>
       <p:cxnSp>
         <p:nvCxnSpPr>
-          <p:cNvPr id="151" name="Google Shape;151;p21"/>
+          <p:cNvPr id="155" name="Google Shape;155;p21"/>
           <p:cNvCxnSpPr/>
           <p:nvPr/>
         </p:nvCxnSpPr>
@@ -13961,7 +16929,7 @@
       </p:cxnSp>
       <p:cxnSp>
         <p:nvCxnSpPr>
-          <p:cNvPr id="152" name="Google Shape;152;p21"/>
+          <p:cNvPr id="156" name="Google Shape;156;p21"/>
           <p:cNvCxnSpPr/>
           <p:nvPr/>
         </p:nvCxnSpPr>
@@ -13987,7 +16955,7 @@
       </p:cxnSp>
       <p:sp>
         <p:nvSpPr>
-          <p:cNvPr id="153" name="Google Shape;153;p21"/>
+          <p:cNvPr id="157" name="Google Shape;157;p21"/>
           <p:cNvSpPr/>
           <p:nvPr/>
         </p:nvSpPr>
@@ -14047,164 +17015,6 @@
             <p:seq concurrent="1" nextAc="seek">
               <p:cTn dur="indefinite" id="2" nodeType="mainSeq">
                 <p:childTnLst>
-                  <p:par>
-                    <p:cTn fill="hold">
-                      <p:stCondLst>
-                        <p:cond delay="indefinite"/>
-                      </p:stCondLst>
-                      <p:childTnLst>
-                        <p:par>
-                          <p:cTn fill="hold">
-                            <p:stCondLst>
-                              <p:cond delay="0"/>
-                            </p:stCondLst>
-                            <p:childTnLst>
-                              <p:par>
-                                <p:cTn fill="hold" nodeType="clickEffect" presetClass="entr" presetID="10" presetSubtype="0">
-                                  <p:stCondLst>
-                                    <p:cond delay="0"/>
-                                  </p:stCondLst>
-                                  <p:childTnLst>
-                                    <p:set>
-                                      <p:cBhvr>
-                                        <p:cTn dur="1" fill="hold">
-                                          <p:stCondLst>
-                                            <p:cond delay="0"/>
-                                          </p:stCondLst>
-                                        </p:cTn>
-                                        <p:tgtEl>
-                                          <p:spTgt spid="140"/>
-                                        </p:tgtEl>
-                                        <p:attrNameLst>
-                                          <p:attrName>style.visibility</p:attrName>
-                                        </p:attrNameLst>
-                                      </p:cBhvr>
-                                      <p:to>
-                                        <p:strVal val="visible"/>
-                                      </p:to>
-                                    </p:set>
-                                    <p:animEffect filter="fade" transition="in">
-                                      <p:cBhvr>
-                                        <p:cTn dur="500"/>
-                                        <p:tgtEl>
-                                          <p:spTgt spid="140"/>
-                                        </p:tgtEl>
-                                      </p:cBhvr>
-                                    </p:animEffect>
-                                  </p:childTnLst>
-                                </p:cTn>
-                              </p:par>
-                              <p:par>
-                                <p:cTn fill="hold" nodeType="withEffect" presetClass="entr" presetID="10" presetSubtype="0">
-                                  <p:stCondLst>
-                                    <p:cond delay="0"/>
-                                  </p:stCondLst>
-                                  <p:childTnLst>
-                                    <p:set>
-                                      <p:cBhvr>
-                                        <p:cTn dur="1" fill="hold">
-                                          <p:stCondLst>
-                                            <p:cond delay="0"/>
-                                          </p:stCondLst>
-                                        </p:cTn>
-                                        <p:tgtEl>
-                                          <p:spTgt spid="152"/>
-                                        </p:tgtEl>
-                                        <p:attrNameLst>
-                                          <p:attrName>style.visibility</p:attrName>
-                                        </p:attrNameLst>
-                                      </p:cBhvr>
-                                      <p:to>
-                                        <p:strVal val="visible"/>
-                                      </p:to>
-                                    </p:set>
-                                    <p:animEffect filter="fade" transition="in">
-                                      <p:cBhvr>
-                                        <p:cTn dur="500"/>
-                                        <p:tgtEl>
-                                          <p:spTgt spid="152"/>
-                                        </p:tgtEl>
-                                      </p:cBhvr>
-                                    </p:animEffect>
-                                  </p:childTnLst>
-                                </p:cTn>
-                              </p:par>
-                              <p:par>
-                                <p:cTn fill="hold" nodeType="withEffect" presetClass="entr" presetID="10" presetSubtype="0">
-                                  <p:stCondLst>
-                                    <p:cond delay="0"/>
-                                  </p:stCondLst>
-                                  <p:childTnLst>
-                                    <p:set>
-                                      <p:cBhvr>
-                                        <p:cTn dur="1" fill="hold">
-                                          <p:stCondLst>
-                                            <p:cond delay="0"/>
-                                          </p:stCondLst>
-                                        </p:cTn>
-                                        <p:tgtEl>
-                                          <p:spTgt spid="153"/>
-                                        </p:tgtEl>
-                                        <p:attrNameLst>
-                                          <p:attrName>style.visibility</p:attrName>
-                                        </p:attrNameLst>
-                                      </p:cBhvr>
-                                      <p:to>
-                                        <p:strVal val="visible"/>
-                                      </p:to>
-                                    </p:set>
-                                    <p:animEffect filter="fade" transition="in">
-                                      <p:cBhvr>
-                                        <p:cTn dur="500"/>
-                                        <p:tgtEl>
-                                          <p:spTgt spid="153"/>
-                                        </p:tgtEl>
-                                      </p:cBhvr>
-                                    </p:animEffect>
-                                  </p:childTnLst>
-                                </p:cTn>
-                              </p:par>
-                              <p:par>
-                                <p:cTn fill="hold" nodeType="withEffect" presetClass="entr" presetID="10" presetSubtype="0">
-                                  <p:stCondLst>
-                                    <p:cond delay="0"/>
-                                  </p:stCondLst>
-                                  <p:childTnLst>
-                                    <p:set>
-                                      <p:cBhvr>
-                                        <p:cTn dur="1" fill="hold">
-                                          <p:stCondLst>
-                                            <p:cond delay="0"/>
-                                          </p:stCondLst>
-                                        </p:cTn>
-                                        <p:tgtEl>
-                                          <p:spTgt spid="143"/>
-                                        </p:tgtEl>
-                                        <p:attrNameLst>
-                                          <p:attrName>style.visibility</p:attrName>
-                                        </p:attrNameLst>
-                                      </p:cBhvr>
-                                      <p:to>
-                                        <p:strVal val="visible"/>
-                                      </p:to>
-                                    </p:set>
-                                    <p:animEffect filter="fade" transition="in">
-                                      <p:cBhvr>
-                                        <p:cTn dur="500"/>
-                                        <p:tgtEl>
-                                          <p:spTgt spid="143"/>
-                                        </p:tgtEl>
-                                      </p:cBhvr>
-                                    </p:animEffect>
-                                  </p:childTnLst>
-                                </p:cTn>
-                              </p:par>
-                            </p:childTnLst>
-                          </p:cTn>
-                        </p:par>
-                      </p:childTnLst>
-                    </p:cTn>
-                  </p:par>
                   <p:par>
                     <p:cTn fill="hold">
                       <p:stCondLst>
@@ -14266,7 +17076,7 @@
                                           </p:stCondLst>
                                         </p:cTn>
                                         <p:tgtEl>
-                                          <p:spTgt spid="142"/>
+                                          <p:spTgt spid="156"/>
                                         </p:tgtEl>
                                         <p:attrNameLst>
                                           <p:attrName>style.visibility</p:attrName>
@@ -14280,7 +17090,7 @@
                                       <p:cBhvr>
                                         <p:cTn dur="500"/>
                                         <p:tgtEl>
-                                          <p:spTgt spid="142"/>
+                                          <p:spTgt spid="156"/>
                                         </p:tgtEl>
                                       </p:cBhvr>
                                     </p:animEffect>
@@ -14301,7 +17111,7 @@
                                           </p:stCondLst>
                                         </p:cTn>
                                         <p:tgtEl>
-                                          <p:spTgt spid="145"/>
+                                          <p:spTgt spid="157"/>
                                         </p:tgtEl>
                                         <p:attrNameLst>
                                           <p:attrName>style.visibility</p:attrName>
@@ -14315,7 +17125,7 @@
                                       <p:cBhvr>
                                         <p:cTn dur="500"/>
                                         <p:tgtEl>
-                                          <p:spTgt spid="145"/>
+                                          <p:spTgt spid="157"/>
                                         </p:tgtEl>
                                       </p:cBhvr>
                                     </p:animEffect>
@@ -14323,95 +17133,7 @@
                                 </p:cTn>
                               </p:par>
                               <p:par>
-                                <p:cTn fill="hold" nodeType="withEffect" presetClass="exit" presetID="10" presetSubtype="0">
-                                  <p:stCondLst>
-                                    <p:cond delay="0"/>
-                                  </p:stCondLst>
-                                  <p:childTnLst>
-                                    <p:animEffect filter="fade" transition="out">
-                                      <p:cBhvr>
-                                        <p:cTn dur="500"/>
-                                        <p:tgtEl>
-                                          <p:spTgt spid="152"/>
-                                        </p:tgtEl>
-                                      </p:cBhvr>
-                                    </p:animEffect>
-                                    <p:set>
-                                      <p:cBhvr>
-                                        <p:cTn dur="1" fill="hold">
-                                          <p:stCondLst>
-                                            <p:cond delay="500"/>
-                                          </p:stCondLst>
-                                        </p:cTn>
-                                        <p:tgtEl>
-                                          <p:spTgt spid="152"/>
-                                        </p:tgtEl>
-                                        <p:attrNameLst>
-                                          <p:attrName>style.visibility</p:attrName>
-                                        </p:attrNameLst>
-                                      </p:cBhvr>
-                                      <p:to>
-                                        <p:strVal val="hidden"/>
-                                      </p:to>
-                                    </p:set>
-                                  </p:childTnLst>
-                                </p:cTn>
-                              </p:par>
-                              <p:par>
-                                <p:cTn fill="hold" nodeType="withEffect" presetClass="exit" presetID="10" presetSubtype="0">
-                                  <p:stCondLst>
-                                    <p:cond delay="0"/>
-                                  </p:stCondLst>
-                                  <p:childTnLst>
-                                    <p:animEffect filter="fade" transition="out">
-                                      <p:cBhvr>
-                                        <p:cTn dur="500"/>
-                                        <p:tgtEl>
-                                          <p:spTgt spid="153"/>
-                                        </p:tgtEl>
-                                      </p:cBhvr>
-                                    </p:animEffect>
-                                    <p:set>
-                                      <p:cBhvr>
-                                        <p:cTn dur="1" fill="hold">
-                                          <p:stCondLst>
-                                            <p:cond delay="500"/>
-                                          </p:stCondLst>
-                                        </p:cTn>
-                                        <p:tgtEl>
-                                          <p:spTgt spid="153"/>
-                                        </p:tgtEl>
-                                        <p:attrNameLst>
-                                          <p:attrName>style.visibility</p:attrName>
-                                        </p:attrNameLst>
-                                      </p:cBhvr>
-                                      <p:to>
-                                        <p:strVal val="hidden"/>
-                                      </p:to>
-                                    </p:set>
-                                  </p:childTnLst>
-                                </p:cTn>
-                              </p:par>
-                            </p:childTnLst>
-                          </p:cTn>
-                        </p:par>
-                      </p:childTnLst>
-                    </p:cTn>
-                  </p:par>
-                  <p:par>
-                    <p:cTn fill="hold">
-                      <p:stCondLst>
-                        <p:cond delay="indefinite"/>
-                      </p:stCondLst>
-                      <p:childTnLst>
-                        <p:par>
-                          <p:cTn fill="hold">
-                            <p:stCondLst>
-                              <p:cond delay="0"/>
-                            </p:stCondLst>
-                            <p:childTnLst>
-                              <p:par>
-                                <p:cTn fill="hold" nodeType="clickEffect" presetClass="entr" presetID="10" presetSubtype="0">
+                                <p:cTn fill="hold" nodeType="withEffect" presetClass="entr" presetID="10" presetSubtype="0">
                                   <p:stCondLst>
                                     <p:cond delay="0"/>
                                   </p:stCondLst>
@@ -14445,8 +17167,26 @@
                                   </p:childTnLst>
                                 </p:cTn>
                               </p:par>
+                            </p:childTnLst>
+                          </p:cTn>
+                        </p:par>
+                      </p:childTnLst>
+                    </p:cTn>
+                  </p:par>
+                  <p:par>
+                    <p:cTn fill="hold">
+                      <p:stCondLst>
+                        <p:cond delay="indefinite"/>
+                      </p:stCondLst>
+                      <p:childTnLst>
+                        <p:par>
+                          <p:cTn fill="hold">
+                            <p:stCondLst>
+                              <p:cond delay="0"/>
+                            </p:stCondLst>
+                            <p:childTnLst>
                               <p:par>
-                                <p:cTn fill="hold" nodeType="withEffect" presetClass="entr" presetID="10" presetSubtype="0">
+                                <p:cTn fill="hold" nodeType="clickEffect" presetClass="entr" presetID="10" presetSubtype="0">
                                   <p:stCondLst>
                                     <p:cond delay="0"/>
                                   </p:stCondLst>
@@ -14506,7 +17246,7 @@
                                     </p:set>
                                     <p:animEffect filter="fade" transition="in">
                                       <p:cBhvr>
-                                        <p:cTn dur="600"/>
+                                        <p:cTn dur="500"/>
                                         <p:tgtEl>
                                           <p:spTgt spid="146"/>
                                         </p:tgtEl>
@@ -14515,26 +17255,8 @@
                                   </p:childTnLst>
                                 </p:cTn>
                               </p:par>
-                            </p:childTnLst>
-                          </p:cTn>
-                        </p:par>
-                      </p:childTnLst>
-                    </p:cTn>
-                  </p:par>
-                  <p:par>
-                    <p:cTn fill="hold">
-                      <p:stCondLst>
-                        <p:cond delay="indefinite"/>
-                      </p:stCondLst>
-                      <p:childTnLst>
-                        <p:par>
-                          <p:cTn fill="hold">
-                            <p:stCondLst>
-                              <p:cond delay="0"/>
-                            </p:stCondLst>
-                            <p:childTnLst>
                               <p:par>
-                                <p:cTn fill="hold" nodeType="clickEffect" presetClass="entr" presetID="10" presetSubtype="0">
+                                <p:cTn fill="hold" nodeType="withEffect" presetClass="entr" presetID="10" presetSubtype="0">
                                   <p:stCondLst>
                                     <p:cond delay="0"/>
                                   </p:stCondLst>
@@ -14569,7 +17291,95 @@
                                 </p:cTn>
                               </p:par>
                               <p:par>
-                                <p:cTn fill="hold" nodeType="withEffect" presetClass="entr" presetID="10" presetSubtype="0">
+                                <p:cTn fill="hold" nodeType="withEffect" presetClass="exit" presetID="10" presetSubtype="0">
+                                  <p:stCondLst>
+                                    <p:cond delay="0"/>
+                                  </p:stCondLst>
+                                  <p:childTnLst>
+                                    <p:animEffect filter="fade" transition="out">
+                                      <p:cBhvr>
+                                        <p:cTn dur="500"/>
+                                        <p:tgtEl>
+                                          <p:spTgt spid="156"/>
+                                        </p:tgtEl>
+                                      </p:cBhvr>
+                                    </p:animEffect>
+                                    <p:set>
+                                      <p:cBhvr>
+                                        <p:cTn dur="1" fill="hold">
+                                          <p:stCondLst>
+                                            <p:cond delay="500"/>
+                                          </p:stCondLst>
+                                        </p:cTn>
+                                        <p:tgtEl>
+                                          <p:spTgt spid="156"/>
+                                        </p:tgtEl>
+                                        <p:attrNameLst>
+                                          <p:attrName>style.visibility</p:attrName>
+                                        </p:attrNameLst>
+                                      </p:cBhvr>
+                                      <p:to>
+                                        <p:strVal val="hidden"/>
+                                      </p:to>
+                                    </p:set>
+                                  </p:childTnLst>
+                                </p:cTn>
+                              </p:par>
+                              <p:par>
+                                <p:cTn fill="hold" nodeType="withEffect" presetClass="exit" presetID="10" presetSubtype="0">
+                                  <p:stCondLst>
+                                    <p:cond delay="0"/>
+                                  </p:stCondLst>
+                                  <p:childTnLst>
+                                    <p:animEffect filter="fade" transition="out">
+                                      <p:cBhvr>
+                                        <p:cTn dur="500"/>
+                                        <p:tgtEl>
+                                          <p:spTgt spid="157"/>
+                                        </p:tgtEl>
+                                      </p:cBhvr>
+                                    </p:animEffect>
+                                    <p:set>
+                                      <p:cBhvr>
+                                        <p:cTn dur="1" fill="hold">
+                                          <p:stCondLst>
+                                            <p:cond delay="500"/>
+                                          </p:stCondLst>
+                                        </p:cTn>
+                                        <p:tgtEl>
+                                          <p:spTgt spid="157"/>
+                                        </p:tgtEl>
+                                        <p:attrNameLst>
+                                          <p:attrName>style.visibility</p:attrName>
+                                        </p:attrNameLst>
+                                      </p:cBhvr>
+                                      <p:to>
+                                        <p:strVal val="hidden"/>
+                                      </p:to>
+                                    </p:set>
+                                  </p:childTnLst>
+                                </p:cTn>
+                              </p:par>
+                            </p:childTnLst>
+                          </p:cTn>
+                        </p:par>
+                      </p:childTnLst>
+                    </p:cTn>
+                  </p:par>
+                  <p:par>
+                    <p:cTn fill="hold">
+                      <p:stCondLst>
+                        <p:cond delay="indefinite"/>
+                      </p:stCondLst>
+                      <p:childTnLst>
+                        <p:par>
+                          <p:cTn fill="hold">
+                            <p:stCondLst>
+                              <p:cond delay="0"/>
+                            </p:stCondLst>
+                            <p:childTnLst>
+                              <p:par>
+                                <p:cTn fill="hold" nodeType="clickEffect" presetClass="entr" presetID="10" presetSubtype="0">
                                   <p:stCondLst>
                                     <p:cond delay="0"/>
                                   </p:stCondLst>
@@ -14617,7 +17427,7 @@
                                           </p:stCondLst>
                                         </p:cTn>
                                         <p:tgtEl>
-                                          <p:spTgt spid="150"/>
+                                          <p:spTgt spid="152"/>
                                         </p:tgtEl>
                                         <p:attrNameLst>
                                           <p:attrName>style.visibility</p:attrName>
@@ -14631,7 +17441,165 @@
                                       <p:cBhvr>
                                         <p:cTn dur="500"/>
                                         <p:tgtEl>
+                                          <p:spTgt spid="152"/>
+                                        </p:tgtEl>
+                                      </p:cBhvr>
+                                    </p:animEffect>
+                                  </p:childTnLst>
+                                </p:cTn>
+                              </p:par>
+                              <p:par>
+                                <p:cTn fill="hold" nodeType="withEffect" presetClass="entr" presetID="10" presetSubtype="0">
+                                  <p:stCondLst>
+                                    <p:cond delay="0"/>
+                                  </p:stCondLst>
+                                  <p:childTnLst>
+                                    <p:set>
+                                      <p:cBhvr>
+                                        <p:cTn dur="1" fill="hold">
+                                          <p:stCondLst>
+                                            <p:cond delay="0"/>
+                                          </p:stCondLst>
+                                        </p:cTn>
+                                        <p:tgtEl>
                                           <p:spTgt spid="150"/>
+                                        </p:tgtEl>
+                                        <p:attrNameLst>
+                                          <p:attrName>style.visibility</p:attrName>
+                                        </p:attrNameLst>
+                                      </p:cBhvr>
+                                      <p:to>
+                                        <p:strVal val="visible"/>
+                                      </p:to>
+                                    </p:set>
+                                    <p:animEffect filter="fade" transition="in">
+                                      <p:cBhvr>
+                                        <p:cTn dur="600"/>
+                                        <p:tgtEl>
+                                          <p:spTgt spid="150"/>
+                                        </p:tgtEl>
+                                      </p:cBhvr>
+                                    </p:animEffect>
+                                  </p:childTnLst>
+                                </p:cTn>
+                              </p:par>
+                            </p:childTnLst>
+                          </p:cTn>
+                        </p:par>
+                      </p:childTnLst>
+                    </p:cTn>
+                  </p:par>
+                  <p:par>
+                    <p:cTn fill="hold">
+                      <p:stCondLst>
+                        <p:cond delay="indefinite"/>
+                      </p:stCondLst>
+                      <p:childTnLst>
+                        <p:par>
+                          <p:cTn fill="hold">
+                            <p:stCondLst>
+                              <p:cond delay="0"/>
+                            </p:stCondLst>
+                            <p:childTnLst>
+                              <p:par>
+                                <p:cTn fill="hold" nodeType="clickEffect" presetClass="entr" presetID="10" presetSubtype="0">
+                                  <p:stCondLst>
+                                    <p:cond delay="0"/>
+                                  </p:stCondLst>
+                                  <p:childTnLst>
+                                    <p:set>
+                                      <p:cBhvr>
+                                        <p:cTn dur="1" fill="hold">
+                                          <p:stCondLst>
+                                            <p:cond delay="0"/>
+                                          </p:stCondLst>
+                                        </p:cTn>
+                                        <p:tgtEl>
+                                          <p:spTgt spid="153"/>
+                                        </p:tgtEl>
+                                        <p:attrNameLst>
+                                          <p:attrName>style.visibility</p:attrName>
+                                        </p:attrNameLst>
+                                      </p:cBhvr>
+                                      <p:to>
+                                        <p:strVal val="visible"/>
+                                      </p:to>
+                                    </p:set>
+                                    <p:animEffect filter="fade" transition="in">
+                                      <p:cBhvr>
+                                        <p:cTn dur="500"/>
+                                        <p:tgtEl>
+                                          <p:spTgt spid="153"/>
+                                        </p:tgtEl>
+                                      </p:cBhvr>
+                                    </p:animEffect>
+                                  </p:childTnLst>
+                                </p:cTn>
+                              </p:par>
+                              <p:par>
+                                <p:cTn fill="hold" nodeType="withEffect" presetClass="entr" presetID="10" presetSubtype="0">
+                                  <p:stCondLst>
+                                    <p:cond delay="0"/>
+                                  </p:stCondLst>
+                                  <p:childTnLst>
+                                    <p:set>
+                                      <p:cBhvr>
+                                        <p:cTn dur="1" fill="hold">
+                                          <p:stCondLst>
+                                            <p:cond delay="0"/>
+                                          </p:stCondLst>
+                                        </p:cTn>
+                                        <p:tgtEl>
+                                          <p:spTgt spid="155"/>
+                                        </p:tgtEl>
+                                        <p:attrNameLst>
+                                          <p:attrName>style.visibility</p:attrName>
+                                        </p:attrNameLst>
+                                      </p:cBhvr>
+                                      <p:to>
+                                        <p:strVal val="visible"/>
+                                      </p:to>
+                                    </p:set>
+                                    <p:animEffect filter="fade" transition="in">
+                                      <p:cBhvr>
+                                        <p:cTn dur="500"/>
+                                        <p:tgtEl>
+                                          <p:spTgt spid="155"/>
+                                        </p:tgtEl>
+                                      </p:cBhvr>
+                                    </p:animEffect>
+                                  </p:childTnLst>
+                                </p:cTn>
+                              </p:par>
+                              <p:par>
+                                <p:cTn fill="hold" nodeType="withEffect" presetClass="entr" presetID="10" presetSubtype="0">
+                                  <p:stCondLst>
+                                    <p:cond delay="0"/>
+                                  </p:stCondLst>
+                                  <p:childTnLst>
+                                    <p:set>
+                                      <p:cBhvr>
+                                        <p:cTn dur="1" fill="hold">
+                                          <p:stCondLst>
+                                            <p:cond delay="0"/>
+                                          </p:stCondLst>
+                                        </p:cTn>
+                                        <p:tgtEl>
+                                          <p:spTgt spid="154"/>
+                                        </p:tgtEl>
+                                        <p:attrNameLst>
+                                          <p:attrName>style.visibility</p:attrName>
+                                        </p:attrNameLst>
+                                      </p:cBhvr>
+                                      <p:to>
+                                        <p:strVal val="visible"/>
+                                      </p:to>
+                                    </p:set>
+                                    <p:animEffect filter="fade" transition="in">
+                                      <p:cBhvr>
+                                        <p:cTn dur="500"/>
+                                        <p:tgtEl>
+                                          <p:spTgt spid="154"/>
                                         </p:tgtEl>
                                       </p:cBhvr>
                                     </p:animEffect>
@@ -14648,7 +17616,7 @@
                                       <p:cBhvr>
                                         <p:cTn dur="500"/>
                                         <p:tgtEl>
-                                          <p:spTgt spid="147"/>
+                                          <p:spTgt spid="151"/>
                                         </p:tgtEl>
                                       </p:cBhvr>
                                     </p:animEffect>
@@ -14660,7 +17628,7 @@
                                           </p:stCondLst>
                                         </p:cTn>
                                         <p:tgtEl>
-                                          <p:spTgt spid="147"/>
+                                          <p:spTgt spid="151"/>
                                         </p:tgtEl>
                                         <p:attrNameLst>
                                           <p:attrName>style.visibility</p:attrName>
@@ -14683,7 +17651,7 @@
                                       <p:cBhvr>
                                         <p:cTn dur="500"/>
                                         <p:tgtEl>
-                                          <p:spTgt spid="146"/>
+                                          <p:spTgt spid="150"/>
                                         </p:tgtEl>
                                       </p:cBhvr>
                                     </p:animEffect>
@@ -14695,7 +17663,7 @@
                                           </p:stCondLst>
                                         </p:cTn>
                                         <p:tgtEl>
-                                          <p:spTgt spid="146"/>
+                                          <p:spTgt spid="150"/>
                                         </p:tgtEl>
                                         <p:attrNameLst>
                                           <p:attrName>style.visibility</p:attrName>
